--- a/papers/presentation/2019_04_18_Presentation.pptx
+++ b/papers/presentation/2019_04_18_Presentation.pptx
@@ -4,9 +4,20 @@
   <p:sldMasterIdLst>
     <p:sldMasterId id="2147483648" r:id="rId1"/>
   </p:sldMasterIdLst>
+  <p:notesMasterIdLst>
+    <p:notesMasterId r:id="rId12"/>
+  </p:notesMasterIdLst>
   <p:sldIdLst>
     <p:sldId id="256" r:id="rId2"/>
-    <p:sldId id="257" r:id="rId3"/>
+    <p:sldId id="263" r:id="rId3"/>
+    <p:sldId id="258" r:id="rId4"/>
+    <p:sldId id="268" r:id="rId5"/>
+    <p:sldId id="257" r:id="rId6"/>
+    <p:sldId id="259" r:id="rId7"/>
+    <p:sldId id="261" r:id="rId8"/>
+    <p:sldId id="264" r:id="rId9"/>
+    <p:sldId id="265" r:id="rId10"/>
+    <p:sldId id="267" r:id="rId11"/>
   </p:sldIdLst>
   <p:sldSz cx="12192000" cy="6858000"/>
   <p:notesSz cx="6858000" cy="9144000"/>
@@ -105,7 +116,362 @@
       </a:defRPr>
     </a:lvl9pPr>
   </p:defaultTextStyle>
+  <p:extLst>
+    <p:ext uri="{EFAFB233-063F-42B5-8137-9DF3F51BA10A}">
+      <p15:sldGuideLst xmlns:p15="http://schemas.microsoft.com/office/powerpoint/2012/main"/>
+    </p:ext>
+  </p:extLst>
 </p:presentation>
+</file>
+
+<file path=ppt/notesMasters/notesMaster1.xml><?xml version="1.0" encoding="utf-8"?>
+<p:notesMaster xmlns:a="http://schemas.openxmlformats.org/drawingml/2006/main" xmlns:r="http://schemas.openxmlformats.org/officeDocument/2006/relationships" xmlns:p="http://schemas.openxmlformats.org/presentationml/2006/main">
+  <p:cSld>
+    <p:bg>
+      <p:bgRef idx="1001">
+        <a:schemeClr val="bg1"/>
+      </p:bgRef>
+    </p:bg>
+    <p:spTree>
+      <p:nvGrpSpPr>
+        <p:cNvPr id="1" name=""/>
+        <p:cNvGrpSpPr/>
+        <p:nvPr/>
+      </p:nvGrpSpPr>
+      <p:grpSpPr>
+        <a:xfrm>
+          <a:off x="0" y="0"/>
+          <a:ext cx="0" cy="0"/>
+          <a:chOff x="0" y="0"/>
+          <a:chExt cx="0" cy="0"/>
+        </a:xfrm>
+      </p:grpSpPr>
+      <p:sp>
+        <p:nvSpPr>
+          <p:cNvPr id="2" name="Header Placeholder 1"/>
+          <p:cNvSpPr>
+            <a:spLocks noGrp="1"/>
+          </p:cNvSpPr>
+          <p:nvPr>
+            <p:ph type="hdr" sz="quarter"/>
+          </p:nvPr>
+        </p:nvSpPr>
+        <p:spPr>
+          <a:xfrm>
+            <a:off x="0" y="0"/>
+            <a:ext cx="2971800" cy="458788"/>
+          </a:xfrm>
+          <a:prstGeom prst="rect">
+            <a:avLst/>
+          </a:prstGeom>
+        </p:spPr>
+        <p:txBody>
+          <a:bodyPr vert="horz" lIns="91440" tIns="45720" rIns="91440" bIns="45720" rtlCol="0"/>
+          <a:lstStyle>
+            <a:lvl1pPr algn="l">
+              <a:defRPr sz="1200"/>
+            </a:lvl1pPr>
+          </a:lstStyle>
+          <a:p>
+            <a:endParaRPr lang="en-US"/>
+          </a:p>
+        </p:txBody>
+      </p:sp>
+      <p:sp>
+        <p:nvSpPr>
+          <p:cNvPr id="3" name="Date Placeholder 2"/>
+          <p:cNvSpPr>
+            <a:spLocks noGrp="1"/>
+          </p:cNvSpPr>
+          <p:nvPr>
+            <p:ph type="dt" idx="1"/>
+          </p:nvPr>
+        </p:nvSpPr>
+        <p:spPr>
+          <a:xfrm>
+            <a:off x="3884613" y="0"/>
+            <a:ext cx="2971800" cy="458788"/>
+          </a:xfrm>
+          <a:prstGeom prst="rect">
+            <a:avLst/>
+          </a:prstGeom>
+        </p:spPr>
+        <p:txBody>
+          <a:bodyPr vert="horz" lIns="91440" tIns="45720" rIns="91440" bIns="45720" rtlCol="0"/>
+          <a:lstStyle>
+            <a:lvl1pPr algn="r">
+              <a:defRPr sz="1200"/>
+            </a:lvl1pPr>
+          </a:lstStyle>
+          <a:p>
+            <a:fld id="{A9A29972-AB5A-804C-9056-D82ACD60072A}" type="datetimeFigureOut">
+              <a:rPr lang="en-US" smtClean="0"/>
+              <a:t>4/18/19</a:t>
+            </a:fld>
+            <a:endParaRPr lang="en-US"/>
+          </a:p>
+        </p:txBody>
+      </p:sp>
+      <p:sp>
+        <p:nvSpPr>
+          <p:cNvPr id="4" name="Slide Image Placeholder 3"/>
+          <p:cNvSpPr>
+            <a:spLocks noGrp="1" noRot="1" noChangeAspect="1"/>
+          </p:cNvSpPr>
+          <p:nvPr>
+            <p:ph type="sldImg" idx="2"/>
+          </p:nvPr>
+        </p:nvSpPr>
+        <p:spPr>
+          <a:xfrm>
+            <a:off x="685800" y="1143000"/>
+            <a:ext cx="5486400" cy="3086100"/>
+          </a:xfrm>
+          <a:prstGeom prst="rect">
+            <a:avLst/>
+          </a:prstGeom>
+          <a:noFill/>
+          <a:ln w="12700">
+            <a:solidFill>
+              <a:prstClr val="black"/>
+            </a:solidFill>
+          </a:ln>
+        </p:spPr>
+        <p:txBody>
+          <a:bodyPr vert="horz" lIns="91440" tIns="45720" rIns="91440" bIns="45720" rtlCol="0" anchor="ctr"/>
+          <a:lstStyle/>
+          <a:p>
+            <a:endParaRPr lang="en-US"/>
+          </a:p>
+        </p:txBody>
+      </p:sp>
+      <p:sp>
+        <p:nvSpPr>
+          <p:cNvPr id="5" name="Notes Placeholder 4"/>
+          <p:cNvSpPr>
+            <a:spLocks noGrp="1"/>
+          </p:cNvSpPr>
+          <p:nvPr>
+            <p:ph type="body" sz="quarter" idx="3"/>
+          </p:nvPr>
+        </p:nvSpPr>
+        <p:spPr>
+          <a:xfrm>
+            <a:off x="685800" y="4400550"/>
+            <a:ext cx="5486400" cy="3600450"/>
+          </a:xfrm>
+          <a:prstGeom prst="rect">
+            <a:avLst/>
+          </a:prstGeom>
+        </p:spPr>
+        <p:txBody>
+          <a:bodyPr vert="horz" lIns="91440" tIns="45720" rIns="91440" bIns="45720" rtlCol="0"/>
+          <a:lstStyle/>
+          <a:p>
+            <a:pPr lvl="0"/>
+            <a:r>
+              <a:rPr lang="en-US" smtClean="0"/>
+              <a:t>Click to edit Master text styles</a:t>
+            </a:r>
+          </a:p>
+          <a:p>
+            <a:pPr lvl="1"/>
+            <a:r>
+              <a:rPr lang="en-US" smtClean="0"/>
+              <a:t>Second level</a:t>
+            </a:r>
+          </a:p>
+          <a:p>
+            <a:pPr lvl="2"/>
+            <a:r>
+              <a:rPr lang="en-US" smtClean="0"/>
+              <a:t>Third level</a:t>
+            </a:r>
+          </a:p>
+          <a:p>
+            <a:pPr lvl="3"/>
+            <a:r>
+              <a:rPr lang="en-US" smtClean="0"/>
+              <a:t>Fourth level</a:t>
+            </a:r>
+          </a:p>
+          <a:p>
+            <a:pPr lvl="4"/>
+            <a:r>
+              <a:rPr lang="en-US" smtClean="0"/>
+              <a:t>Fifth level</a:t>
+            </a:r>
+            <a:endParaRPr lang="en-US"/>
+          </a:p>
+        </p:txBody>
+      </p:sp>
+      <p:sp>
+        <p:nvSpPr>
+          <p:cNvPr id="6" name="Footer Placeholder 5"/>
+          <p:cNvSpPr>
+            <a:spLocks noGrp="1"/>
+          </p:cNvSpPr>
+          <p:nvPr>
+            <p:ph type="ftr" sz="quarter" idx="4"/>
+          </p:nvPr>
+        </p:nvSpPr>
+        <p:spPr>
+          <a:xfrm>
+            <a:off x="0" y="8685213"/>
+            <a:ext cx="2971800" cy="458787"/>
+          </a:xfrm>
+          <a:prstGeom prst="rect">
+            <a:avLst/>
+          </a:prstGeom>
+        </p:spPr>
+        <p:txBody>
+          <a:bodyPr vert="horz" lIns="91440" tIns="45720" rIns="91440" bIns="45720" rtlCol="0" anchor="b"/>
+          <a:lstStyle>
+            <a:lvl1pPr algn="l">
+              <a:defRPr sz="1200"/>
+            </a:lvl1pPr>
+          </a:lstStyle>
+          <a:p>
+            <a:endParaRPr lang="en-US"/>
+          </a:p>
+        </p:txBody>
+      </p:sp>
+      <p:sp>
+        <p:nvSpPr>
+          <p:cNvPr id="7" name="Slide Number Placeholder 6"/>
+          <p:cNvSpPr>
+            <a:spLocks noGrp="1"/>
+          </p:cNvSpPr>
+          <p:nvPr>
+            <p:ph type="sldNum" sz="quarter" idx="5"/>
+          </p:nvPr>
+        </p:nvSpPr>
+        <p:spPr>
+          <a:xfrm>
+            <a:off x="3884613" y="8685213"/>
+            <a:ext cx="2971800" cy="458787"/>
+          </a:xfrm>
+          <a:prstGeom prst="rect">
+            <a:avLst/>
+          </a:prstGeom>
+        </p:spPr>
+        <p:txBody>
+          <a:bodyPr vert="horz" lIns="91440" tIns="45720" rIns="91440" bIns="45720" rtlCol="0" anchor="b"/>
+          <a:lstStyle>
+            <a:lvl1pPr algn="r">
+              <a:defRPr sz="1200"/>
+            </a:lvl1pPr>
+          </a:lstStyle>
+          <a:p>
+            <a:fld id="{E53623C8-730E-2C44-932B-9D99CBD34135}" type="slidenum">
+              <a:rPr lang="en-US" smtClean="0"/>
+              <a:t>‹#›</a:t>
+            </a:fld>
+            <a:endParaRPr lang="en-US"/>
+          </a:p>
+        </p:txBody>
+      </p:sp>
+    </p:spTree>
+    <p:extLst>
+      <p:ext uri="{BB962C8B-B14F-4D97-AF65-F5344CB8AC3E}">
+        <p14:creationId xmlns:p14="http://schemas.microsoft.com/office/powerpoint/2010/main" val="322706827"/>
+      </p:ext>
+    </p:extLst>
+  </p:cSld>
+  <p:clrMap bg1="lt1" tx1="dk1" bg2="lt2" tx2="dk2" accent1="accent1" accent2="accent2" accent3="accent3" accent4="accent4" accent5="accent5" accent6="accent6" hlink="hlink" folHlink="folHlink"/>
+  <p:notesStyle>
+    <a:lvl1pPr marL="0" algn="l" defTabSz="914400" rtl="0" eaLnBrk="1" latinLnBrk="0" hangingPunct="1">
+      <a:defRPr sz="1200" kern="1200">
+        <a:solidFill>
+          <a:schemeClr val="tx1"/>
+        </a:solidFill>
+        <a:latin typeface="+mn-lt"/>
+        <a:ea typeface="+mn-ea"/>
+        <a:cs typeface="+mn-cs"/>
+      </a:defRPr>
+    </a:lvl1pPr>
+    <a:lvl2pPr marL="457200" algn="l" defTabSz="914400" rtl="0" eaLnBrk="1" latinLnBrk="0" hangingPunct="1">
+      <a:defRPr sz="1200" kern="1200">
+        <a:solidFill>
+          <a:schemeClr val="tx1"/>
+        </a:solidFill>
+        <a:latin typeface="+mn-lt"/>
+        <a:ea typeface="+mn-ea"/>
+        <a:cs typeface="+mn-cs"/>
+      </a:defRPr>
+    </a:lvl2pPr>
+    <a:lvl3pPr marL="914400" algn="l" defTabSz="914400" rtl="0" eaLnBrk="1" latinLnBrk="0" hangingPunct="1">
+      <a:defRPr sz="1200" kern="1200">
+        <a:solidFill>
+          <a:schemeClr val="tx1"/>
+        </a:solidFill>
+        <a:latin typeface="+mn-lt"/>
+        <a:ea typeface="+mn-ea"/>
+        <a:cs typeface="+mn-cs"/>
+      </a:defRPr>
+    </a:lvl3pPr>
+    <a:lvl4pPr marL="1371600" algn="l" defTabSz="914400" rtl="0" eaLnBrk="1" latinLnBrk="0" hangingPunct="1">
+      <a:defRPr sz="1200" kern="1200">
+        <a:solidFill>
+          <a:schemeClr val="tx1"/>
+        </a:solidFill>
+        <a:latin typeface="+mn-lt"/>
+        <a:ea typeface="+mn-ea"/>
+        <a:cs typeface="+mn-cs"/>
+      </a:defRPr>
+    </a:lvl4pPr>
+    <a:lvl5pPr marL="1828800" algn="l" defTabSz="914400" rtl="0" eaLnBrk="1" latinLnBrk="0" hangingPunct="1">
+      <a:defRPr sz="1200" kern="1200">
+        <a:solidFill>
+          <a:schemeClr val="tx1"/>
+        </a:solidFill>
+        <a:latin typeface="+mn-lt"/>
+        <a:ea typeface="+mn-ea"/>
+        <a:cs typeface="+mn-cs"/>
+      </a:defRPr>
+    </a:lvl5pPr>
+    <a:lvl6pPr marL="2286000" algn="l" defTabSz="914400" rtl="0" eaLnBrk="1" latinLnBrk="0" hangingPunct="1">
+      <a:defRPr sz="1200" kern="1200">
+        <a:solidFill>
+          <a:schemeClr val="tx1"/>
+        </a:solidFill>
+        <a:latin typeface="+mn-lt"/>
+        <a:ea typeface="+mn-ea"/>
+        <a:cs typeface="+mn-cs"/>
+      </a:defRPr>
+    </a:lvl6pPr>
+    <a:lvl7pPr marL="2743200" algn="l" defTabSz="914400" rtl="0" eaLnBrk="1" latinLnBrk="0" hangingPunct="1">
+      <a:defRPr sz="1200" kern="1200">
+        <a:solidFill>
+          <a:schemeClr val="tx1"/>
+        </a:solidFill>
+        <a:latin typeface="+mn-lt"/>
+        <a:ea typeface="+mn-ea"/>
+        <a:cs typeface="+mn-cs"/>
+      </a:defRPr>
+    </a:lvl7pPr>
+    <a:lvl8pPr marL="3200400" algn="l" defTabSz="914400" rtl="0" eaLnBrk="1" latinLnBrk="0" hangingPunct="1">
+      <a:defRPr sz="1200" kern="1200">
+        <a:solidFill>
+          <a:schemeClr val="tx1"/>
+        </a:solidFill>
+        <a:latin typeface="+mn-lt"/>
+        <a:ea typeface="+mn-ea"/>
+        <a:cs typeface="+mn-cs"/>
+      </a:defRPr>
+    </a:lvl8pPr>
+    <a:lvl9pPr marL="3657600" algn="l" defTabSz="914400" rtl="0" eaLnBrk="1" latinLnBrk="0" hangingPunct="1">
+      <a:defRPr sz="1200" kern="1200">
+        <a:solidFill>
+          <a:schemeClr val="tx1"/>
+        </a:solidFill>
+        <a:latin typeface="+mn-lt"/>
+        <a:ea typeface="+mn-ea"/>
+        <a:cs typeface="+mn-cs"/>
+      </a:defRPr>
+    </a:lvl9pPr>
+  </p:notesStyle>
+</p:notesMaster>
 </file>
 
 <file path=ppt/slideLayouts/slideLayout1.xml><?xml version="1.0" encoding="utf-8"?>
@@ -5675,12 +6041,21 @@
             <p:ph type="ctrTitle"/>
           </p:nvPr>
         </p:nvSpPr>
-        <p:spPr/>
+        <p:spPr>
+          <a:xfrm>
+            <a:off x="1751012" y="-208083"/>
+            <a:ext cx="8676222" cy="3200400"/>
+          </a:xfrm>
+        </p:spPr>
         <p:txBody>
           <a:bodyPr/>
           <a:lstStyle/>
           <a:p>
-            <a:endParaRPr lang="fr-FR" dirty="0"/>
+            <a:r>
+              <a:rPr lang="en-US" dirty="0" smtClean="0"/>
+              <a:t>Searching for news bias</a:t>
+            </a:r>
+            <a:endParaRPr lang="en-US" dirty="0"/>
           </a:p>
         </p:txBody>
       </p:sp>
@@ -5694,12 +6069,59 @@
             <p:ph type="subTitle" idx="1"/>
           </p:nvPr>
         </p:nvSpPr>
-        <p:spPr/>
-        <p:txBody>
-          <a:bodyPr/>
+        <p:spPr>
+          <a:xfrm>
+            <a:off x="1751012" y="3147645"/>
+            <a:ext cx="8676222" cy="2321169"/>
+          </a:xfrm>
+        </p:spPr>
+        <p:txBody>
+          <a:bodyPr>
+            <a:normAutofit fontScale="85000" lnSpcReduction="10000"/>
+          </a:bodyPr>
           <a:lstStyle/>
           <a:p>
-            <a:endParaRPr lang="fr-FR" dirty="0"/>
+            <a:r>
+              <a:rPr lang="en-US" sz="2600" dirty="0" smtClean="0"/>
+              <a:t>What news characteristics predict bias between news sources?</a:t>
+            </a:r>
+          </a:p>
+          <a:p>
+            <a:endParaRPr lang="en-US" dirty="0" smtClean="0"/>
+          </a:p>
+          <a:p>
+            <a:endParaRPr lang="en-US" dirty="0"/>
+          </a:p>
+          <a:p>
+            <a:r>
+              <a:rPr lang="en-US" dirty="0" smtClean="0"/>
+              <a:t>Alexander Tyan</a:t>
+            </a:r>
+          </a:p>
+          <a:p>
+            <a:r>
+              <a:rPr lang="en-US" dirty="0" smtClean="0"/>
+              <a:t>Advisor: Allyson </a:t>
+            </a:r>
+            <a:r>
+              <a:rPr lang="en-US" dirty="0" err="1" smtClean="0"/>
+              <a:t>Ettinger</a:t>
+            </a:r>
+            <a:r>
+              <a:rPr lang="en-US" dirty="0" smtClean="0"/>
+              <a:t> (TTIC)</a:t>
+            </a:r>
+          </a:p>
+          <a:p>
+            <a:r>
+              <a:rPr lang="en-US" dirty="0" smtClean="0"/>
+              <a:t>Preceptor: Joshua </a:t>
+            </a:r>
+            <a:r>
+              <a:rPr lang="en-US" dirty="0" err="1" smtClean="0"/>
+              <a:t>Mausolf</a:t>
+            </a:r>
+            <a:endParaRPr lang="en-US" dirty="0"/>
           </a:p>
         </p:txBody>
       </p:sp>
@@ -5713,6 +6135,122 @@
   <p:clrMapOvr>
     <a:masterClrMapping/>
   </p:clrMapOvr>
+  <p:timing>
+    <p:tnLst>
+      <p:par>
+        <p:cTn id="1" dur="indefinite" restart="never" nodeType="tmRoot"/>
+      </p:par>
+    </p:tnLst>
+  </p:timing>
+</p:sld>
+</file>
+
+<file path=ppt/slides/slide10.xml><?xml version="1.0" encoding="utf-8"?>
+<p:sld xmlns:a="http://schemas.openxmlformats.org/drawingml/2006/main" xmlns:r="http://schemas.openxmlformats.org/officeDocument/2006/relationships" xmlns:p="http://schemas.openxmlformats.org/presentationml/2006/main">
+  <p:cSld>
+    <p:spTree>
+      <p:nvGrpSpPr>
+        <p:cNvPr id="1" name=""/>
+        <p:cNvGrpSpPr/>
+        <p:nvPr/>
+      </p:nvGrpSpPr>
+      <p:grpSpPr>
+        <a:xfrm>
+          <a:off x="0" y="0"/>
+          <a:ext cx="0" cy="0"/>
+          <a:chOff x="0" y="0"/>
+          <a:chExt cx="0" cy="0"/>
+        </a:xfrm>
+      </p:grpSpPr>
+      <p:sp>
+        <p:nvSpPr>
+          <p:cNvPr id="2" name="Title 1"/>
+          <p:cNvSpPr>
+            <a:spLocks noGrp="1"/>
+          </p:cNvSpPr>
+          <p:nvPr>
+            <p:ph type="title"/>
+          </p:nvPr>
+        </p:nvSpPr>
+        <p:spPr>
+          <a:xfrm>
+            <a:off x="1141413" y="90854"/>
+            <a:ext cx="9905998" cy="1905000"/>
+          </a:xfrm>
+        </p:spPr>
+        <p:txBody>
+          <a:bodyPr>
+            <a:normAutofit/>
+          </a:bodyPr>
+          <a:lstStyle/>
+          <a:p>
+            <a:r>
+              <a:rPr lang="en-US" sz="3500" dirty="0" smtClean="0"/>
+              <a:t>FURTHER STEPS</a:t>
+            </a:r>
+            <a:endParaRPr lang="en-US" sz="3500" dirty="0"/>
+          </a:p>
+        </p:txBody>
+      </p:sp>
+      <p:sp>
+        <p:nvSpPr>
+          <p:cNvPr id="3" name="Content Placeholder 2"/>
+          <p:cNvSpPr>
+            <a:spLocks noGrp="1"/>
+          </p:cNvSpPr>
+          <p:nvPr>
+            <p:ph idx="1"/>
+          </p:nvPr>
+        </p:nvSpPr>
+        <p:spPr>
+          <a:xfrm>
+            <a:off x="1141413" y="1506415"/>
+            <a:ext cx="9905998" cy="4050323"/>
+          </a:xfrm>
+        </p:spPr>
+        <p:txBody>
+          <a:bodyPr>
+            <a:normAutofit/>
+          </a:bodyPr>
+          <a:lstStyle/>
+          <a:p>
+            <a:r>
+              <a:rPr lang="en-US" sz="2800" dirty="0" smtClean="0"/>
+              <a:t>Topic and Word Embedding validation</a:t>
+            </a:r>
+          </a:p>
+          <a:p>
+            <a:pPr lvl="1"/>
+            <a:r>
+              <a:rPr lang="en-US" sz="2600" dirty="0" smtClean="0"/>
+              <a:t>NER</a:t>
+            </a:r>
+          </a:p>
+          <a:p>
+            <a:r>
+              <a:rPr lang="en-US" sz="2800" dirty="0" smtClean="0"/>
+              <a:t>Cosine-based bias -&gt; Neural Network Single-Label, Multi-Class Classification within Topics</a:t>
+            </a:r>
+          </a:p>
+        </p:txBody>
+      </p:sp>
+    </p:spTree>
+    <p:extLst>
+      <p:ext uri="{BB962C8B-B14F-4D97-AF65-F5344CB8AC3E}">
+        <p14:creationId xmlns:p14="http://schemas.microsoft.com/office/powerpoint/2010/main" val="1556418857"/>
+      </p:ext>
+    </p:extLst>
+  </p:cSld>
+  <p:clrMapOvr>
+    <a:masterClrMapping/>
+  </p:clrMapOvr>
+  <p:timing>
+    <p:tnLst>
+      <p:par>
+        <p:cTn id="1" dur="indefinite" restart="never" nodeType="tmRoot"/>
+      </p:par>
+    </p:tnLst>
+  </p:timing>
 </p:sld>
 </file>
 
@@ -5745,6 +6283,365 @@
         </p:nvSpPr>
         <p:spPr>
           <a:xfrm>
+            <a:off x="1141413" y="90854"/>
+            <a:ext cx="9905998" cy="1905000"/>
+          </a:xfrm>
+        </p:spPr>
+        <p:txBody>
+          <a:bodyPr>
+            <a:normAutofit/>
+          </a:bodyPr>
+          <a:lstStyle/>
+          <a:p>
+            <a:r>
+              <a:rPr lang="en-US" sz="3500" dirty="0" smtClean="0"/>
+              <a:t>Prior Research</a:t>
+            </a:r>
+            <a:endParaRPr lang="en-US" sz="3500" dirty="0"/>
+          </a:p>
+        </p:txBody>
+      </p:sp>
+      <p:sp>
+        <p:nvSpPr>
+          <p:cNvPr id="3" name="Content Placeholder 2"/>
+          <p:cNvSpPr>
+            <a:spLocks noGrp="1"/>
+          </p:cNvSpPr>
+          <p:nvPr>
+            <p:ph idx="1"/>
+          </p:nvPr>
+        </p:nvSpPr>
+        <p:spPr>
+          <a:xfrm>
+            <a:off x="1141413" y="1506415"/>
+            <a:ext cx="9905998" cy="4050323"/>
+          </a:xfrm>
+        </p:spPr>
+        <p:txBody>
+          <a:bodyPr>
+            <a:normAutofit/>
+          </a:bodyPr>
+          <a:lstStyle/>
+          <a:p>
+            <a:r>
+              <a:rPr lang="en-US" sz="2800" dirty="0" smtClean="0"/>
+              <a:t>Diverse definitions of Bias</a:t>
+            </a:r>
+          </a:p>
+          <a:p>
+            <a:r>
+              <a:rPr lang="en-US" sz="2800" dirty="0" smtClean="0"/>
+              <a:t>Diverse measures of bias</a:t>
+            </a:r>
+          </a:p>
+          <a:p>
+            <a:r>
+              <a:rPr lang="en-US" sz="2800" dirty="0" smtClean="0"/>
+              <a:t>Conflicting conclusions about bias in the media</a:t>
+            </a:r>
+          </a:p>
+          <a:p>
+            <a:endParaRPr lang="en-US" sz="2800" dirty="0"/>
+          </a:p>
+        </p:txBody>
+      </p:sp>
+    </p:spTree>
+    <p:extLst>
+      <p:ext uri="{BB962C8B-B14F-4D97-AF65-F5344CB8AC3E}">
+        <p14:creationId xmlns:p14="http://schemas.microsoft.com/office/powerpoint/2010/main" val="46851114"/>
+      </p:ext>
+    </p:extLst>
+  </p:cSld>
+  <p:clrMapOvr>
+    <a:masterClrMapping/>
+  </p:clrMapOvr>
+  <p:timing>
+    <p:tnLst>
+      <p:par>
+        <p:cTn id="1" dur="indefinite" restart="never" nodeType="tmRoot"/>
+      </p:par>
+    </p:tnLst>
+  </p:timing>
+</p:sld>
+</file>
+
+<file path=ppt/slides/slide3.xml><?xml version="1.0" encoding="utf-8"?>
+<p:sld xmlns:a="http://schemas.openxmlformats.org/drawingml/2006/main" xmlns:r="http://schemas.openxmlformats.org/officeDocument/2006/relationships" xmlns:p="http://schemas.openxmlformats.org/presentationml/2006/main">
+  <p:cSld>
+    <p:spTree>
+      <p:nvGrpSpPr>
+        <p:cNvPr id="1" name=""/>
+        <p:cNvGrpSpPr/>
+        <p:nvPr/>
+      </p:nvGrpSpPr>
+      <p:grpSpPr>
+        <a:xfrm>
+          <a:off x="0" y="0"/>
+          <a:ext cx="0" cy="0"/>
+          <a:chOff x="0" y="0"/>
+          <a:chExt cx="0" cy="0"/>
+        </a:xfrm>
+      </p:grpSpPr>
+      <p:sp>
+        <p:nvSpPr>
+          <p:cNvPr id="2" name="Title 1"/>
+          <p:cNvSpPr>
+            <a:spLocks noGrp="1"/>
+          </p:cNvSpPr>
+          <p:nvPr>
+            <p:ph type="title"/>
+          </p:nvPr>
+        </p:nvSpPr>
+        <p:spPr>
+          <a:xfrm>
+            <a:off x="1141413" y="90854"/>
+            <a:ext cx="9905998" cy="1905000"/>
+          </a:xfrm>
+        </p:spPr>
+        <p:txBody>
+          <a:bodyPr>
+            <a:normAutofit/>
+          </a:bodyPr>
+          <a:lstStyle/>
+          <a:p>
+            <a:r>
+              <a:rPr lang="en-US" sz="3500" dirty="0" smtClean="0"/>
+              <a:t>Prior Research</a:t>
+            </a:r>
+            <a:endParaRPr lang="en-US" sz="3500" dirty="0"/>
+          </a:p>
+        </p:txBody>
+      </p:sp>
+      <p:sp>
+        <p:nvSpPr>
+          <p:cNvPr id="3" name="Content Placeholder 2"/>
+          <p:cNvSpPr>
+            <a:spLocks noGrp="1"/>
+          </p:cNvSpPr>
+          <p:nvPr>
+            <p:ph idx="1"/>
+          </p:nvPr>
+        </p:nvSpPr>
+        <p:spPr>
+          <a:xfrm>
+            <a:off x="1141413" y="1506415"/>
+            <a:ext cx="9905998" cy="4050323"/>
+          </a:xfrm>
+        </p:spPr>
+        <p:txBody>
+          <a:bodyPr>
+            <a:normAutofit/>
+          </a:bodyPr>
+          <a:lstStyle/>
+          <a:p>
+            <a:r>
+              <a:rPr lang="en-US" sz="2800" dirty="0" smtClean="0"/>
+              <a:t>Diverse definitions of Bias</a:t>
+            </a:r>
+          </a:p>
+          <a:p>
+            <a:r>
+              <a:rPr lang="en-US" sz="2800" dirty="0" smtClean="0"/>
+              <a:t>Diverse measures of bias</a:t>
+            </a:r>
+          </a:p>
+          <a:p>
+            <a:r>
+              <a:rPr lang="en-US" sz="2800" dirty="0" smtClean="0"/>
+              <a:t>Conflicting conclusions about bias in the media</a:t>
+            </a:r>
+          </a:p>
+          <a:p>
+            <a:r>
+              <a:rPr lang="en-US" sz="2800" dirty="0" smtClean="0"/>
+              <a:t>Hypothesis: News sources dissimilarity conditional on topics</a:t>
+            </a:r>
+          </a:p>
+          <a:p>
+            <a:endParaRPr lang="en-US" sz="2800" dirty="0"/>
+          </a:p>
+        </p:txBody>
+      </p:sp>
+    </p:spTree>
+    <p:extLst>
+      <p:ext uri="{BB962C8B-B14F-4D97-AF65-F5344CB8AC3E}">
+        <p14:creationId xmlns:p14="http://schemas.microsoft.com/office/powerpoint/2010/main" val="1947817960"/>
+      </p:ext>
+    </p:extLst>
+  </p:cSld>
+  <p:clrMapOvr>
+    <a:masterClrMapping/>
+  </p:clrMapOvr>
+  <p:timing>
+    <p:tnLst>
+      <p:par>
+        <p:cTn id="1" dur="indefinite" restart="never" nodeType="tmRoot"/>
+      </p:par>
+    </p:tnLst>
+  </p:timing>
+</p:sld>
+</file>
+
+<file path=ppt/slides/slide4.xml><?xml version="1.0" encoding="utf-8"?>
+<p:sld xmlns:a="http://schemas.openxmlformats.org/drawingml/2006/main" xmlns:r="http://schemas.openxmlformats.org/officeDocument/2006/relationships" xmlns:p="http://schemas.openxmlformats.org/presentationml/2006/main">
+  <p:cSld>
+    <p:spTree>
+      <p:nvGrpSpPr>
+        <p:cNvPr id="1" name=""/>
+        <p:cNvGrpSpPr/>
+        <p:nvPr/>
+      </p:nvGrpSpPr>
+      <p:grpSpPr>
+        <a:xfrm>
+          <a:off x="0" y="0"/>
+          <a:ext cx="0" cy="0"/>
+          <a:chOff x="0" y="0"/>
+          <a:chExt cx="0" cy="0"/>
+        </a:xfrm>
+      </p:grpSpPr>
+      <p:sp>
+        <p:nvSpPr>
+          <p:cNvPr id="2" name="Title 1"/>
+          <p:cNvSpPr>
+            <a:spLocks noGrp="1"/>
+          </p:cNvSpPr>
+          <p:nvPr>
+            <p:ph type="title"/>
+          </p:nvPr>
+        </p:nvSpPr>
+        <p:spPr>
+          <a:xfrm>
+            <a:off x="1141413" y="90854"/>
+            <a:ext cx="9905998" cy="1905000"/>
+          </a:xfrm>
+        </p:spPr>
+        <p:txBody>
+          <a:bodyPr>
+            <a:normAutofit/>
+          </a:bodyPr>
+          <a:lstStyle/>
+          <a:p>
+            <a:r>
+              <a:rPr lang="en-US" sz="3600" dirty="0"/>
+              <a:t>Data and Methods</a:t>
+            </a:r>
+            <a:endParaRPr lang="en-US" sz="3500" dirty="0"/>
+          </a:p>
+        </p:txBody>
+      </p:sp>
+      <p:sp>
+        <p:nvSpPr>
+          <p:cNvPr id="3" name="Content Placeholder 2"/>
+          <p:cNvSpPr>
+            <a:spLocks noGrp="1"/>
+          </p:cNvSpPr>
+          <p:nvPr>
+            <p:ph idx="1"/>
+          </p:nvPr>
+        </p:nvSpPr>
+        <p:spPr>
+          <a:xfrm>
+            <a:off x="1141413" y="1506415"/>
+            <a:ext cx="9905998" cy="4050323"/>
+          </a:xfrm>
+        </p:spPr>
+        <p:txBody>
+          <a:bodyPr>
+            <a:normAutofit/>
+          </a:bodyPr>
+          <a:lstStyle/>
+          <a:p>
+            <a:r>
+              <a:rPr lang="en-US" sz="2800" dirty="0"/>
+              <a:t>BBC, CNN, RT, Fox News</a:t>
+            </a:r>
+          </a:p>
+          <a:p>
+            <a:r>
+              <a:rPr lang="en-US" sz="2800" dirty="0"/>
+              <a:t>RSS Feeds</a:t>
+            </a:r>
+          </a:p>
+          <a:p>
+            <a:r>
+              <a:rPr lang="en-US" sz="2800" dirty="0"/>
+              <a:t>January </a:t>
+            </a:r>
+            <a:r>
+              <a:rPr lang="mr-IN" sz="2800" dirty="0"/>
+              <a:t>–</a:t>
+            </a:r>
+            <a:r>
+              <a:rPr lang="en-US" sz="2800" dirty="0"/>
+              <a:t> April 2019</a:t>
+            </a:r>
+          </a:p>
+          <a:p>
+            <a:r>
+              <a:rPr lang="en-US" sz="2800" dirty="0"/>
+              <a:t>Standard Cleaning</a:t>
+            </a:r>
+          </a:p>
+          <a:p>
+            <a:r>
+              <a:rPr lang="en-US" sz="2800" dirty="0"/>
+              <a:t>Preempting Data Leakage</a:t>
+            </a:r>
+          </a:p>
+          <a:p>
+            <a:endParaRPr lang="en-US" sz="2800" dirty="0"/>
+          </a:p>
+        </p:txBody>
+      </p:sp>
+    </p:spTree>
+    <p:extLst>
+      <p:ext uri="{BB962C8B-B14F-4D97-AF65-F5344CB8AC3E}">
+        <p14:creationId xmlns:p14="http://schemas.microsoft.com/office/powerpoint/2010/main" val="518893016"/>
+      </p:ext>
+    </p:extLst>
+  </p:cSld>
+  <p:clrMapOvr>
+    <a:masterClrMapping/>
+  </p:clrMapOvr>
+  <p:timing>
+    <p:tnLst>
+      <p:par>
+        <p:cTn id="1" dur="indefinite" restart="never" nodeType="tmRoot"/>
+      </p:par>
+    </p:tnLst>
+  </p:timing>
+</p:sld>
+</file>
+
+<file path=ppt/slides/slide5.xml><?xml version="1.0" encoding="utf-8"?>
+<p:sld xmlns:a="http://schemas.openxmlformats.org/drawingml/2006/main" xmlns:r="http://schemas.openxmlformats.org/officeDocument/2006/relationships" xmlns:p="http://schemas.openxmlformats.org/presentationml/2006/main">
+  <p:cSld>
+    <p:spTree>
+      <p:nvGrpSpPr>
+        <p:cNvPr id="1" name=""/>
+        <p:cNvGrpSpPr/>
+        <p:nvPr/>
+      </p:nvGrpSpPr>
+      <p:grpSpPr>
+        <a:xfrm>
+          <a:off x="0" y="0"/>
+          <a:ext cx="0" cy="0"/>
+          <a:chOff x="0" y="0"/>
+          <a:chExt cx="0" cy="0"/>
+        </a:xfrm>
+      </p:grpSpPr>
+      <p:sp>
+        <p:nvSpPr>
+          <p:cNvPr id="2" name="Title 1"/>
+          <p:cNvSpPr>
+            <a:spLocks noGrp="1"/>
+          </p:cNvSpPr>
+          <p:nvPr>
+            <p:ph type="title"/>
+          </p:nvPr>
+        </p:nvSpPr>
+        <p:spPr>
+          <a:xfrm>
             <a:off x="360178" y="254493"/>
             <a:ext cx="9905998" cy="857956"/>
           </a:xfrm>
@@ -5789,11 +6686,1652 @@
         </p:blipFill>
         <p:spPr>
           <a:xfrm>
-            <a:off x="360178" y="1112448"/>
+            <a:off x="360178" y="1112449"/>
             <a:ext cx="5436940" cy="3895275"/>
           </a:xfrm>
         </p:spPr>
       </p:pic>
+      <p:graphicFrame>
+        <p:nvGraphicFramePr>
+          <p:cNvPr id="5" name="Table 4"/>
+          <p:cNvGraphicFramePr>
+            <a:graphicFrameLocks noGrp="1"/>
+          </p:cNvGraphicFramePr>
+          <p:nvPr>
+            <p:extLst>
+              <p:ext uri="{D42A27DB-BD31-4B8C-83A1-F6EECF244321}">
+                <p14:modId xmlns:p14="http://schemas.microsoft.com/office/powerpoint/2010/main" val="690141364"/>
+              </p:ext>
+            </p:extLst>
+          </p:nvPr>
+        </p:nvGraphicFramePr>
+        <p:xfrm>
+          <a:off x="6348046" y="683472"/>
+          <a:ext cx="5556452" cy="5520548"/>
+        </p:xfrm>
+        <a:graphic>
+          <a:graphicData uri="http://schemas.openxmlformats.org/drawingml/2006/table">
+            <a:tbl>
+              <a:tblPr>
+                <a:tableStyleId>{D113A9D2-9D6B-4929-AA2D-F23B5EE8CBE7}</a:tableStyleId>
+              </a:tblPr>
+              <a:tblGrid>
+                <a:gridCol w="2881313"/>
+                <a:gridCol w="1031264"/>
+                <a:gridCol w="1643875"/>
+              </a:tblGrid>
+              <a:tr h="250934">
+                <a:tc>
+                  <a:txBody>
+                    <a:bodyPr/>
+                    <a:lstStyle/>
+                    <a:p>
+                      <a:pPr algn="l" fontAlgn="b"/>
+                      <a:r>
+                        <a:rPr lang="en-US" sz="1200" b="1" u="none" strike="noStrike" dirty="0">
+                          <a:effectLst/>
+                        </a:rPr>
+                        <a:t>Topic</a:t>
+                      </a:r>
+                      <a:endParaRPr lang="en-US" sz="1200" b="1" i="0" u="none" strike="noStrike" dirty="0">
+                        <a:solidFill>
+                          <a:srgbClr val="000000"/>
+                        </a:solidFill>
+                        <a:effectLst/>
+                        <a:latin typeface="Calibri" charset="0"/>
+                      </a:endParaRPr>
+                    </a:p>
+                  </a:txBody>
+                  <a:tcPr marL="12700" marR="12700" marT="12700" marB="0" anchor="b"/>
+                </a:tc>
+                <a:tc>
+                  <a:txBody>
+                    <a:bodyPr/>
+                    <a:lstStyle/>
+                    <a:p>
+                      <a:pPr algn="l" fontAlgn="b"/>
+                      <a:r>
+                        <a:rPr lang="en-US" sz="1200" b="1" u="none" strike="noStrike">
+                          <a:effectLst/>
+                        </a:rPr>
+                        <a:t>Token</a:t>
+                      </a:r>
+                      <a:endParaRPr lang="en-US" sz="1200" b="1" i="0" u="none" strike="noStrike">
+                        <a:solidFill>
+                          <a:srgbClr val="000000"/>
+                        </a:solidFill>
+                        <a:effectLst/>
+                        <a:latin typeface="Calibri" charset="0"/>
+                      </a:endParaRPr>
+                    </a:p>
+                  </a:txBody>
+                  <a:tcPr marL="12700" marR="12700" marT="12700" marB="0" anchor="b"/>
+                </a:tc>
+                <a:tc>
+                  <a:txBody>
+                    <a:bodyPr/>
+                    <a:lstStyle/>
+                    <a:p>
+                      <a:pPr algn="l" fontAlgn="b"/>
+                      <a:r>
+                        <a:rPr lang="en-US" sz="1200" b="1" u="none" strike="noStrike" dirty="0">
+                          <a:effectLst/>
+                        </a:rPr>
+                        <a:t>Weight</a:t>
+                      </a:r>
+                      <a:endParaRPr lang="en-US" sz="1200" b="1" i="0" u="none" strike="noStrike" dirty="0">
+                        <a:solidFill>
+                          <a:srgbClr val="000000"/>
+                        </a:solidFill>
+                        <a:effectLst/>
+                        <a:latin typeface="Calibri" charset="0"/>
+                      </a:endParaRPr>
+                    </a:p>
+                  </a:txBody>
+                  <a:tcPr marL="12700" marR="12700" marT="12700" marB="0" anchor="b"/>
+                </a:tc>
+              </a:tr>
+              <a:tr h="250934">
+                <a:tc>
+                  <a:txBody>
+                    <a:bodyPr/>
+                    <a:lstStyle/>
+                    <a:p>
+                      <a:pPr algn="l" fontAlgn="b"/>
+                      <a:r>
+                        <a:rPr lang="en-US" sz="1200" u="none" strike="noStrike" dirty="0">
+                          <a:effectLst/>
+                        </a:rPr>
+                        <a:t>Unknown</a:t>
+                      </a:r>
+                      <a:endParaRPr lang="en-US" sz="1200" b="0" i="0" u="none" strike="noStrike" dirty="0">
+                        <a:solidFill>
+                          <a:srgbClr val="000000"/>
+                        </a:solidFill>
+                        <a:effectLst/>
+                        <a:latin typeface="Calibri" charset="0"/>
+                      </a:endParaRPr>
+                    </a:p>
+                  </a:txBody>
+                  <a:tcPr marL="12700" marR="12700" marT="12700" marB="0" anchor="b"/>
+                </a:tc>
+                <a:tc>
+                  <a:txBody>
+                    <a:bodyPr/>
+                    <a:lstStyle/>
+                    <a:p>
+                      <a:pPr algn="l" fontAlgn="b"/>
+                      <a:r>
+                        <a:rPr lang="en-US" sz="1200" u="none" strike="noStrike">
+                          <a:effectLst/>
+                        </a:rPr>
+                        <a:t>say</a:t>
+                      </a:r>
+                      <a:endParaRPr lang="en-US" sz="1200" b="0" i="0" u="none" strike="noStrike">
+                        <a:solidFill>
+                          <a:srgbClr val="000000"/>
+                        </a:solidFill>
+                        <a:effectLst/>
+                        <a:latin typeface="Calibri" charset="0"/>
+                      </a:endParaRPr>
+                    </a:p>
+                  </a:txBody>
+                  <a:tcPr marL="12700" marR="12700" marT="12700" marB="0" anchor="b"/>
+                </a:tc>
+                <a:tc>
+                  <a:txBody>
+                    <a:bodyPr/>
+                    <a:lstStyle/>
+                    <a:p>
+                      <a:pPr algn="r" fontAlgn="b"/>
+                      <a:r>
+                        <a:rPr lang="hr-HR" sz="1200" u="none" strike="noStrike">
+                          <a:effectLst/>
+                        </a:rPr>
+                        <a:t>0.03809549</a:t>
+                      </a:r>
+                      <a:endParaRPr lang="hr-HR" sz="1200" b="0" i="0" u="none" strike="noStrike">
+                        <a:solidFill>
+                          <a:srgbClr val="000000"/>
+                        </a:solidFill>
+                        <a:effectLst/>
+                        <a:latin typeface="Calibri" charset="0"/>
+                      </a:endParaRPr>
+                    </a:p>
+                  </a:txBody>
+                  <a:tcPr marL="12700" marR="12700" marT="12700" marB="0" anchor="b"/>
+                </a:tc>
+              </a:tr>
+              <a:tr h="250934">
+                <a:tc>
+                  <a:txBody>
+                    <a:bodyPr/>
+                    <a:lstStyle/>
+                    <a:p>
+                      <a:pPr algn="l" fontAlgn="b"/>
+                      <a:r>
+                        <a:rPr lang="en-US" sz="1200" u="none" strike="noStrike">
+                          <a:effectLst/>
+                        </a:rPr>
+                        <a:t>Unknown</a:t>
+                      </a:r>
+                      <a:endParaRPr lang="en-US" sz="1200" b="0" i="0" u="none" strike="noStrike">
+                        <a:solidFill>
+                          <a:srgbClr val="000000"/>
+                        </a:solidFill>
+                        <a:effectLst/>
+                        <a:latin typeface="Calibri" charset="0"/>
+                      </a:endParaRPr>
+                    </a:p>
+                  </a:txBody>
+                  <a:tcPr marL="12700" marR="12700" marT="12700" marB="0" anchor="b"/>
+                </a:tc>
+                <a:tc>
+                  <a:txBody>
+                    <a:bodyPr/>
+                    <a:lstStyle/>
+                    <a:p>
+                      <a:pPr algn="l" fontAlgn="b"/>
+                      <a:r>
+                        <a:rPr lang="en-US" sz="1200" u="none" strike="noStrike" dirty="0">
+                          <a:effectLst/>
+                        </a:rPr>
+                        <a:t>not</a:t>
+                      </a:r>
+                      <a:endParaRPr lang="en-US" sz="1200" b="0" i="0" u="none" strike="noStrike" dirty="0">
+                        <a:solidFill>
+                          <a:srgbClr val="000000"/>
+                        </a:solidFill>
+                        <a:effectLst/>
+                        <a:latin typeface="Calibri" charset="0"/>
+                      </a:endParaRPr>
+                    </a:p>
+                  </a:txBody>
+                  <a:tcPr marL="12700" marR="12700" marT="12700" marB="0" anchor="b"/>
+                </a:tc>
+                <a:tc>
+                  <a:txBody>
+                    <a:bodyPr/>
+                    <a:lstStyle/>
+                    <a:p>
+                      <a:pPr algn="r" fontAlgn="b"/>
+                      <a:r>
+                        <a:rPr lang="cs-CZ" sz="1200" u="none" strike="noStrike">
+                          <a:effectLst/>
+                        </a:rPr>
+                        <a:t>0.030164942</a:t>
+                      </a:r>
+                      <a:endParaRPr lang="cs-CZ" sz="1200" b="0" i="0" u="none" strike="noStrike">
+                        <a:solidFill>
+                          <a:srgbClr val="000000"/>
+                        </a:solidFill>
+                        <a:effectLst/>
+                        <a:latin typeface="Calibri" charset="0"/>
+                      </a:endParaRPr>
+                    </a:p>
+                  </a:txBody>
+                  <a:tcPr marL="12700" marR="12700" marT="12700" marB="0" anchor="b"/>
+                </a:tc>
+              </a:tr>
+              <a:tr h="250934">
+                <a:tc>
+                  <a:txBody>
+                    <a:bodyPr/>
+                    <a:lstStyle/>
+                    <a:p>
+                      <a:pPr algn="l" fontAlgn="b"/>
+                      <a:r>
+                        <a:rPr lang="en-US" sz="1200" u="none" strike="noStrike">
+                          <a:effectLst/>
+                        </a:rPr>
+                        <a:t>Unknown</a:t>
+                      </a:r>
+                      <a:endParaRPr lang="en-US" sz="1200" b="0" i="0" u="none" strike="noStrike">
+                        <a:solidFill>
+                          <a:srgbClr val="000000"/>
+                        </a:solidFill>
+                        <a:effectLst/>
+                        <a:latin typeface="Calibri" charset="0"/>
+                      </a:endParaRPr>
+                    </a:p>
+                  </a:txBody>
+                  <a:tcPr marL="12700" marR="12700" marT="12700" marB="0" anchor="b"/>
+                </a:tc>
+                <a:tc>
+                  <a:txBody>
+                    <a:bodyPr/>
+                    <a:lstStyle/>
+                    <a:p>
+                      <a:pPr algn="l" fontAlgn="b"/>
+                      <a:r>
+                        <a:rPr lang="en-US" sz="1200" u="none" strike="noStrike" dirty="0">
+                          <a:effectLst/>
+                        </a:rPr>
+                        <a:t>do</a:t>
+                      </a:r>
+                      <a:endParaRPr lang="en-US" sz="1200" b="0" i="0" u="none" strike="noStrike" dirty="0">
+                        <a:solidFill>
+                          <a:srgbClr val="000000"/>
+                        </a:solidFill>
+                        <a:effectLst/>
+                        <a:latin typeface="Calibri" charset="0"/>
+                      </a:endParaRPr>
+                    </a:p>
+                  </a:txBody>
+                  <a:tcPr marL="12700" marR="12700" marT="12700" marB="0" anchor="b"/>
+                </a:tc>
+                <a:tc>
+                  <a:txBody>
+                    <a:bodyPr/>
+                    <a:lstStyle/>
+                    <a:p>
+                      <a:pPr algn="r" fontAlgn="b"/>
+                      <a:r>
+                        <a:rPr lang="fi-FI" sz="1200" u="none" strike="noStrike">
+                          <a:effectLst/>
+                        </a:rPr>
+                        <a:t>0.017989479</a:t>
+                      </a:r>
+                      <a:endParaRPr lang="fi-FI" sz="1200" b="0" i="0" u="none" strike="noStrike">
+                        <a:solidFill>
+                          <a:srgbClr val="000000"/>
+                        </a:solidFill>
+                        <a:effectLst/>
+                        <a:latin typeface="Calibri" charset="0"/>
+                      </a:endParaRPr>
+                    </a:p>
+                  </a:txBody>
+                  <a:tcPr marL="12700" marR="12700" marT="12700" marB="0" anchor="b"/>
+                </a:tc>
+              </a:tr>
+              <a:tr h="250934">
+                <a:tc>
+                  <a:txBody>
+                    <a:bodyPr/>
+                    <a:lstStyle/>
+                    <a:p>
+                      <a:pPr algn="l" fontAlgn="b"/>
+                      <a:r>
+                        <a:rPr lang="mr-IN" sz="1200" u="none" strike="noStrike" dirty="0" smtClean="0">
+                          <a:effectLst/>
+                        </a:rPr>
+                        <a:t>…</a:t>
+                      </a:r>
+                      <a:endParaRPr lang="en-US" sz="1200" b="0" i="0" u="none" strike="noStrike" dirty="0">
+                        <a:solidFill>
+                          <a:srgbClr val="000000"/>
+                        </a:solidFill>
+                        <a:effectLst/>
+                        <a:latin typeface="Calibri" charset="0"/>
+                      </a:endParaRPr>
+                    </a:p>
+                  </a:txBody>
+                  <a:tcPr marL="12700" marR="12700" marT="12700" marB="0" anchor="b"/>
+                </a:tc>
+                <a:tc>
+                  <a:txBody>
+                    <a:bodyPr/>
+                    <a:lstStyle/>
+                    <a:p>
+                      <a:pPr algn="l" fontAlgn="b"/>
+                      <a:r>
+                        <a:rPr lang="mr-IN" sz="1200" u="none" strike="noStrike" dirty="0" smtClean="0">
+                          <a:effectLst/>
+                        </a:rPr>
+                        <a:t>…</a:t>
+                      </a:r>
+                      <a:endParaRPr lang="en-US" sz="1200" b="0" i="0" u="none" strike="noStrike" dirty="0">
+                        <a:solidFill>
+                          <a:srgbClr val="000000"/>
+                        </a:solidFill>
+                        <a:effectLst/>
+                        <a:latin typeface="Calibri" charset="0"/>
+                      </a:endParaRPr>
+                    </a:p>
+                  </a:txBody>
+                  <a:tcPr marL="12700" marR="12700" marT="12700" marB="0" anchor="b"/>
+                </a:tc>
+                <a:tc>
+                  <a:txBody>
+                    <a:bodyPr/>
+                    <a:lstStyle/>
+                    <a:p>
+                      <a:pPr algn="r" fontAlgn="b"/>
+                      <a:r>
+                        <a:rPr lang="nb-NO" sz="1200" u="none" strike="noStrike" dirty="0" smtClean="0">
+                          <a:effectLst/>
+                        </a:rPr>
+                        <a:t>...</a:t>
+                      </a:r>
+                      <a:endParaRPr lang="nb-NO" sz="1200" b="0" i="0" u="none" strike="noStrike" dirty="0">
+                        <a:solidFill>
+                          <a:srgbClr val="000000"/>
+                        </a:solidFill>
+                        <a:effectLst/>
+                        <a:latin typeface="Calibri" charset="0"/>
+                      </a:endParaRPr>
+                    </a:p>
+                  </a:txBody>
+                  <a:tcPr marL="12700" marR="12700" marT="12700" marB="0" anchor="b"/>
+                </a:tc>
+              </a:tr>
+              <a:tr h="250934">
+                <a:tc>
+                  <a:txBody>
+                    <a:bodyPr/>
+                    <a:lstStyle/>
+                    <a:p>
+                      <a:pPr algn="l" fontAlgn="b"/>
+                      <a:r>
+                        <a:rPr lang="en-US" sz="1200" u="none" strike="noStrike" dirty="0">
+                          <a:effectLst/>
+                        </a:rPr>
+                        <a:t>Sports</a:t>
+                      </a:r>
+                      <a:endParaRPr lang="en-US" sz="1200" b="0" i="0" u="none" strike="noStrike" dirty="0">
+                        <a:solidFill>
+                          <a:srgbClr val="000000"/>
+                        </a:solidFill>
+                        <a:effectLst/>
+                        <a:latin typeface="Calibri" charset="0"/>
+                      </a:endParaRPr>
+                    </a:p>
+                  </a:txBody>
+                  <a:tcPr marL="12700" marR="12700" marT="12700" marB="0" anchor="b"/>
+                </a:tc>
+                <a:tc>
+                  <a:txBody>
+                    <a:bodyPr/>
+                    <a:lstStyle/>
+                    <a:p>
+                      <a:pPr algn="l" fontAlgn="b"/>
+                      <a:r>
+                        <a:rPr lang="en-US" sz="1200" u="none" strike="noStrike">
+                          <a:effectLst/>
+                        </a:rPr>
+                        <a:t>team</a:t>
+                      </a:r>
+                      <a:endParaRPr lang="en-US" sz="1200" b="0" i="0" u="none" strike="noStrike">
+                        <a:solidFill>
+                          <a:srgbClr val="000000"/>
+                        </a:solidFill>
+                        <a:effectLst/>
+                        <a:latin typeface="Calibri" charset="0"/>
+                      </a:endParaRPr>
+                    </a:p>
+                  </a:txBody>
+                  <a:tcPr marL="12700" marR="12700" marT="12700" marB="0" anchor="b"/>
+                </a:tc>
+                <a:tc>
+                  <a:txBody>
+                    <a:bodyPr/>
+                    <a:lstStyle/>
+                    <a:p>
+                      <a:pPr algn="r" fontAlgn="b"/>
+                      <a:r>
+                        <a:rPr lang="nb-NO" sz="1200" u="none" strike="noStrike">
+                          <a:effectLst/>
+                        </a:rPr>
+                        <a:t>0.027598321</a:t>
+                      </a:r>
+                      <a:endParaRPr lang="nb-NO" sz="1200" b="0" i="0" u="none" strike="noStrike">
+                        <a:solidFill>
+                          <a:srgbClr val="000000"/>
+                        </a:solidFill>
+                        <a:effectLst/>
+                        <a:latin typeface="Calibri" charset="0"/>
+                      </a:endParaRPr>
+                    </a:p>
+                  </a:txBody>
+                  <a:tcPr marL="12700" marR="12700" marT="12700" marB="0" anchor="b"/>
+                </a:tc>
+              </a:tr>
+              <a:tr h="250934">
+                <a:tc>
+                  <a:txBody>
+                    <a:bodyPr/>
+                    <a:lstStyle/>
+                    <a:p>
+                      <a:pPr algn="l" fontAlgn="b"/>
+                      <a:r>
+                        <a:rPr lang="en-US" sz="1200" u="none" strike="noStrike" dirty="0">
+                          <a:effectLst/>
+                        </a:rPr>
+                        <a:t>Sports</a:t>
+                      </a:r>
+                      <a:endParaRPr lang="en-US" sz="1200" b="0" i="0" u="none" strike="noStrike" dirty="0">
+                        <a:solidFill>
+                          <a:srgbClr val="000000"/>
+                        </a:solidFill>
+                        <a:effectLst/>
+                        <a:latin typeface="Calibri" charset="0"/>
+                      </a:endParaRPr>
+                    </a:p>
+                  </a:txBody>
+                  <a:tcPr marL="12700" marR="12700" marT="12700" marB="0" anchor="b"/>
+                </a:tc>
+                <a:tc>
+                  <a:txBody>
+                    <a:bodyPr/>
+                    <a:lstStyle/>
+                    <a:p>
+                      <a:pPr algn="l" fontAlgn="b"/>
+                      <a:r>
+                        <a:rPr lang="en-US" sz="1200" u="none" strike="noStrike" dirty="0">
+                          <a:effectLst/>
+                        </a:rPr>
+                        <a:t>game</a:t>
+                      </a:r>
+                      <a:endParaRPr lang="en-US" sz="1200" b="0" i="0" u="none" strike="noStrike" dirty="0">
+                        <a:solidFill>
+                          <a:srgbClr val="000000"/>
+                        </a:solidFill>
+                        <a:effectLst/>
+                        <a:latin typeface="Calibri" charset="0"/>
+                      </a:endParaRPr>
+                    </a:p>
+                  </a:txBody>
+                  <a:tcPr marL="12700" marR="12700" marT="12700" marB="0" anchor="b"/>
+                </a:tc>
+                <a:tc>
+                  <a:txBody>
+                    <a:bodyPr/>
+                    <a:lstStyle/>
+                    <a:p>
+                      <a:pPr algn="r" fontAlgn="b"/>
+                      <a:r>
+                        <a:rPr lang="en-US" sz="1200" u="none" strike="noStrike" dirty="0">
+                          <a:effectLst/>
+                        </a:rPr>
+                        <a:t>0.024382351</a:t>
+                      </a:r>
+                      <a:endParaRPr lang="en-US" sz="1200" b="0" i="0" u="none" strike="noStrike" dirty="0">
+                        <a:solidFill>
+                          <a:srgbClr val="000000"/>
+                        </a:solidFill>
+                        <a:effectLst/>
+                        <a:latin typeface="Calibri" charset="0"/>
+                      </a:endParaRPr>
+                    </a:p>
+                  </a:txBody>
+                  <a:tcPr marL="12700" marR="12700" marT="12700" marB="0" anchor="b"/>
+                </a:tc>
+              </a:tr>
+              <a:tr h="250934">
+                <a:tc>
+                  <a:txBody>
+                    <a:bodyPr/>
+                    <a:lstStyle/>
+                    <a:p>
+                      <a:pPr algn="l" fontAlgn="b"/>
+                      <a:r>
+                        <a:rPr lang="en-US" sz="1200" u="none" strike="noStrike" dirty="0">
+                          <a:effectLst/>
+                        </a:rPr>
+                        <a:t>Sports</a:t>
+                      </a:r>
+                      <a:endParaRPr lang="en-US" sz="1200" b="0" i="0" u="none" strike="noStrike" dirty="0">
+                        <a:solidFill>
+                          <a:srgbClr val="000000"/>
+                        </a:solidFill>
+                        <a:effectLst/>
+                        <a:latin typeface="Calibri" charset="0"/>
+                      </a:endParaRPr>
+                    </a:p>
+                  </a:txBody>
+                  <a:tcPr marL="12700" marR="12700" marT="12700" marB="0" anchor="b"/>
+                </a:tc>
+                <a:tc>
+                  <a:txBody>
+                    <a:bodyPr/>
+                    <a:lstStyle/>
+                    <a:p>
+                      <a:pPr algn="l" fontAlgn="b"/>
+                      <a:r>
+                        <a:rPr lang="en-US" sz="1200" u="none" strike="noStrike" dirty="0">
+                          <a:effectLst/>
+                        </a:rPr>
+                        <a:t>win</a:t>
+                      </a:r>
+                      <a:endParaRPr lang="en-US" sz="1200" b="0" i="0" u="none" strike="noStrike" dirty="0">
+                        <a:solidFill>
+                          <a:srgbClr val="000000"/>
+                        </a:solidFill>
+                        <a:effectLst/>
+                        <a:latin typeface="Calibri" charset="0"/>
+                      </a:endParaRPr>
+                    </a:p>
+                  </a:txBody>
+                  <a:tcPr marL="12700" marR="12700" marT="12700" marB="0" anchor="b"/>
+                </a:tc>
+                <a:tc>
+                  <a:txBody>
+                    <a:bodyPr/>
+                    <a:lstStyle/>
+                    <a:p>
+                      <a:pPr algn="r" fontAlgn="b"/>
+                      <a:r>
+                        <a:rPr lang="fi-FI" sz="1200" u="none" strike="noStrike" dirty="0">
+                          <a:effectLst/>
+                        </a:rPr>
+                        <a:t>0.017087057</a:t>
+                      </a:r>
+                      <a:endParaRPr lang="fi-FI" sz="1200" b="0" i="0" u="none" strike="noStrike" dirty="0">
+                        <a:solidFill>
+                          <a:srgbClr val="000000"/>
+                        </a:solidFill>
+                        <a:effectLst/>
+                        <a:latin typeface="Calibri" charset="0"/>
+                      </a:endParaRPr>
+                    </a:p>
+                  </a:txBody>
+                  <a:tcPr marL="12700" marR="12700" marT="12700" marB="0" anchor="b"/>
+                </a:tc>
+              </a:tr>
+              <a:tr h="250934">
+                <a:tc>
+                  <a:txBody>
+                    <a:bodyPr/>
+                    <a:lstStyle/>
+                    <a:p>
+                      <a:pPr algn="l" fontAlgn="b"/>
+                      <a:r>
+                        <a:rPr lang="mr-IN" sz="1200" u="none" strike="noStrike" dirty="0" smtClean="0">
+                          <a:effectLst/>
+                        </a:rPr>
+                        <a:t>…</a:t>
+                      </a:r>
+                      <a:endParaRPr lang="en-US" sz="1200" b="0" i="0" u="none" strike="noStrike" dirty="0">
+                        <a:solidFill>
+                          <a:srgbClr val="000000"/>
+                        </a:solidFill>
+                        <a:effectLst/>
+                        <a:latin typeface="Calibri" charset="0"/>
+                      </a:endParaRPr>
+                    </a:p>
+                  </a:txBody>
+                  <a:tcPr marL="12700" marR="12700" marT="12700" marB="0" anchor="b"/>
+                </a:tc>
+                <a:tc>
+                  <a:txBody>
+                    <a:bodyPr/>
+                    <a:lstStyle/>
+                    <a:p>
+                      <a:pPr algn="l" fontAlgn="b"/>
+                      <a:r>
+                        <a:rPr lang="mr-IN" sz="1200" u="none" strike="noStrike" dirty="0" smtClean="0">
+                          <a:effectLst/>
+                        </a:rPr>
+                        <a:t>…</a:t>
+                      </a:r>
+                      <a:endParaRPr lang="en-US" sz="1200" b="0" i="0" u="none" strike="noStrike" dirty="0">
+                        <a:solidFill>
+                          <a:srgbClr val="000000"/>
+                        </a:solidFill>
+                        <a:effectLst/>
+                        <a:latin typeface="Calibri" charset="0"/>
+                      </a:endParaRPr>
+                    </a:p>
+                  </a:txBody>
+                  <a:tcPr marL="12700" marR="12700" marT="12700" marB="0" anchor="b"/>
+                </a:tc>
+                <a:tc>
+                  <a:txBody>
+                    <a:bodyPr/>
+                    <a:lstStyle/>
+                    <a:p>
+                      <a:pPr algn="r" fontAlgn="b"/>
+                      <a:r>
+                        <a:rPr lang="mr-IN" sz="1200" u="none" strike="noStrike" dirty="0" smtClean="0">
+                          <a:effectLst/>
+                        </a:rPr>
+                        <a:t>…</a:t>
+                      </a:r>
+                      <a:endParaRPr lang="fi-FI" sz="1200" b="0" i="0" u="none" strike="noStrike" dirty="0">
+                        <a:solidFill>
+                          <a:srgbClr val="000000"/>
+                        </a:solidFill>
+                        <a:effectLst/>
+                        <a:latin typeface="Calibri" charset="0"/>
+                      </a:endParaRPr>
+                    </a:p>
+                  </a:txBody>
+                  <a:tcPr marL="12700" marR="12700" marT="12700" marB="0" anchor="b"/>
+                </a:tc>
+              </a:tr>
+              <a:tr h="250934">
+                <a:tc>
+                  <a:txBody>
+                    <a:bodyPr/>
+                    <a:lstStyle/>
+                    <a:p>
+                      <a:pPr algn="l" fontAlgn="b"/>
+                      <a:r>
+                        <a:rPr lang="en-US" sz="1200" u="none" strike="noStrike" dirty="0">
+                          <a:effectLst/>
+                        </a:rPr>
+                        <a:t>Military Nuclear Technology</a:t>
+                      </a:r>
+                      <a:endParaRPr lang="en-US" sz="1200" b="0" i="0" u="none" strike="noStrike" dirty="0">
+                        <a:solidFill>
+                          <a:srgbClr val="000000"/>
+                        </a:solidFill>
+                        <a:effectLst/>
+                        <a:latin typeface="Calibri" charset="0"/>
+                      </a:endParaRPr>
+                    </a:p>
+                  </a:txBody>
+                  <a:tcPr marL="12700" marR="12700" marT="12700" marB="0" anchor="b"/>
+                </a:tc>
+                <a:tc>
+                  <a:txBody>
+                    <a:bodyPr/>
+                    <a:lstStyle/>
+                    <a:p>
+                      <a:pPr algn="l" fontAlgn="b"/>
+                      <a:r>
+                        <a:rPr lang="en-US" sz="1200" u="none" strike="noStrike">
+                          <a:effectLst/>
+                        </a:rPr>
+                        <a:t>north_korea</a:t>
+                      </a:r>
+                      <a:endParaRPr lang="en-US" sz="1200" b="0" i="0" u="none" strike="noStrike">
+                        <a:solidFill>
+                          <a:srgbClr val="000000"/>
+                        </a:solidFill>
+                        <a:effectLst/>
+                        <a:latin typeface="Calibri" charset="0"/>
+                      </a:endParaRPr>
+                    </a:p>
+                  </a:txBody>
+                  <a:tcPr marL="12700" marR="12700" marT="12700" marB="0" anchor="b"/>
+                </a:tc>
+                <a:tc>
+                  <a:txBody>
+                    <a:bodyPr/>
+                    <a:lstStyle/>
+                    <a:p>
+                      <a:pPr algn="r" fontAlgn="b"/>
+                      <a:r>
+                        <a:rPr lang="is-IS" sz="1200" u="none" strike="noStrike" dirty="0">
+                          <a:effectLst/>
+                        </a:rPr>
+                        <a:t>0.02561758</a:t>
+                      </a:r>
+                      <a:endParaRPr lang="is-IS" sz="1200" b="0" i="0" u="none" strike="noStrike" dirty="0">
+                        <a:solidFill>
+                          <a:srgbClr val="000000"/>
+                        </a:solidFill>
+                        <a:effectLst/>
+                        <a:latin typeface="Calibri" charset="0"/>
+                      </a:endParaRPr>
+                    </a:p>
+                  </a:txBody>
+                  <a:tcPr marL="12700" marR="12700" marT="12700" marB="0" anchor="b"/>
+                </a:tc>
+              </a:tr>
+              <a:tr h="250934">
+                <a:tc>
+                  <a:txBody>
+                    <a:bodyPr/>
+                    <a:lstStyle/>
+                    <a:p>
+                      <a:pPr algn="l" fontAlgn="b"/>
+                      <a:r>
+                        <a:rPr lang="en-US" sz="1200" u="none" strike="noStrike">
+                          <a:effectLst/>
+                        </a:rPr>
+                        <a:t>Military Nuclear Technology</a:t>
+                      </a:r>
+                      <a:endParaRPr lang="en-US" sz="1200" b="0" i="0" u="none" strike="noStrike">
+                        <a:solidFill>
+                          <a:srgbClr val="000000"/>
+                        </a:solidFill>
+                        <a:effectLst/>
+                        <a:latin typeface="Calibri" charset="0"/>
+                      </a:endParaRPr>
+                    </a:p>
+                  </a:txBody>
+                  <a:tcPr marL="12700" marR="12700" marT="12700" marB="0" anchor="b"/>
+                </a:tc>
+                <a:tc>
+                  <a:txBody>
+                    <a:bodyPr/>
+                    <a:lstStyle/>
+                    <a:p>
+                      <a:pPr algn="l" fontAlgn="b"/>
+                      <a:r>
+                        <a:rPr lang="en-US" sz="1200" u="none" strike="noStrike">
+                          <a:effectLst/>
+                        </a:rPr>
+                        <a:t>north_korean</a:t>
+                      </a:r>
+                      <a:endParaRPr lang="en-US" sz="1200" b="0" i="0" u="none" strike="noStrike">
+                        <a:solidFill>
+                          <a:srgbClr val="000000"/>
+                        </a:solidFill>
+                        <a:effectLst/>
+                        <a:latin typeface="Calibri" charset="0"/>
+                      </a:endParaRPr>
+                    </a:p>
+                  </a:txBody>
+                  <a:tcPr marL="12700" marR="12700" marT="12700" marB="0" anchor="b"/>
+                </a:tc>
+                <a:tc>
+                  <a:txBody>
+                    <a:bodyPr/>
+                    <a:lstStyle/>
+                    <a:p>
+                      <a:pPr algn="r" fontAlgn="b"/>
+                      <a:r>
+                        <a:rPr lang="hr-HR" sz="1200" u="none" strike="noStrike">
+                          <a:effectLst/>
+                        </a:rPr>
+                        <a:t>0.018099198</a:t>
+                      </a:r>
+                      <a:endParaRPr lang="hr-HR" sz="1200" b="0" i="0" u="none" strike="noStrike">
+                        <a:solidFill>
+                          <a:srgbClr val="000000"/>
+                        </a:solidFill>
+                        <a:effectLst/>
+                        <a:latin typeface="Calibri" charset="0"/>
+                      </a:endParaRPr>
+                    </a:p>
+                  </a:txBody>
+                  <a:tcPr marL="12700" marR="12700" marT="12700" marB="0" anchor="b"/>
+                </a:tc>
+              </a:tr>
+              <a:tr h="250934">
+                <a:tc>
+                  <a:txBody>
+                    <a:bodyPr/>
+                    <a:lstStyle/>
+                    <a:p>
+                      <a:pPr algn="l" fontAlgn="b"/>
+                      <a:r>
+                        <a:rPr lang="en-US" sz="1200" u="none" strike="noStrike">
+                          <a:effectLst/>
+                        </a:rPr>
+                        <a:t>Military Nuclear Technology</a:t>
+                      </a:r>
+                      <a:endParaRPr lang="en-US" sz="1200" b="0" i="0" u="none" strike="noStrike">
+                        <a:solidFill>
+                          <a:srgbClr val="000000"/>
+                        </a:solidFill>
+                        <a:effectLst/>
+                        <a:latin typeface="Calibri" charset="0"/>
+                      </a:endParaRPr>
+                    </a:p>
+                  </a:txBody>
+                  <a:tcPr marL="12700" marR="12700" marT="12700" marB="0" anchor="b"/>
+                </a:tc>
+                <a:tc>
+                  <a:txBody>
+                    <a:bodyPr/>
+                    <a:lstStyle/>
+                    <a:p>
+                      <a:pPr algn="l" fontAlgn="b"/>
+                      <a:r>
+                        <a:rPr lang="en-US" sz="1200" u="none" strike="noStrike">
+                          <a:effectLst/>
+                        </a:rPr>
+                        <a:t>iran</a:t>
+                      </a:r>
+                      <a:endParaRPr lang="en-US" sz="1200" b="0" i="0" u="none" strike="noStrike">
+                        <a:solidFill>
+                          <a:srgbClr val="000000"/>
+                        </a:solidFill>
+                        <a:effectLst/>
+                        <a:latin typeface="Calibri" charset="0"/>
+                      </a:endParaRPr>
+                    </a:p>
+                  </a:txBody>
+                  <a:tcPr marL="12700" marR="12700" marT="12700" marB="0" anchor="b"/>
+                </a:tc>
+                <a:tc>
+                  <a:txBody>
+                    <a:bodyPr/>
+                    <a:lstStyle/>
+                    <a:p>
+                      <a:pPr algn="r" fontAlgn="b"/>
+                      <a:r>
+                        <a:rPr lang="is-IS" sz="1200" u="none" strike="noStrike">
+                          <a:effectLst/>
+                        </a:rPr>
+                        <a:t>0.015305956</a:t>
+                      </a:r>
+                      <a:endParaRPr lang="is-IS" sz="1200" b="0" i="0" u="none" strike="noStrike">
+                        <a:solidFill>
+                          <a:srgbClr val="000000"/>
+                        </a:solidFill>
+                        <a:effectLst/>
+                        <a:latin typeface="Calibri" charset="0"/>
+                      </a:endParaRPr>
+                    </a:p>
+                  </a:txBody>
+                  <a:tcPr marL="12700" marR="12700" marT="12700" marB="0" anchor="b"/>
+                </a:tc>
+              </a:tr>
+              <a:tr h="250934">
+                <a:tc>
+                  <a:txBody>
+                    <a:bodyPr/>
+                    <a:lstStyle/>
+                    <a:p>
+                      <a:pPr algn="l" fontAlgn="b"/>
+                      <a:r>
+                        <a:rPr lang="mr-IN" sz="1200" u="none" strike="noStrike" dirty="0" smtClean="0">
+                          <a:effectLst/>
+                        </a:rPr>
+                        <a:t>…</a:t>
+                      </a:r>
+                      <a:endParaRPr lang="en-US" sz="1200" b="0" i="0" u="none" strike="noStrike" dirty="0">
+                        <a:solidFill>
+                          <a:srgbClr val="000000"/>
+                        </a:solidFill>
+                        <a:effectLst/>
+                        <a:latin typeface="Calibri" charset="0"/>
+                      </a:endParaRPr>
+                    </a:p>
+                  </a:txBody>
+                  <a:tcPr marL="12700" marR="12700" marT="12700" marB="0" anchor="b"/>
+                </a:tc>
+                <a:tc>
+                  <a:txBody>
+                    <a:bodyPr/>
+                    <a:lstStyle/>
+                    <a:p>
+                      <a:pPr algn="l" fontAlgn="b"/>
+                      <a:r>
+                        <a:rPr lang="mr-IN" sz="1200" u="none" strike="noStrike" dirty="0" smtClean="0">
+                          <a:effectLst/>
+                        </a:rPr>
+                        <a:t>…</a:t>
+                      </a:r>
+                      <a:endParaRPr lang="en-US" sz="1200" b="0" i="0" u="none" strike="noStrike" dirty="0">
+                        <a:solidFill>
+                          <a:srgbClr val="000000"/>
+                        </a:solidFill>
+                        <a:effectLst/>
+                        <a:latin typeface="Calibri" charset="0"/>
+                      </a:endParaRPr>
+                    </a:p>
+                  </a:txBody>
+                  <a:tcPr marL="12700" marR="12700" marT="12700" marB="0" anchor="b"/>
+                </a:tc>
+                <a:tc>
+                  <a:txBody>
+                    <a:bodyPr/>
+                    <a:lstStyle/>
+                    <a:p>
+                      <a:pPr algn="r" fontAlgn="b"/>
+                      <a:r>
+                        <a:rPr lang="mr-IN" sz="1200" u="none" strike="noStrike" dirty="0" smtClean="0">
+                          <a:effectLst/>
+                        </a:rPr>
+                        <a:t>…</a:t>
+                      </a:r>
+                      <a:endParaRPr lang="cs-CZ" sz="1200" b="0" i="0" u="none" strike="noStrike" dirty="0">
+                        <a:solidFill>
+                          <a:srgbClr val="000000"/>
+                        </a:solidFill>
+                        <a:effectLst/>
+                        <a:latin typeface="Calibri" charset="0"/>
+                      </a:endParaRPr>
+                    </a:p>
+                  </a:txBody>
+                  <a:tcPr marL="12700" marR="12700" marT="12700" marB="0" anchor="b"/>
+                </a:tc>
+              </a:tr>
+              <a:tr h="250934">
+                <a:tc>
+                  <a:txBody>
+                    <a:bodyPr/>
+                    <a:lstStyle/>
+                    <a:p>
+                      <a:pPr algn="l" fontAlgn="b"/>
+                      <a:r>
+                        <a:rPr lang="en-US" sz="1200" u="none" strike="noStrike" dirty="0">
+                          <a:effectLst/>
+                        </a:rPr>
+                        <a:t>Political Investigation (Cohen/Virginia)</a:t>
+                      </a:r>
+                      <a:endParaRPr lang="en-US" sz="1200" b="0" i="0" u="none" strike="noStrike" dirty="0">
+                        <a:solidFill>
+                          <a:srgbClr val="000000"/>
+                        </a:solidFill>
+                        <a:effectLst/>
+                        <a:latin typeface="Calibri" charset="0"/>
+                      </a:endParaRPr>
+                    </a:p>
+                  </a:txBody>
+                  <a:tcPr marL="12700" marR="12700" marT="12700" marB="0" anchor="b"/>
+                </a:tc>
+                <a:tc>
+                  <a:txBody>
+                    <a:bodyPr/>
+                    <a:lstStyle/>
+                    <a:p>
+                      <a:pPr algn="l" fontAlgn="b"/>
+                      <a:r>
+                        <a:rPr lang="en-US" sz="1200" u="none" strike="noStrike">
+                          <a:effectLst/>
+                        </a:rPr>
+                        <a:t>say</a:t>
+                      </a:r>
+                      <a:endParaRPr lang="en-US" sz="1200" b="0" i="0" u="none" strike="noStrike">
+                        <a:solidFill>
+                          <a:srgbClr val="000000"/>
+                        </a:solidFill>
+                        <a:effectLst/>
+                        <a:latin typeface="Calibri" charset="0"/>
+                      </a:endParaRPr>
+                    </a:p>
+                  </a:txBody>
+                  <a:tcPr marL="12700" marR="12700" marT="12700" marB="0" anchor="b"/>
+                </a:tc>
+                <a:tc>
+                  <a:txBody>
+                    <a:bodyPr/>
+                    <a:lstStyle/>
+                    <a:p>
+                      <a:pPr algn="r" fontAlgn="b"/>
+                      <a:r>
+                        <a:rPr lang="is-IS" sz="1200" u="none" strike="noStrike">
+                          <a:effectLst/>
+                        </a:rPr>
+                        <a:t>0.050332915</a:t>
+                      </a:r>
+                      <a:endParaRPr lang="is-IS" sz="1200" b="0" i="0" u="none" strike="noStrike">
+                        <a:solidFill>
+                          <a:srgbClr val="000000"/>
+                        </a:solidFill>
+                        <a:effectLst/>
+                        <a:latin typeface="Calibri" charset="0"/>
+                      </a:endParaRPr>
+                    </a:p>
+                  </a:txBody>
+                  <a:tcPr marL="12700" marR="12700" marT="12700" marB="0" anchor="b"/>
+                </a:tc>
+              </a:tr>
+              <a:tr h="250934">
+                <a:tc>
+                  <a:txBody>
+                    <a:bodyPr/>
+                    <a:lstStyle/>
+                    <a:p>
+                      <a:pPr algn="l" fontAlgn="b"/>
+                      <a:r>
+                        <a:rPr lang="en-US" sz="1200" u="none" strike="noStrike" dirty="0">
+                          <a:effectLst/>
+                        </a:rPr>
+                        <a:t>Political Investigation (Cohen/Virginia)</a:t>
+                      </a:r>
+                      <a:endParaRPr lang="en-US" sz="1200" b="0" i="0" u="none" strike="noStrike" dirty="0">
+                        <a:solidFill>
+                          <a:srgbClr val="000000"/>
+                        </a:solidFill>
+                        <a:effectLst/>
+                        <a:latin typeface="Calibri" charset="0"/>
+                      </a:endParaRPr>
+                    </a:p>
+                  </a:txBody>
+                  <a:tcPr marL="12700" marR="12700" marT="12700" marB="0" anchor="b"/>
+                </a:tc>
+                <a:tc>
+                  <a:txBody>
+                    <a:bodyPr/>
+                    <a:lstStyle/>
+                    <a:p>
+                      <a:pPr algn="l" fontAlgn="b"/>
+                      <a:r>
+                        <a:rPr lang="en-US" sz="1200" u="none" strike="noStrike" dirty="0" err="1">
+                          <a:effectLst/>
+                        </a:rPr>
+                        <a:t>cnn</a:t>
+                      </a:r>
+                      <a:endParaRPr lang="en-US" sz="1200" b="0" i="0" u="none" strike="noStrike" dirty="0">
+                        <a:solidFill>
+                          <a:srgbClr val="000000"/>
+                        </a:solidFill>
+                        <a:effectLst/>
+                        <a:latin typeface="Calibri" charset="0"/>
+                      </a:endParaRPr>
+                    </a:p>
+                  </a:txBody>
+                  <a:tcPr marL="12700" marR="12700" marT="12700" marB="0" anchor="b"/>
+                </a:tc>
+                <a:tc>
+                  <a:txBody>
+                    <a:bodyPr/>
+                    <a:lstStyle/>
+                    <a:p>
+                      <a:pPr algn="r" fontAlgn="b"/>
+                      <a:r>
+                        <a:rPr lang="en-US" sz="1200" u="none" strike="noStrike">
+                          <a:effectLst/>
+                        </a:rPr>
+                        <a:t>0.024718568</a:t>
+                      </a:r>
+                      <a:endParaRPr lang="en-US" sz="1200" b="0" i="0" u="none" strike="noStrike">
+                        <a:solidFill>
+                          <a:srgbClr val="000000"/>
+                        </a:solidFill>
+                        <a:effectLst/>
+                        <a:latin typeface="Calibri" charset="0"/>
+                      </a:endParaRPr>
+                    </a:p>
+                  </a:txBody>
+                  <a:tcPr marL="12700" marR="12700" marT="12700" marB="0" anchor="b"/>
+                </a:tc>
+              </a:tr>
+              <a:tr h="250934">
+                <a:tc>
+                  <a:txBody>
+                    <a:bodyPr/>
+                    <a:lstStyle/>
+                    <a:p>
+                      <a:pPr algn="l" fontAlgn="b"/>
+                      <a:r>
+                        <a:rPr lang="en-US" sz="1200" u="none" strike="noStrike">
+                          <a:effectLst/>
+                        </a:rPr>
+                        <a:t>Political Investigation (Cohen/Virginia)</a:t>
+                      </a:r>
+                      <a:endParaRPr lang="en-US" sz="1200" b="0" i="0" u="none" strike="noStrike">
+                        <a:solidFill>
+                          <a:srgbClr val="000000"/>
+                        </a:solidFill>
+                        <a:effectLst/>
+                        <a:latin typeface="Calibri" charset="0"/>
+                      </a:endParaRPr>
+                    </a:p>
+                  </a:txBody>
+                  <a:tcPr marL="12700" marR="12700" marT="12700" marB="0" anchor="b"/>
+                </a:tc>
+                <a:tc>
+                  <a:txBody>
+                    <a:bodyPr/>
+                    <a:lstStyle/>
+                    <a:p>
+                      <a:pPr algn="l" fontAlgn="b"/>
+                      <a:r>
+                        <a:rPr lang="en-US" sz="1200" u="none" strike="noStrike" dirty="0">
+                          <a:effectLst/>
+                        </a:rPr>
+                        <a:t>report</a:t>
+                      </a:r>
+                      <a:endParaRPr lang="en-US" sz="1200" b="0" i="0" u="none" strike="noStrike" dirty="0">
+                        <a:solidFill>
+                          <a:srgbClr val="000000"/>
+                        </a:solidFill>
+                        <a:effectLst/>
+                        <a:latin typeface="Calibri" charset="0"/>
+                      </a:endParaRPr>
+                    </a:p>
+                  </a:txBody>
+                  <a:tcPr marL="12700" marR="12700" marT="12700" marB="0" anchor="b"/>
+                </a:tc>
+                <a:tc>
+                  <a:txBody>
+                    <a:bodyPr/>
+                    <a:lstStyle/>
+                    <a:p>
+                      <a:pPr algn="r" fontAlgn="b"/>
+                      <a:r>
+                        <a:rPr lang="is-IS" sz="1200" u="none" strike="noStrike" dirty="0">
+                          <a:effectLst/>
+                        </a:rPr>
+                        <a:t>0.01599263</a:t>
+                      </a:r>
+                      <a:endParaRPr lang="is-IS" sz="1200" b="0" i="0" u="none" strike="noStrike" dirty="0">
+                        <a:solidFill>
+                          <a:srgbClr val="000000"/>
+                        </a:solidFill>
+                        <a:effectLst/>
+                        <a:latin typeface="Calibri" charset="0"/>
+                      </a:endParaRPr>
+                    </a:p>
+                  </a:txBody>
+                  <a:tcPr marL="12700" marR="12700" marT="12700" marB="0" anchor="b"/>
+                </a:tc>
+              </a:tr>
+              <a:tr h="250934">
+                <a:tc>
+                  <a:txBody>
+                    <a:bodyPr/>
+                    <a:lstStyle/>
+                    <a:p>
+                      <a:pPr algn="l" fontAlgn="b"/>
+                      <a:r>
+                        <a:rPr lang="en-US" sz="1200" u="none" strike="noStrike">
+                          <a:effectLst/>
+                        </a:rPr>
+                        <a:t>Political Investigation (Cohen/Virginia)</a:t>
+                      </a:r>
+                      <a:endParaRPr lang="en-US" sz="1200" b="0" i="0" u="none" strike="noStrike">
+                        <a:solidFill>
+                          <a:srgbClr val="000000"/>
+                        </a:solidFill>
+                        <a:effectLst/>
+                        <a:latin typeface="Calibri" charset="0"/>
+                      </a:endParaRPr>
+                    </a:p>
+                  </a:txBody>
+                  <a:tcPr marL="12700" marR="12700" marT="12700" marB="0" anchor="b"/>
+                </a:tc>
+                <a:tc>
+                  <a:txBody>
+                    <a:bodyPr/>
+                    <a:lstStyle/>
+                    <a:p>
+                      <a:pPr algn="l" fontAlgn="b"/>
+                      <a:r>
+                        <a:rPr lang="en-US" sz="1200" u="none" strike="noStrike">
+                          <a:effectLst/>
+                        </a:rPr>
+                        <a:t>tell</a:t>
+                      </a:r>
+                      <a:endParaRPr lang="en-US" sz="1200" b="0" i="0" u="none" strike="noStrike">
+                        <a:solidFill>
+                          <a:srgbClr val="000000"/>
+                        </a:solidFill>
+                        <a:effectLst/>
+                        <a:latin typeface="Calibri" charset="0"/>
+                      </a:endParaRPr>
+                    </a:p>
+                  </a:txBody>
+                  <a:tcPr marL="12700" marR="12700" marT="12700" marB="0" anchor="b"/>
+                </a:tc>
+                <a:tc>
+                  <a:txBody>
+                    <a:bodyPr/>
+                    <a:lstStyle/>
+                    <a:p>
+                      <a:pPr algn="r" fontAlgn="b"/>
+                      <a:r>
+                        <a:rPr lang="is-IS" sz="1200" u="none" strike="noStrike">
+                          <a:effectLst/>
+                        </a:rPr>
+                        <a:t>0.01137681</a:t>
+                      </a:r>
+                      <a:endParaRPr lang="is-IS" sz="1200" b="0" i="0" u="none" strike="noStrike">
+                        <a:solidFill>
+                          <a:srgbClr val="000000"/>
+                        </a:solidFill>
+                        <a:effectLst/>
+                        <a:latin typeface="Calibri" charset="0"/>
+                      </a:endParaRPr>
+                    </a:p>
+                  </a:txBody>
+                  <a:tcPr marL="12700" marR="12700" marT="12700" marB="0" anchor="b"/>
+                </a:tc>
+              </a:tr>
+              <a:tr h="250934">
+                <a:tc>
+                  <a:txBody>
+                    <a:bodyPr/>
+                    <a:lstStyle/>
+                    <a:p>
+                      <a:pPr algn="l" fontAlgn="b"/>
+                      <a:r>
+                        <a:rPr lang="en-US" sz="1200" u="none" strike="noStrike">
+                          <a:effectLst/>
+                        </a:rPr>
+                        <a:t>Political Investigation (Cohen/Virginia)</a:t>
+                      </a:r>
+                      <a:endParaRPr lang="en-US" sz="1200" b="0" i="0" u="none" strike="noStrike">
+                        <a:solidFill>
+                          <a:srgbClr val="000000"/>
+                        </a:solidFill>
+                        <a:effectLst/>
+                        <a:latin typeface="Calibri" charset="0"/>
+                      </a:endParaRPr>
+                    </a:p>
+                  </a:txBody>
+                  <a:tcPr marL="12700" marR="12700" marT="12700" marB="0" anchor="b"/>
+                </a:tc>
+                <a:tc>
+                  <a:txBody>
+                    <a:bodyPr/>
+                    <a:lstStyle/>
+                    <a:p>
+                      <a:pPr algn="l" fontAlgn="b"/>
+                      <a:r>
+                        <a:rPr lang="en-US" sz="1200" u="none" strike="noStrike" dirty="0">
+                          <a:effectLst/>
+                        </a:rPr>
+                        <a:t>investigation</a:t>
+                      </a:r>
+                      <a:endParaRPr lang="en-US" sz="1200" b="0" i="0" u="none" strike="noStrike" dirty="0">
+                        <a:solidFill>
+                          <a:srgbClr val="000000"/>
+                        </a:solidFill>
+                        <a:effectLst/>
+                        <a:latin typeface="Calibri" charset="0"/>
+                      </a:endParaRPr>
+                    </a:p>
+                  </a:txBody>
+                  <a:tcPr marL="12700" marR="12700" marT="12700" marB="0" anchor="b"/>
+                </a:tc>
+                <a:tc>
+                  <a:txBody>
+                    <a:bodyPr/>
+                    <a:lstStyle/>
+                    <a:p>
+                      <a:pPr algn="r" fontAlgn="b"/>
+                      <a:r>
+                        <a:rPr lang="is-IS" sz="1200" u="none" strike="noStrike">
+                          <a:effectLst/>
+                        </a:rPr>
+                        <a:t>0.011040452</a:t>
+                      </a:r>
+                      <a:endParaRPr lang="is-IS" sz="1200" b="0" i="0" u="none" strike="noStrike">
+                        <a:solidFill>
+                          <a:srgbClr val="000000"/>
+                        </a:solidFill>
+                        <a:effectLst/>
+                        <a:latin typeface="Calibri" charset="0"/>
+                      </a:endParaRPr>
+                    </a:p>
+                  </a:txBody>
+                  <a:tcPr marL="12700" marR="12700" marT="12700" marB="0" anchor="b"/>
+                </a:tc>
+              </a:tr>
+              <a:tr h="250934">
+                <a:tc>
+                  <a:txBody>
+                    <a:bodyPr/>
+                    <a:lstStyle/>
+                    <a:p>
+                      <a:pPr algn="l" fontAlgn="b"/>
+                      <a:r>
+                        <a:rPr lang="en-US" sz="1200" u="none" strike="noStrike">
+                          <a:effectLst/>
+                        </a:rPr>
+                        <a:t>Political Investigation (Cohen/Virginia)</a:t>
+                      </a:r>
+                      <a:endParaRPr lang="en-US" sz="1200" b="0" i="0" u="none" strike="noStrike">
+                        <a:solidFill>
+                          <a:srgbClr val="000000"/>
+                        </a:solidFill>
+                        <a:effectLst/>
+                        <a:latin typeface="Calibri" charset="0"/>
+                      </a:endParaRPr>
+                    </a:p>
+                  </a:txBody>
+                  <a:tcPr marL="12700" marR="12700" marT="12700" marB="0" anchor="b"/>
+                </a:tc>
+                <a:tc>
+                  <a:txBody>
+                    <a:bodyPr/>
+                    <a:lstStyle/>
+                    <a:p>
+                      <a:pPr algn="l" fontAlgn="b"/>
+                      <a:r>
+                        <a:rPr lang="en-US" sz="1200" u="none" strike="noStrike">
+                          <a:effectLst/>
+                        </a:rPr>
+                        <a:t>statement</a:t>
+                      </a:r>
+                      <a:endParaRPr lang="en-US" sz="1200" b="0" i="0" u="none" strike="noStrike">
+                        <a:solidFill>
+                          <a:srgbClr val="000000"/>
+                        </a:solidFill>
+                        <a:effectLst/>
+                        <a:latin typeface="Calibri" charset="0"/>
+                      </a:endParaRPr>
+                    </a:p>
+                  </a:txBody>
+                  <a:tcPr marL="12700" marR="12700" marT="12700" marB="0" anchor="b"/>
+                </a:tc>
+                <a:tc>
+                  <a:txBody>
+                    <a:bodyPr/>
+                    <a:lstStyle/>
+                    <a:p>
+                      <a:pPr algn="r" fontAlgn="b"/>
+                      <a:r>
+                        <a:rPr lang="is-IS" sz="1200" u="none" strike="noStrike" dirty="0">
+                          <a:effectLst/>
+                        </a:rPr>
+                        <a:t>0.010947393</a:t>
+                      </a:r>
+                      <a:endParaRPr lang="is-IS" sz="1200" b="0" i="0" u="none" strike="noStrike" dirty="0">
+                        <a:solidFill>
+                          <a:srgbClr val="000000"/>
+                        </a:solidFill>
+                        <a:effectLst/>
+                        <a:latin typeface="Calibri" charset="0"/>
+                      </a:endParaRPr>
+                    </a:p>
+                  </a:txBody>
+                  <a:tcPr marL="12700" marR="12700" marT="12700" marB="0" anchor="b"/>
+                </a:tc>
+              </a:tr>
+              <a:tr h="250934">
+                <a:tc>
+                  <a:txBody>
+                    <a:bodyPr/>
+                    <a:lstStyle/>
+                    <a:p>
+                      <a:pPr algn="l" fontAlgn="b"/>
+                      <a:r>
+                        <a:rPr lang="en-US" sz="1200" u="none" strike="noStrike">
+                          <a:effectLst/>
+                        </a:rPr>
+                        <a:t>Political Investigation (Cohen/Virginia)</a:t>
+                      </a:r>
+                      <a:endParaRPr lang="en-US" sz="1200" b="0" i="0" u="none" strike="noStrike">
+                        <a:solidFill>
+                          <a:srgbClr val="000000"/>
+                        </a:solidFill>
+                        <a:effectLst/>
+                        <a:latin typeface="Calibri" charset="0"/>
+                      </a:endParaRPr>
+                    </a:p>
+                  </a:txBody>
+                  <a:tcPr marL="12700" marR="12700" marT="12700" marB="0" anchor="b"/>
+                </a:tc>
+                <a:tc>
+                  <a:txBody>
+                    <a:bodyPr/>
+                    <a:lstStyle/>
+                    <a:p>
+                      <a:pPr algn="l" fontAlgn="b"/>
+                      <a:r>
+                        <a:rPr lang="en-US" sz="1200" u="none" strike="noStrike">
+                          <a:effectLst/>
+                        </a:rPr>
+                        <a:t>case</a:t>
+                      </a:r>
+                      <a:endParaRPr lang="en-US" sz="1200" b="0" i="0" u="none" strike="noStrike">
+                        <a:solidFill>
+                          <a:srgbClr val="000000"/>
+                        </a:solidFill>
+                        <a:effectLst/>
+                        <a:latin typeface="Calibri" charset="0"/>
+                      </a:endParaRPr>
+                    </a:p>
+                  </a:txBody>
+                  <a:tcPr marL="12700" marR="12700" marT="12700" marB="0" anchor="b"/>
+                </a:tc>
+                <a:tc>
+                  <a:txBody>
+                    <a:bodyPr/>
+                    <a:lstStyle/>
+                    <a:p>
+                      <a:pPr algn="r" fontAlgn="b"/>
+                      <a:r>
+                        <a:rPr lang="is-IS" sz="1200" u="none" strike="noStrike">
+                          <a:effectLst/>
+                        </a:rPr>
+                        <a:t>0.009329448</a:t>
+                      </a:r>
+                      <a:endParaRPr lang="is-IS" sz="1200" b="0" i="0" u="none" strike="noStrike">
+                        <a:solidFill>
+                          <a:srgbClr val="000000"/>
+                        </a:solidFill>
+                        <a:effectLst/>
+                        <a:latin typeface="Calibri" charset="0"/>
+                      </a:endParaRPr>
+                    </a:p>
+                  </a:txBody>
+                  <a:tcPr marL="12700" marR="12700" marT="12700" marB="0" anchor="b"/>
+                </a:tc>
+              </a:tr>
+              <a:tr h="250934">
+                <a:tc>
+                  <a:txBody>
+                    <a:bodyPr/>
+                    <a:lstStyle/>
+                    <a:p>
+                      <a:pPr algn="l" fontAlgn="b"/>
+                      <a:r>
+                        <a:rPr lang="en-US" sz="1200" u="none" strike="noStrike">
+                          <a:effectLst/>
+                        </a:rPr>
+                        <a:t>Political Investigation (Cohen/Virginia)</a:t>
+                      </a:r>
+                      <a:endParaRPr lang="en-US" sz="1200" b="0" i="0" u="none" strike="noStrike">
+                        <a:solidFill>
+                          <a:srgbClr val="000000"/>
+                        </a:solidFill>
+                        <a:effectLst/>
+                        <a:latin typeface="Calibri" charset="0"/>
+                      </a:endParaRPr>
+                    </a:p>
+                  </a:txBody>
+                  <a:tcPr marL="12700" marR="12700" marT="12700" marB="0" anchor="b"/>
+                </a:tc>
+                <a:tc>
+                  <a:txBody>
+                    <a:bodyPr/>
+                    <a:lstStyle/>
+                    <a:p>
+                      <a:pPr algn="l" fontAlgn="b"/>
+                      <a:r>
+                        <a:rPr lang="en-US" sz="1200" u="none" strike="noStrike">
+                          <a:effectLst/>
+                        </a:rPr>
+                        <a:t>public</a:t>
+                      </a:r>
+                      <a:endParaRPr lang="en-US" sz="1200" b="0" i="0" u="none" strike="noStrike">
+                        <a:solidFill>
+                          <a:srgbClr val="000000"/>
+                        </a:solidFill>
+                        <a:effectLst/>
+                        <a:latin typeface="Calibri" charset="0"/>
+                      </a:endParaRPr>
+                    </a:p>
+                  </a:txBody>
+                  <a:tcPr marL="12700" marR="12700" marT="12700" marB="0" anchor="b"/>
+                </a:tc>
+                <a:tc>
+                  <a:txBody>
+                    <a:bodyPr/>
+                    <a:lstStyle/>
+                    <a:p>
+                      <a:pPr algn="r" fontAlgn="b"/>
+                      <a:r>
+                        <a:rPr lang="is-IS" sz="1200" u="none" strike="noStrike">
+                          <a:effectLst/>
+                        </a:rPr>
+                        <a:t>0.008804999</a:t>
+                      </a:r>
+                      <a:endParaRPr lang="is-IS" sz="1200" b="0" i="0" u="none" strike="noStrike">
+                        <a:solidFill>
+                          <a:srgbClr val="000000"/>
+                        </a:solidFill>
+                        <a:effectLst/>
+                        <a:latin typeface="Calibri" charset="0"/>
+                      </a:endParaRPr>
+                    </a:p>
+                  </a:txBody>
+                  <a:tcPr marL="12700" marR="12700" marT="12700" marB="0" anchor="b"/>
+                </a:tc>
+              </a:tr>
+              <a:tr h="250934">
+                <a:tc>
+                  <a:txBody>
+                    <a:bodyPr/>
+                    <a:lstStyle/>
+                    <a:p>
+                      <a:pPr algn="l" fontAlgn="b"/>
+                      <a:r>
+                        <a:rPr lang="en-US" sz="1200" u="none" strike="noStrike">
+                          <a:effectLst/>
+                        </a:rPr>
+                        <a:t>Political Investigation (Cohen/Virginia)</a:t>
+                      </a:r>
+                      <a:endParaRPr lang="en-US" sz="1200" b="0" i="0" u="none" strike="noStrike">
+                        <a:solidFill>
+                          <a:srgbClr val="000000"/>
+                        </a:solidFill>
+                        <a:effectLst/>
+                        <a:latin typeface="Calibri" charset="0"/>
+                      </a:endParaRPr>
+                    </a:p>
+                  </a:txBody>
+                  <a:tcPr marL="12700" marR="12700" marT="12700" marB="0" anchor="b"/>
+                </a:tc>
+                <a:tc>
+                  <a:txBody>
+                    <a:bodyPr/>
+                    <a:lstStyle/>
+                    <a:p>
+                      <a:pPr algn="l" fontAlgn="b"/>
+                      <a:r>
+                        <a:rPr lang="en-US" sz="1200" u="none" strike="noStrike">
+                          <a:effectLst/>
+                        </a:rPr>
+                        <a:t>cohen</a:t>
+                      </a:r>
+                      <a:endParaRPr lang="en-US" sz="1200" b="0" i="0" u="none" strike="noStrike">
+                        <a:solidFill>
+                          <a:srgbClr val="000000"/>
+                        </a:solidFill>
+                        <a:effectLst/>
+                        <a:latin typeface="Calibri" charset="0"/>
+                      </a:endParaRPr>
+                    </a:p>
+                  </a:txBody>
+                  <a:tcPr marL="12700" marR="12700" marT="12700" marB="0" anchor="b"/>
+                </a:tc>
+                <a:tc>
+                  <a:txBody>
+                    <a:bodyPr/>
+                    <a:lstStyle/>
+                    <a:p>
+                      <a:pPr algn="r" fontAlgn="b"/>
+                      <a:r>
+                        <a:rPr lang="is-IS" sz="1200" u="none" strike="noStrike" dirty="0">
+                          <a:effectLst/>
+                        </a:rPr>
+                        <a:t>0.008026111</a:t>
+                      </a:r>
+                      <a:endParaRPr lang="is-IS" sz="1200" b="0" i="0" u="none" strike="noStrike" dirty="0">
+                        <a:solidFill>
+                          <a:srgbClr val="000000"/>
+                        </a:solidFill>
+                        <a:effectLst/>
+                        <a:latin typeface="Calibri" charset="0"/>
+                      </a:endParaRPr>
+                    </a:p>
+                  </a:txBody>
+                  <a:tcPr marL="12700" marR="12700" marT="12700" marB="0" anchor="b"/>
+                </a:tc>
+              </a:tr>
+            </a:tbl>
+          </a:graphicData>
+        </a:graphic>
+      </p:graphicFrame>
+      <p:sp>
+        <p:nvSpPr>
+          <p:cNvPr id="6" name="Right Arrow 5"/>
+          <p:cNvSpPr/>
+          <p:nvPr/>
+        </p:nvSpPr>
+        <p:spPr>
+          <a:xfrm>
+            <a:off x="5879151" y="2699602"/>
+            <a:ext cx="386861" cy="720968"/>
+          </a:xfrm>
+          <a:prstGeom prst="rightArrow">
+            <a:avLst/>
+          </a:prstGeom>
+          <a:solidFill>
+            <a:schemeClr val="tx1">
+              <a:lumMod val="95000"/>
+            </a:schemeClr>
+          </a:solidFill>
+          <a:ln>
+            <a:noFill/>
+          </a:ln>
+        </p:spPr>
+        <p:style>
+          <a:lnRef idx="2">
+            <a:schemeClr val="accent6"/>
+          </a:lnRef>
+          <a:fillRef idx="1">
+            <a:schemeClr val="lt1"/>
+          </a:fillRef>
+          <a:effectRef idx="0">
+            <a:schemeClr val="accent6"/>
+          </a:effectRef>
+          <a:fontRef idx="minor">
+            <a:schemeClr val="dk1"/>
+          </a:fontRef>
+        </p:style>
+        <p:txBody>
+          <a:bodyPr rtlCol="0" anchor="ctr"/>
+          <a:lstStyle/>
+          <a:p>
+            <a:pPr algn="ctr"/>
+            <a:endParaRPr lang="fr-FR"/>
+          </a:p>
+        </p:txBody>
+      </p:sp>
     </p:spTree>
     <p:extLst>
       <p:ext uri="{BB962C8B-B14F-4D97-AF65-F5344CB8AC3E}">
@@ -5804,6 +8342,3074 @@
   <p:clrMapOvr>
     <a:masterClrMapping/>
   </p:clrMapOvr>
+  <p:timing>
+    <p:tnLst>
+      <p:par>
+        <p:cTn id="1" dur="indefinite" restart="never" nodeType="tmRoot"/>
+      </p:par>
+    </p:tnLst>
+  </p:timing>
+</p:sld>
+</file>
+
+<file path=ppt/slides/slide6.xml><?xml version="1.0" encoding="utf-8"?>
+<p:sld xmlns:a="http://schemas.openxmlformats.org/drawingml/2006/main" xmlns:r="http://schemas.openxmlformats.org/officeDocument/2006/relationships" xmlns:p="http://schemas.openxmlformats.org/presentationml/2006/main">
+  <p:cSld>
+    <p:spTree>
+      <p:nvGrpSpPr>
+        <p:cNvPr id="1" name=""/>
+        <p:cNvGrpSpPr/>
+        <p:nvPr/>
+      </p:nvGrpSpPr>
+      <p:grpSpPr>
+        <a:xfrm>
+          <a:off x="0" y="0"/>
+          <a:ext cx="0" cy="0"/>
+          <a:chOff x="0" y="0"/>
+          <a:chExt cx="0" cy="0"/>
+        </a:xfrm>
+      </p:grpSpPr>
+      <p:sp>
+        <p:nvSpPr>
+          <p:cNvPr id="2" name="Title 1"/>
+          <p:cNvSpPr>
+            <a:spLocks noGrp="1"/>
+          </p:cNvSpPr>
+          <p:nvPr>
+            <p:ph type="title"/>
+          </p:nvPr>
+        </p:nvSpPr>
+        <p:spPr/>
+        <p:txBody>
+          <a:bodyPr/>
+          <a:lstStyle/>
+          <a:p>
+            <a:endParaRPr lang="en-US" dirty="0"/>
+          </a:p>
+        </p:txBody>
+      </p:sp>
+      <p:pic>
+        <p:nvPicPr>
+          <p:cNvPr id="11" name="Content Placeholder 10"/>
+          <p:cNvPicPr>
+            <a:picLocks noGrp="1" noChangeAspect="1"/>
+          </p:cNvPicPr>
+          <p:nvPr>
+            <p:ph idx="1"/>
+          </p:nvPr>
+        </p:nvPicPr>
+        <p:blipFill>
+          <a:blip r:embed="rId2">
+            <a:extLst>
+              <a:ext uri="{28A0092B-C50C-407E-A947-70E740481C1C}">
+                <a14:useLocalDpi xmlns:a14="http://schemas.microsoft.com/office/drawing/2010/main" val="0"/>
+              </a:ext>
+            </a:extLst>
+          </a:blip>
+          <a:stretch>
+            <a:fillRect/>
+          </a:stretch>
+        </p:blipFill>
+        <p:spPr>
+          <a:xfrm>
+            <a:off x="1806623" y="424532"/>
+            <a:ext cx="8575578" cy="5951758"/>
+          </a:xfrm>
+        </p:spPr>
+      </p:pic>
+    </p:spTree>
+    <p:extLst>
+      <p:ext uri="{BB962C8B-B14F-4D97-AF65-F5344CB8AC3E}">
+        <p14:creationId xmlns:p14="http://schemas.microsoft.com/office/powerpoint/2010/main" val="2098172186"/>
+      </p:ext>
+    </p:extLst>
+  </p:cSld>
+  <p:clrMapOvr>
+    <a:masterClrMapping/>
+  </p:clrMapOvr>
+  <p:timing>
+    <p:tnLst>
+      <p:par>
+        <p:cTn id="1" dur="indefinite" restart="never" nodeType="tmRoot"/>
+      </p:par>
+    </p:tnLst>
+  </p:timing>
+</p:sld>
+</file>
+
+<file path=ppt/slides/slide7.xml><?xml version="1.0" encoding="utf-8"?>
+<p:sld xmlns:a="http://schemas.openxmlformats.org/drawingml/2006/main" xmlns:r="http://schemas.openxmlformats.org/officeDocument/2006/relationships" xmlns:p="http://schemas.openxmlformats.org/presentationml/2006/main">
+  <p:cSld>
+    <p:spTree>
+      <p:nvGrpSpPr>
+        <p:cNvPr id="1" name=""/>
+        <p:cNvGrpSpPr/>
+        <p:nvPr/>
+      </p:nvGrpSpPr>
+      <p:grpSpPr>
+        <a:xfrm>
+          <a:off x="0" y="0"/>
+          <a:ext cx="0" cy="0"/>
+          <a:chOff x="0" y="0"/>
+          <a:chExt cx="0" cy="0"/>
+        </a:xfrm>
+      </p:grpSpPr>
+      <p:sp>
+        <p:nvSpPr>
+          <p:cNvPr id="2" name="Title 1"/>
+          <p:cNvSpPr>
+            <a:spLocks noGrp="1"/>
+          </p:cNvSpPr>
+          <p:nvPr>
+            <p:ph type="title"/>
+          </p:nvPr>
+        </p:nvSpPr>
+        <p:spPr>
+          <a:xfrm>
+            <a:off x="1141413" y="497840"/>
+            <a:ext cx="9905998" cy="1905000"/>
+          </a:xfrm>
+        </p:spPr>
+        <p:txBody>
+          <a:bodyPr/>
+          <a:lstStyle/>
+          <a:p>
+            <a:r>
+              <a:rPr lang="en-US" dirty="0" smtClean="0"/>
+              <a:t>Text vectorization and cosine dissimilarity</a:t>
+            </a:r>
+            <a:endParaRPr lang="en-US" dirty="0"/>
+          </a:p>
+        </p:txBody>
+      </p:sp>
+      <mc:AlternateContent xmlns:mc="http://schemas.openxmlformats.org/markup-compatibility/2006">
+        <mc:Choice xmlns:a14="http://schemas.microsoft.com/office/drawing/2010/main" Requires="a14">
+          <p:sp>
+            <p:nvSpPr>
+              <p:cNvPr id="3" name="Content Placeholder 2"/>
+              <p:cNvSpPr>
+                <a:spLocks noGrp="1"/>
+              </p:cNvSpPr>
+              <p:nvPr>
+                <p:ph idx="1"/>
+              </p:nvPr>
+            </p:nvSpPr>
+            <p:spPr/>
+            <p:txBody>
+              <a:bodyPr>
+                <a:normAutofit/>
+              </a:bodyPr>
+              <a:lstStyle/>
+              <a:p>
+                <a14:m>
+                  <m:oMath xmlns:m="http://schemas.openxmlformats.org/officeDocument/2006/math">
+                    <m:r>
+                      <a:rPr lang="en-US" sz="2800" b="0" i="1" smtClean="0">
+                        <a:latin typeface="Cambria Math" charset="0"/>
+                      </a:rPr>
+                      <m:t>𝑊𝑜𝑟𝑑</m:t>
+                    </m:r>
+                    <m:r>
+                      <a:rPr lang="en-US" sz="2800" b="0" i="1" smtClean="0">
+                        <a:latin typeface="Cambria Math" charset="0"/>
+                      </a:rPr>
+                      <m:t>2</m:t>
+                    </m:r>
+                    <m:r>
+                      <a:rPr lang="en-US" sz="2800" b="0" i="1" smtClean="0">
+                        <a:latin typeface="Cambria Math" charset="0"/>
+                      </a:rPr>
+                      <m:t>𝑉𝑒𝑐</m:t>
+                    </m:r>
+                    <m:r>
+                      <a:rPr lang="en-US" sz="2800" b="0" i="1" smtClean="0">
+                        <a:latin typeface="Cambria Math" charset="0"/>
+                      </a:rPr>
+                      <m:t> </m:t>
+                    </m:r>
+                    <m:r>
+                      <a:rPr lang="en-US" sz="2800" b="0" i="1" smtClean="0">
+                        <a:latin typeface="Cambria Math" charset="0"/>
+                      </a:rPr>
+                      <m:t>𝐺𝑜𝑜𝑔𝑙𝑒𝑁𝑒𝑤𝑠</m:t>
+                    </m:r>
+                    <m:r>
+                      <a:rPr lang="en-US" sz="2800" b="0" i="1" smtClean="0">
+                        <a:latin typeface="Cambria Math" charset="0"/>
+                      </a:rPr>
+                      <m:t> </m:t>
+                    </m:r>
+                    <m:r>
+                      <a:rPr lang="en-US" sz="2800" b="0" i="1" smtClean="0">
+                        <a:latin typeface="Cambria Math" charset="0"/>
+                      </a:rPr>
+                      <m:t>𝑇𝑟𝑎𝑖𝑛𝑒𝑑</m:t>
+                    </m:r>
+                    <m:r>
+                      <a:rPr lang="en-US" sz="2800" b="0" i="1" smtClean="0">
+                        <a:latin typeface="Cambria Math" charset="0"/>
+                      </a:rPr>
+                      <m:t> </m:t>
+                    </m:r>
+                    <m:r>
+                      <a:rPr lang="en-US" sz="2800" b="0" i="1" smtClean="0">
+                        <a:latin typeface="Cambria Math" charset="0"/>
+                      </a:rPr>
+                      <m:t>𝐸𝑚𝑏𝑒𝑑𝑑𝑖𝑛𝑔𝑠</m:t>
+                    </m:r>
+                  </m:oMath>
+                </a14:m>
+                <a:endParaRPr lang="en-US" sz="2800" b="0" dirty="0" smtClean="0"/>
+              </a:p>
+              <a:p>
+                <a:pPr lvl="1"/>
+                <a:endParaRPr lang="en-US" sz="2600" dirty="0"/>
+              </a:p>
+              <a:p>
+                <a14:m>
+                  <m:oMath xmlns:m="http://schemas.openxmlformats.org/officeDocument/2006/math">
+                    <m:r>
+                      <a:rPr lang="en-US" sz="2800" b="0" i="1" smtClean="0">
+                        <a:latin typeface="Cambria Math" charset="0"/>
+                      </a:rPr>
+                      <m:t>𝑑𝑖𝑠𝑠𝑖𝑚𝑖𝑙𝑎𝑟𝑖𝑡𝑦</m:t>
+                    </m:r>
+                    <m:r>
+                      <a:rPr lang="mr-IN" sz="2800" i="1">
+                        <a:latin typeface="Cambria Math" charset="0"/>
+                      </a:rPr>
+                      <m:t>=</m:t>
+                    </m:r>
+                    <m:r>
+                      <a:rPr lang="en-US" sz="2800" b="0" i="1" smtClean="0">
+                        <a:latin typeface="Cambria Math" charset="0"/>
+                      </a:rPr>
+                      <m:t>1−</m:t>
+                    </m:r>
+                    <m:r>
+                      <a:rPr lang="en-US" sz="2800" i="1">
+                        <a:latin typeface="Cambria Math" charset="0"/>
+                      </a:rPr>
+                      <m:t> </m:t>
+                    </m:r>
+                    <m:f>
+                      <m:fPr>
+                        <m:ctrlPr>
+                          <a:rPr lang="mr-IN" sz="2800" i="1">
+                            <a:latin typeface="Cambria Math" charset="0"/>
+                          </a:rPr>
+                        </m:ctrlPr>
+                      </m:fPr>
+                      <m:num>
+                        <m:r>
+                          <a:rPr lang="en-US" sz="2800" i="1">
+                            <a:latin typeface="Cambria Math" charset="0"/>
+                          </a:rPr>
+                          <m:t> </m:t>
+                        </m:r>
+                        <m:acc>
+                          <m:accPr>
+                            <m:chr m:val="⃗"/>
+                            <m:ctrlPr>
+                              <a:rPr lang="en-US" sz="2800" i="1">
+                                <a:latin typeface="Cambria Math" charset="0"/>
+                              </a:rPr>
+                            </m:ctrlPr>
+                          </m:accPr>
+                          <m:e>
+                            <m:r>
+                              <a:rPr lang="en-US" sz="2800" i="1">
+                                <a:latin typeface="Cambria Math" charset="0"/>
+                              </a:rPr>
+                              <m:t>𝑎</m:t>
+                            </m:r>
+                          </m:e>
+                        </m:acc>
+                        <m:r>
+                          <a:rPr lang="en-US" sz="2800" i="1">
+                            <a:latin typeface="Cambria Math" charset="0"/>
+                          </a:rPr>
+                          <m:t>∗</m:t>
+                        </m:r>
+                        <m:acc>
+                          <m:accPr>
+                            <m:chr m:val="⃗"/>
+                            <m:ctrlPr>
+                              <a:rPr lang="en-US" sz="2800" i="1">
+                                <a:latin typeface="Cambria Math" charset="0"/>
+                              </a:rPr>
+                            </m:ctrlPr>
+                          </m:accPr>
+                          <m:e>
+                            <m:r>
+                              <a:rPr lang="en-US" sz="2800" i="1">
+                                <a:latin typeface="Cambria Math" charset="0"/>
+                              </a:rPr>
+                              <m:t>𝑏</m:t>
+                            </m:r>
+                          </m:e>
+                        </m:acc>
+                      </m:num>
+                      <m:den>
+                        <m:d>
+                          <m:dPr>
+                            <m:begChr m:val="|"/>
+                            <m:endChr m:val="|"/>
+                            <m:ctrlPr>
+                              <a:rPr lang="en-US" sz="2800" i="1">
+                                <a:latin typeface="Cambria Math" charset="0"/>
+                              </a:rPr>
+                            </m:ctrlPr>
+                          </m:dPr>
+                          <m:e>
+                            <m:acc>
+                              <m:accPr>
+                                <m:chr m:val="⃗"/>
+                                <m:ctrlPr>
+                                  <a:rPr lang="en-US" sz="2800" i="1">
+                                    <a:latin typeface="Cambria Math" charset="0"/>
+                                  </a:rPr>
+                                </m:ctrlPr>
+                              </m:accPr>
+                              <m:e>
+                                <m:r>
+                                  <a:rPr lang="en-US" sz="2800" i="1">
+                                    <a:latin typeface="Cambria Math" charset="0"/>
+                                  </a:rPr>
+                                  <m:t>𝑎</m:t>
+                                </m:r>
+                              </m:e>
+                            </m:acc>
+                          </m:e>
+                        </m:d>
+                        <m:d>
+                          <m:dPr>
+                            <m:begChr m:val="|"/>
+                            <m:endChr m:val="|"/>
+                            <m:ctrlPr>
+                              <a:rPr lang="en-US" sz="2800" i="1">
+                                <a:latin typeface="Cambria Math" charset="0"/>
+                              </a:rPr>
+                            </m:ctrlPr>
+                          </m:dPr>
+                          <m:e>
+                            <m:acc>
+                              <m:accPr>
+                                <m:chr m:val="⃗"/>
+                                <m:ctrlPr>
+                                  <a:rPr lang="en-US" sz="2800" i="1">
+                                    <a:latin typeface="Cambria Math" charset="0"/>
+                                  </a:rPr>
+                                </m:ctrlPr>
+                              </m:accPr>
+                              <m:e>
+                                <m:r>
+                                  <a:rPr lang="en-US" sz="2800" i="1">
+                                    <a:latin typeface="Cambria Math" charset="0"/>
+                                  </a:rPr>
+                                  <m:t>𝑏</m:t>
+                                </m:r>
+                              </m:e>
+                            </m:acc>
+                          </m:e>
+                        </m:d>
+                      </m:den>
+                    </m:f>
+                  </m:oMath>
+                </a14:m>
+                <a:r>
+                  <a:rPr lang="en-US" sz="2800" dirty="0"/>
+                  <a:t> </a:t>
+                </a:r>
+                <a:r>
+                  <a:rPr lang="en-US" sz="2800" dirty="0" smtClean="0"/>
+                  <a:t>        </a:t>
+                </a:r>
+                <a14:m>
+                  <m:oMath xmlns:m="http://schemas.openxmlformats.org/officeDocument/2006/math">
+                    <m:d>
+                      <m:dPr>
+                        <m:begChr m:val="["/>
+                        <m:endChr m:val="]"/>
+                        <m:ctrlPr>
+                          <a:rPr lang="uk-UA" sz="2800" i="1" dirty="0" smtClean="0">
+                            <a:latin typeface="Cambria Math" charset="0"/>
+                          </a:rPr>
+                        </m:ctrlPr>
+                      </m:dPr>
+                      <m:e>
+                        <m:m>
+                          <m:mPr>
+                            <m:mcs>
+                              <m:mc>
+                                <m:mcPr>
+                                  <m:count m:val="3"/>
+                                  <m:mcJc m:val="center"/>
+                                </m:mcPr>
+                              </m:mc>
+                            </m:mcs>
+                            <m:ctrlPr>
+                              <a:rPr lang="uk-UA" sz="2800" i="1" dirty="0" smtClean="0">
+                                <a:latin typeface="Cambria Math" charset="0"/>
+                              </a:rPr>
+                            </m:ctrlPr>
+                          </m:mPr>
+                          <m:mr>
+                            <m:e>
+                              <m:r>
+                                <m:rPr>
+                                  <m:brk m:alnAt="7"/>
+                                </m:rPr>
+                                <a:rPr lang="en-US" sz="2800" b="0" i="1" dirty="0" smtClean="0">
+                                  <a:latin typeface="Cambria Math" charset="0"/>
+                                </a:rPr>
+                                <m:t>0</m:t>
+                              </m:r>
+                            </m:e>
+                            <m:e>
+                              <m:r>
+                                <a:rPr lang="en-US" sz="2800" b="0" i="1" dirty="0" smtClean="0">
+                                  <a:latin typeface="Cambria Math" charset="0"/>
+                                </a:rPr>
+                                <m:t>.34</m:t>
+                              </m:r>
+                              <m:r>
+                                <a:rPr lang="uk-UA" sz="2800" i="1" dirty="0" smtClean="0">
+                                  <a:latin typeface="Cambria Math" charset="0"/>
+                                </a:rPr>
+                                <m:t>⋯</m:t>
+                              </m:r>
+                              <m:r>
+                                <a:rPr lang="en-US" sz="2800" b="0" i="1" dirty="0" smtClean="0">
+                                  <a:latin typeface="Cambria Math" charset="0"/>
+                                </a:rPr>
+                                <m:t>.89</m:t>
+                              </m:r>
+                            </m:e>
+                            <m:e>
+                              <m:r>
+                                <a:rPr lang="en-US" sz="2800" b="0" i="1" dirty="0" smtClean="0">
+                                  <a:latin typeface="Cambria Math" charset="0"/>
+                                </a:rPr>
+                                <m:t>.45</m:t>
+                              </m:r>
+                            </m:e>
+                          </m:mr>
+                          <m:mr>
+                            <m:e>
+                              <m:r>
+                                <a:rPr lang="uk-UA" sz="2800" i="1" dirty="0" smtClean="0">
+                                  <a:latin typeface="Cambria Math" charset="0"/>
+                                </a:rPr>
+                                <m:t>⋮</m:t>
+                              </m:r>
+                            </m:e>
+                            <m:e>
+                              <m:r>
+                                <a:rPr lang="uk-UA" sz="2800" i="1" dirty="0" smtClean="0">
+                                  <a:latin typeface="Cambria Math" charset="0"/>
+                                </a:rPr>
+                                <m:t>⋱</m:t>
+                              </m:r>
+                            </m:e>
+                            <m:e>
+                              <m:r>
+                                <a:rPr lang="uk-UA" sz="2800" i="1" dirty="0" smtClean="0">
+                                  <a:latin typeface="Cambria Math" charset="0"/>
+                                </a:rPr>
+                                <m:t>⋮</m:t>
+                              </m:r>
+                            </m:e>
+                          </m:mr>
+                          <m:mr>
+                            <m:e>
+                              <m:r>
+                                <a:rPr lang="en-US" sz="2800" b="0" i="1" dirty="0" smtClean="0">
+                                  <a:latin typeface="Cambria Math" charset="0"/>
+                                </a:rPr>
+                                <m:t>.45</m:t>
+                              </m:r>
+                            </m:e>
+                            <m:e>
+                              <m:r>
+                                <a:rPr lang="en-US" sz="2800" b="0" i="1" dirty="0" smtClean="0">
+                                  <a:latin typeface="Cambria Math" charset="0"/>
+                                </a:rPr>
+                                <m:t>.23</m:t>
+                              </m:r>
+                              <m:r>
+                                <a:rPr lang="uk-UA" sz="2800" i="1" dirty="0" smtClean="0">
+                                  <a:latin typeface="Cambria Math" charset="0"/>
+                                </a:rPr>
+                                <m:t>⋯</m:t>
+                              </m:r>
+                              <m:r>
+                                <a:rPr lang="en-US" sz="2800" b="0" i="1" dirty="0" smtClean="0">
+                                  <a:latin typeface="Cambria Math" charset="0"/>
+                                </a:rPr>
+                                <m:t>.76</m:t>
+                              </m:r>
+                            </m:e>
+                            <m:e>
+                              <m:r>
+                                <a:rPr lang="en-US" sz="2800" b="0" i="1" dirty="0" smtClean="0">
+                                  <a:latin typeface="Cambria Math" charset="0"/>
+                                </a:rPr>
+                                <m:t>0</m:t>
+                              </m:r>
+                            </m:e>
+                          </m:mr>
+                        </m:m>
+                      </m:e>
+                    </m:d>
+                  </m:oMath>
+                </a14:m>
+                <a:endParaRPr lang="en-US" sz="2800" dirty="0"/>
+              </a:p>
+              <a:p>
+                <a:endParaRPr lang="en-US" sz="2800" dirty="0"/>
+              </a:p>
+              <a:p>
+                <a:endParaRPr lang="en-US" sz="2800" dirty="0"/>
+              </a:p>
+            </p:txBody>
+          </p:sp>
+        </mc:Choice>
+        <mc:Fallback>
+          <p:sp>
+            <p:nvSpPr>
+              <p:cNvPr id="3" name="Content Placeholder 2"/>
+              <p:cNvSpPr>
+                <a:spLocks noGrp="1" noRot="1" noChangeAspect="1" noMove="1" noResize="1" noEditPoints="1" noAdjustHandles="1" noChangeArrowheads="1" noChangeShapeType="1" noTextEdit="1"/>
+              </p:cNvSpPr>
+              <p:nvPr>
+                <p:ph idx="1"/>
+              </p:nvPr>
+            </p:nvSpPr>
+            <p:spPr>
+              <a:blipFill rotWithShape="0">
+                <a:blip r:embed="rId2"/>
+                <a:stretch>
+                  <a:fillRect t="-6043"/>
+                </a:stretch>
+              </a:blipFill>
+            </p:spPr>
+            <p:txBody>
+              <a:bodyPr/>
+              <a:lstStyle/>
+              <a:p>
+                <a:r>
+                  <a:rPr lang="en-US">
+                    <a:noFill/>
+                  </a:rPr>
+                  <a:t> </a:t>
+                </a:r>
+              </a:p>
+            </p:txBody>
+          </p:sp>
+        </mc:Fallback>
+      </mc:AlternateContent>
+      <p:sp>
+        <p:nvSpPr>
+          <p:cNvPr id="4" name="Right Arrow 3"/>
+          <p:cNvSpPr/>
+          <p:nvPr/>
+        </p:nvSpPr>
+        <p:spPr>
+          <a:xfrm>
+            <a:off x="5707551" y="3868615"/>
+            <a:ext cx="386861" cy="720968"/>
+          </a:xfrm>
+          <a:prstGeom prst="rightArrow">
+            <a:avLst/>
+          </a:prstGeom>
+          <a:solidFill>
+            <a:schemeClr val="tx1">
+              <a:lumMod val="95000"/>
+            </a:schemeClr>
+          </a:solidFill>
+          <a:ln>
+            <a:noFill/>
+          </a:ln>
+        </p:spPr>
+        <p:style>
+          <a:lnRef idx="2">
+            <a:schemeClr val="accent6"/>
+          </a:lnRef>
+          <a:fillRef idx="1">
+            <a:schemeClr val="lt1"/>
+          </a:fillRef>
+          <a:effectRef idx="0">
+            <a:schemeClr val="accent6"/>
+          </a:effectRef>
+          <a:fontRef idx="minor">
+            <a:schemeClr val="dk1"/>
+          </a:fontRef>
+        </p:style>
+        <p:txBody>
+          <a:bodyPr rtlCol="0" anchor="ctr"/>
+          <a:lstStyle/>
+          <a:p>
+            <a:pPr algn="ctr"/>
+            <a:endParaRPr lang="fr-FR"/>
+          </a:p>
+        </p:txBody>
+      </p:sp>
+    </p:spTree>
+    <p:extLst>
+      <p:ext uri="{BB962C8B-B14F-4D97-AF65-F5344CB8AC3E}">
+        <p14:creationId xmlns:p14="http://schemas.microsoft.com/office/powerpoint/2010/main" val="2125733606"/>
+      </p:ext>
+    </p:extLst>
+  </p:cSld>
+  <p:clrMapOvr>
+    <a:masterClrMapping/>
+  </p:clrMapOvr>
+  <p:timing>
+    <p:tnLst>
+      <p:par>
+        <p:cTn id="1" dur="indefinite" restart="never" nodeType="tmRoot"/>
+      </p:par>
+    </p:tnLst>
+  </p:timing>
+</p:sld>
+</file>
+
+<file path=ppt/slides/slide8.xml><?xml version="1.0" encoding="utf-8"?>
+<p:sld xmlns:a="http://schemas.openxmlformats.org/drawingml/2006/main" xmlns:r="http://schemas.openxmlformats.org/officeDocument/2006/relationships" xmlns:p="http://schemas.openxmlformats.org/presentationml/2006/main">
+  <p:cSld>
+    <p:spTree>
+      <p:nvGrpSpPr>
+        <p:cNvPr id="1" name=""/>
+        <p:cNvGrpSpPr/>
+        <p:nvPr/>
+      </p:nvGrpSpPr>
+      <p:grpSpPr>
+        <a:xfrm>
+          <a:off x="0" y="0"/>
+          <a:ext cx="0" cy="0"/>
+          <a:chOff x="0" y="0"/>
+          <a:chExt cx="0" cy="0"/>
+        </a:xfrm>
+      </p:grpSpPr>
+      <p:sp>
+        <p:nvSpPr>
+          <p:cNvPr id="2" name="Title 1"/>
+          <p:cNvSpPr>
+            <a:spLocks noGrp="1"/>
+          </p:cNvSpPr>
+          <p:nvPr>
+            <p:ph type="title"/>
+          </p:nvPr>
+        </p:nvSpPr>
+        <p:spPr>
+          <a:xfrm>
+            <a:off x="1141413" y="497840"/>
+            <a:ext cx="9905998" cy="1905000"/>
+          </a:xfrm>
+        </p:spPr>
+        <p:txBody>
+          <a:bodyPr/>
+          <a:lstStyle/>
+          <a:p>
+            <a:r>
+              <a:rPr lang="en-US" dirty="0" smtClean="0"/>
+              <a:t>Text vectorization and cosine dissimilarity</a:t>
+            </a:r>
+            <a:endParaRPr lang="en-US" dirty="0"/>
+          </a:p>
+        </p:txBody>
+      </p:sp>
+      <mc:AlternateContent xmlns:mc="http://schemas.openxmlformats.org/markup-compatibility/2006">
+        <mc:Choice xmlns:a14="http://schemas.microsoft.com/office/drawing/2010/main" Requires="a14">
+          <p:sp>
+            <p:nvSpPr>
+              <p:cNvPr id="3" name="Content Placeholder 2"/>
+              <p:cNvSpPr>
+                <a:spLocks noGrp="1"/>
+              </p:cNvSpPr>
+              <p:nvPr>
+                <p:ph idx="1"/>
+              </p:nvPr>
+            </p:nvSpPr>
+            <p:spPr/>
+            <p:txBody>
+              <a:bodyPr>
+                <a:normAutofit/>
+              </a:bodyPr>
+              <a:lstStyle/>
+              <a:p>
+                <a14:m>
+                  <m:oMath xmlns:m="http://schemas.openxmlformats.org/officeDocument/2006/math">
+                    <m:r>
+                      <a:rPr lang="en-US" sz="2800" b="0" i="1" smtClean="0">
+                        <a:latin typeface="Cambria Math" charset="0"/>
+                      </a:rPr>
+                      <m:t>𝑊𝑜𝑟𝑑</m:t>
+                    </m:r>
+                    <m:r>
+                      <a:rPr lang="en-US" sz="2800" b="0" i="1" smtClean="0">
+                        <a:latin typeface="Cambria Math" charset="0"/>
+                      </a:rPr>
+                      <m:t>2</m:t>
+                    </m:r>
+                    <m:r>
+                      <a:rPr lang="en-US" sz="2800" b="0" i="1" smtClean="0">
+                        <a:latin typeface="Cambria Math" charset="0"/>
+                      </a:rPr>
+                      <m:t>𝑉𝑒𝑐</m:t>
+                    </m:r>
+                    <m:r>
+                      <a:rPr lang="en-US" sz="2800" b="0" i="1" smtClean="0">
+                        <a:latin typeface="Cambria Math" charset="0"/>
+                      </a:rPr>
+                      <m:t> </m:t>
+                    </m:r>
+                    <m:r>
+                      <a:rPr lang="en-US" sz="2800" b="0" i="1" smtClean="0">
+                        <a:latin typeface="Cambria Math" charset="0"/>
+                      </a:rPr>
+                      <m:t>𝐺𝑜𝑜𝑔𝑙𝑒𝑁𝑒𝑤𝑠</m:t>
+                    </m:r>
+                    <m:r>
+                      <a:rPr lang="en-US" sz="2800" b="0" i="1" smtClean="0">
+                        <a:latin typeface="Cambria Math" charset="0"/>
+                      </a:rPr>
+                      <m:t> </m:t>
+                    </m:r>
+                    <m:r>
+                      <a:rPr lang="en-US" sz="2800" b="0" i="1" smtClean="0">
+                        <a:latin typeface="Cambria Math" charset="0"/>
+                      </a:rPr>
+                      <m:t>𝑇𝑟𝑎𝑖𝑛𝑒𝑑</m:t>
+                    </m:r>
+                    <m:r>
+                      <a:rPr lang="en-US" sz="2800" b="0" i="1" smtClean="0">
+                        <a:latin typeface="Cambria Math" charset="0"/>
+                      </a:rPr>
+                      <m:t> </m:t>
+                    </m:r>
+                    <m:r>
+                      <a:rPr lang="en-US" sz="2800" b="0" i="1" smtClean="0">
+                        <a:latin typeface="Cambria Math" charset="0"/>
+                      </a:rPr>
+                      <m:t>𝐸𝑚𝑏𝑒𝑑𝑑𝑖𝑛𝑔𝑠</m:t>
+                    </m:r>
+                  </m:oMath>
+                </a14:m>
+                <a:endParaRPr lang="en-US" sz="2800" b="0" dirty="0" smtClean="0"/>
+              </a:p>
+              <a:p>
+                <a:pPr lvl="1"/>
+                <a:endParaRPr lang="en-US" sz="2600" dirty="0"/>
+              </a:p>
+              <a:p>
+                <a14:m>
+                  <m:oMath xmlns:m="http://schemas.openxmlformats.org/officeDocument/2006/math">
+                    <m:r>
+                      <a:rPr lang="en-US" sz="2800" b="0" i="1" smtClean="0">
+                        <a:latin typeface="Cambria Math" charset="0"/>
+                      </a:rPr>
+                      <m:t>𝑑𝑖𝑠𝑠𝑖𝑚𝑖𝑙𝑎𝑟𝑖𝑡𝑦</m:t>
+                    </m:r>
+                    <m:r>
+                      <a:rPr lang="mr-IN" sz="2800" i="1">
+                        <a:latin typeface="Cambria Math" charset="0"/>
+                      </a:rPr>
+                      <m:t>=</m:t>
+                    </m:r>
+                    <m:r>
+                      <a:rPr lang="en-US" sz="2800" b="0" i="1" smtClean="0">
+                        <a:latin typeface="Cambria Math" charset="0"/>
+                      </a:rPr>
+                      <m:t>1−</m:t>
+                    </m:r>
+                    <m:r>
+                      <a:rPr lang="en-US" sz="2800" i="1">
+                        <a:latin typeface="Cambria Math" charset="0"/>
+                      </a:rPr>
+                      <m:t> </m:t>
+                    </m:r>
+                    <m:f>
+                      <m:fPr>
+                        <m:ctrlPr>
+                          <a:rPr lang="mr-IN" sz="2800" i="1">
+                            <a:latin typeface="Cambria Math" charset="0"/>
+                          </a:rPr>
+                        </m:ctrlPr>
+                      </m:fPr>
+                      <m:num>
+                        <m:r>
+                          <a:rPr lang="en-US" sz="2800" i="1">
+                            <a:latin typeface="Cambria Math" charset="0"/>
+                          </a:rPr>
+                          <m:t> </m:t>
+                        </m:r>
+                        <m:acc>
+                          <m:accPr>
+                            <m:chr m:val="⃗"/>
+                            <m:ctrlPr>
+                              <a:rPr lang="en-US" sz="2800" i="1">
+                                <a:latin typeface="Cambria Math" charset="0"/>
+                              </a:rPr>
+                            </m:ctrlPr>
+                          </m:accPr>
+                          <m:e>
+                            <m:r>
+                              <a:rPr lang="en-US" sz="2800" i="1">
+                                <a:latin typeface="Cambria Math" charset="0"/>
+                              </a:rPr>
+                              <m:t>𝑎</m:t>
+                            </m:r>
+                          </m:e>
+                        </m:acc>
+                        <m:r>
+                          <a:rPr lang="en-US" sz="2800" i="1">
+                            <a:latin typeface="Cambria Math" charset="0"/>
+                          </a:rPr>
+                          <m:t>∗</m:t>
+                        </m:r>
+                        <m:acc>
+                          <m:accPr>
+                            <m:chr m:val="⃗"/>
+                            <m:ctrlPr>
+                              <a:rPr lang="en-US" sz="2800" i="1">
+                                <a:latin typeface="Cambria Math" charset="0"/>
+                              </a:rPr>
+                            </m:ctrlPr>
+                          </m:accPr>
+                          <m:e>
+                            <m:r>
+                              <a:rPr lang="en-US" sz="2800" i="1">
+                                <a:latin typeface="Cambria Math" charset="0"/>
+                              </a:rPr>
+                              <m:t>𝑏</m:t>
+                            </m:r>
+                          </m:e>
+                        </m:acc>
+                      </m:num>
+                      <m:den>
+                        <m:d>
+                          <m:dPr>
+                            <m:begChr m:val="|"/>
+                            <m:endChr m:val="|"/>
+                            <m:ctrlPr>
+                              <a:rPr lang="en-US" sz="2800" i="1">
+                                <a:latin typeface="Cambria Math" charset="0"/>
+                              </a:rPr>
+                            </m:ctrlPr>
+                          </m:dPr>
+                          <m:e>
+                            <m:acc>
+                              <m:accPr>
+                                <m:chr m:val="⃗"/>
+                                <m:ctrlPr>
+                                  <a:rPr lang="en-US" sz="2800" i="1">
+                                    <a:latin typeface="Cambria Math" charset="0"/>
+                                  </a:rPr>
+                                </m:ctrlPr>
+                              </m:accPr>
+                              <m:e>
+                                <m:r>
+                                  <a:rPr lang="en-US" sz="2800" i="1">
+                                    <a:latin typeface="Cambria Math" charset="0"/>
+                                  </a:rPr>
+                                  <m:t>𝑎</m:t>
+                                </m:r>
+                              </m:e>
+                            </m:acc>
+                          </m:e>
+                        </m:d>
+                        <m:d>
+                          <m:dPr>
+                            <m:begChr m:val="|"/>
+                            <m:endChr m:val="|"/>
+                            <m:ctrlPr>
+                              <a:rPr lang="en-US" sz="2800" i="1">
+                                <a:latin typeface="Cambria Math" charset="0"/>
+                              </a:rPr>
+                            </m:ctrlPr>
+                          </m:dPr>
+                          <m:e>
+                            <m:acc>
+                              <m:accPr>
+                                <m:chr m:val="⃗"/>
+                                <m:ctrlPr>
+                                  <a:rPr lang="en-US" sz="2800" i="1">
+                                    <a:latin typeface="Cambria Math" charset="0"/>
+                                  </a:rPr>
+                                </m:ctrlPr>
+                              </m:accPr>
+                              <m:e>
+                                <m:r>
+                                  <a:rPr lang="en-US" sz="2800" i="1">
+                                    <a:latin typeface="Cambria Math" charset="0"/>
+                                  </a:rPr>
+                                  <m:t>𝑏</m:t>
+                                </m:r>
+                              </m:e>
+                            </m:acc>
+                          </m:e>
+                        </m:d>
+                      </m:den>
+                    </m:f>
+                  </m:oMath>
+                </a14:m>
+                <a:r>
+                  <a:rPr lang="en-US" sz="2800" dirty="0"/>
+                  <a:t> </a:t>
+                </a:r>
+                <a:r>
+                  <a:rPr lang="en-US" sz="2800" dirty="0" smtClean="0"/>
+                  <a:t>        </a:t>
+                </a:r>
+                <a14:m>
+                  <m:oMath xmlns:m="http://schemas.openxmlformats.org/officeDocument/2006/math">
+                    <m:d>
+                      <m:dPr>
+                        <m:begChr m:val="["/>
+                        <m:endChr m:val="]"/>
+                        <m:ctrlPr>
+                          <a:rPr lang="uk-UA" sz="2800" i="1" dirty="0" smtClean="0">
+                            <a:latin typeface="Cambria Math" charset="0"/>
+                          </a:rPr>
+                        </m:ctrlPr>
+                      </m:dPr>
+                      <m:e>
+                        <m:m>
+                          <m:mPr>
+                            <m:mcs>
+                              <m:mc>
+                                <m:mcPr>
+                                  <m:count m:val="3"/>
+                                  <m:mcJc m:val="center"/>
+                                </m:mcPr>
+                              </m:mc>
+                            </m:mcs>
+                            <m:ctrlPr>
+                              <a:rPr lang="uk-UA" sz="2800" i="1" dirty="0" smtClean="0">
+                                <a:latin typeface="Cambria Math" charset="0"/>
+                              </a:rPr>
+                            </m:ctrlPr>
+                          </m:mPr>
+                          <m:mr>
+                            <m:e>
+                              <m:r>
+                                <m:rPr>
+                                  <m:brk m:alnAt="7"/>
+                                </m:rPr>
+                                <a:rPr lang="en-US" sz="2800" b="0" i="1" dirty="0" smtClean="0">
+                                  <a:latin typeface="Cambria Math" charset="0"/>
+                                </a:rPr>
+                                <m:t>0</m:t>
+                              </m:r>
+                            </m:e>
+                            <m:e>
+                              <m:r>
+                                <a:rPr lang="en-US" sz="2800" b="0" i="1" dirty="0" smtClean="0">
+                                  <a:latin typeface="Cambria Math" charset="0"/>
+                                </a:rPr>
+                                <m:t>.34</m:t>
+                              </m:r>
+                              <m:r>
+                                <a:rPr lang="uk-UA" sz="2800" i="1" dirty="0" smtClean="0">
+                                  <a:latin typeface="Cambria Math" charset="0"/>
+                                </a:rPr>
+                                <m:t>⋯</m:t>
+                              </m:r>
+                              <m:r>
+                                <a:rPr lang="en-US" sz="2800" b="0" i="1" dirty="0" smtClean="0">
+                                  <a:latin typeface="Cambria Math" charset="0"/>
+                                </a:rPr>
+                                <m:t>.89</m:t>
+                              </m:r>
+                            </m:e>
+                            <m:e>
+                              <m:r>
+                                <a:rPr lang="en-US" sz="2800" b="0" i="1" dirty="0" smtClean="0">
+                                  <a:latin typeface="Cambria Math" charset="0"/>
+                                </a:rPr>
+                                <m:t>.45</m:t>
+                              </m:r>
+                            </m:e>
+                          </m:mr>
+                          <m:mr>
+                            <m:e>
+                              <m:r>
+                                <a:rPr lang="uk-UA" sz="2800" i="1" dirty="0" smtClean="0">
+                                  <a:latin typeface="Cambria Math" charset="0"/>
+                                </a:rPr>
+                                <m:t>⋮</m:t>
+                              </m:r>
+                            </m:e>
+                            <m:e>
+                              <m:r>
+                                <a:rPr lang="uk-UA" sz="2800" i="1" dirty="0" smtClean="0">
+                                  <a:latin typeface="Cambria Math" charset="0"/>
+                                </a:rPr>
+                                <m:t>⋱</m:t>
+                              </m:r>
+                            </m:e>
+                            <m:e>
+                              <m:r>
+                                <a:rPr lang="uk-UA" sz="2800" i="1" dirty="0" smtClean="0">
+                                  <a:latin typeface="Cambria Math" charset="0"/>
+                                </a:rPr>
+                                <m:t>⋮</m:t>
+                              </m:r>
+                            </m:e>
+                          </m:mr>
+                          <m:mr>
+                            <m:e>
+                              <m:r>
+                                <a:rPr lang="en-US" sz="2800" b="0" i="1" dirty="0" smtClean="0">
+                                  <a:latin typeface="Cambria Math" charset="0"/>
+                                </a:rPr>
+                                <m:t>.45</m:t>
+                              </m:r>
+                            </m:e>
+                            <m:e>
+                              <m:r>
+                                <a:rPr lang="en-US" sz="2800" b="0" i="1" dirty="0" smtClean="0">
+                                  <a:latin typeface="Cambria Math" charset="0"/>
+                                </a:rPr>
+                                <m:t>.23</m:t>
+                              </m:r>
+                              <m:r>
+                                <a:rPr lang="uk-UA" sz="2800" i="1" dirty="0" smtClean="0">
+                                  <a:latin typeface="Cambria Math" charset="0"/>
+                                </a:rPr>
+                                <m:t>⋯</m:t>
+                              </m:r>
+                              <m:r>
+                                <a:rPr lang="en-US" sz="2800" b="0" i="1" dirty="0" smtClean="0">
+                                  <a:latin typeface="Cambria Math" charset="0"/>
+                                </a:rPr>
+                                <m:t>.76</m:t>
+                              </m:r>
+                            </m:e>
+                            <m:e>
+                              <m:r>
+                                <a:rPr lang="en-US" sz="2800" b="0" i="1" dirty="0" smtClean="0">
+                                  <a:latin typeface="Cambria Math" charset="0"/>
+                                </a:rPr>
+                                <m:t>0</m:t>
+                              </m:r>
+                            </m:e>
+                          </m:mr>
+                        </m:m>
+                      </m:e>
+                    </m:d>
+                  </m:oMath>
+                </a14:m>
+                <a:endParaRPr lang="en-US" sz="2800" dirty="0"/>
+              </a:p>
+              <a:p>
+                <a:endParaRPr lang="en-US" sz="2800" dirty="0"/>
+              </a:p>
+              <a:p>
+                <a:endParaRPr lang="en-US" sz="2800" dirty="0"/>
+              </a:p>
+            </p:txBody>
+          </p:sp>
+        </mc:Choice>
+        <mc:Fallback>
+          <p:sp>
+            <p:nvSpPr>
+              <p:cNvPr id="3" name="Content Placeholder 2"/>
+              <p:cNvSpPr>
+                <a:spLocks noGrp="1" noRot="1" noChangeAspect="1" noMove="1" noResize="1" noEditPoints="1" noAdjustHandles="1" noChangeArrowheads="1" noChangeShapeType="1" noTextEdit="1"/>
+              </p:cNvSpPr>
+              <p:nvPr>
+                <p:ph idx="1"/>
+              </p:nvPr>
+            </p:nvSpPr>
+            <p:spPr>
+              <a:blipFill rotWithShape="0">
+                <a:blip r:embed="rId2"/>
+                <a:stretch>
+                  <a:fillRect t="-6043"/>
+                </a:stretch>
+              </a:blipFill>
+            </p:spPr>
+            <p:txBody>
+              <a:bodyPr/>
+              <a:lstStyle/>
+              <a:p>
+                <a:r>
+                  <a:rPr lang="en-US">
+                    <a:noFill/>
+                  </a:rPr>
+                  <a:t> </a:t>
+                </a:r>
+              </a:p>
+            </p:txBody>
+          </p:sp>
+        </mc:Fallback>
+      </mc:AlternateContent>
+      <p:sp>
+        <p:nvSpPr>
+          <p:cNvPr id="4" name="Right Arrow 3"/>
+          <p:cNvSpPr/>
+          <p:nvPr/>
+        </p:nvSpPr>
+        <p:spPr>
+          <a:xfrm>
+            <a:off x="5707551" y="3868615"/>
+            <a:ext cx="386861" cy="720968"/>
+          </a:xfrm>
+          <a:prstGeom prst="rightArrow">
+            <a:avLst/>
+          </a:prstGeom>
+          <a:solidFill>
+            <a:schemeClr val="tx1">
+              <a:lumMod val="95000"/>
+            </a:schemeClr>
+          </a:solidFill>
+          <a:ln>
+            <a:noFill/>
+          </a:ln>
+        </p:spPr>
+        <p:style>
+          <a:lnRef idx="2">
+            <a:schemeClr val="accent6"/>
+          </a:lnRef>
+          <a:fillRef idx="1">
+            <a:schemeClr val="lt1"/>
+          </a:fillRef>
+          <a:effectRef idx="0">
+            <a:schemeClr val="accent6"/>
+          </a:effectRef>
+          <a:fontRef idx="minor">
+            <a:schemeClr val="dk1"/>
+          </a:fontRef>
+        </p:style>
+        <p:txBody>
+          <a:bodyPr rtlCol="0" anchor="ctr"/>
+          <a:lstStyle/>
+          <a:p>
+            <a:pPr algn="ctr"/>
+            <a:endParaRPr lang="fr-FR"/>
+          </a:p>
+        </p:txBody>
+      </p:sp>
+    </p:spTree>
+    <p:extLst>
+      <p:ext uri="{BB962C8B-B14F-4D97-AF65-F5344CB8AC3E}">
+        <p14:creationId xmlns:p14="http://schemas.microsoft.com/office/powerpoint/2010/main" val="191483025"/>
+      </p:ext>
+    </p:extLst>
+  </p:cSld>
+  <p:clrMapOvr>
+    <a:masterClrMapping/>
+  </p:clrMapOvr>
+  <p:timing>
+    <p:tnLst>
+      <p:par>
+        <p:cTn id="1" dur="indefinite" restart="never" nodeType="tmRoot"/>
+      </p:par>
+    </p:tnLst>
+  </p:timing>
+</p:sld>
+</file>
+
+<file path=ppt/slides/slide9.xml><?xml version="1.0" encoding="utf-8"?>
+<p:sld xmlns:a="http://schemas.openxmlformats.org/drawingml/2006/main" xmlns:r="http://schemas.openxmlformats.org/officeDocument/2006/relationships" xmlns:p="http://schemas.openxmlformats.org/presentationml/2006/main">
+  <p:cSld>
+    <p:spTree>
+      <p:nvGrpSpPr>
+        <p:cNvPr id="1" name=""/>
+        <p:cNvGrpSpPr/>
+        <p:nvPr/>
+      </p:nvGrpSpPr>
+      <p:grpSpPr>
+        <a:xfrm>
+          <a:off x="0" y="0"/>
+          <a:ext cx="0" cy="0"/>
+          <a:chOff x="0" y="0"/>
+          <a:chExt cx="0" cy="0"/>
+        </a:xfrm>
+      </p:grpSpPr>
+      <p:sp>
+        <p:nvSpPr>
+          <p:cNvPr id="2" name="Title 1"/>
+          <p:cNvSpPr>
+            <a:spLocks noGrp="1"/>
+          </p:cNvSpPr>
+          <p:nvPr>
+            <p:ph type="title"/>
+          </p:nvPr>
+        </p:nvSpPr>
+        <p:spPr>
+          <a:xfrm>
+            <a:off x="1141413" y="497840"/>
+            <a:ext cx="9905998" cy="1905000"/>
+          </a:xfrm>
+        </p:spPr>
+        <p:txBody>
+          <a:bodyPr/>
+          <a:lstStyle/>
+          <a:p>
+            <a:r>
+              <a:rPr lang="en-US" dirty="0" smtClean="0"/>
+              <a:t>PRELIMINARY RESULTS</a:t>
+            </a:r>
+            <a:endParaRPr lang="en-US" dirty="0"/>
+          </a:p>
+        </p:txBody>
+      </p:sp>
+      <p:graphicFrame>
+        <p:nvGraphicFramePr>
+          <p:cNvPr id="6" name="Table 5"/>
+          <p:cNvGraphicFramePr>
+            <a:graphicFrameLocks noGrp="1"/>
+          </p:cNvGraphicFramePr>
+          <p:nvPr>
+            <p:extLst>
+              <p:ext uri="{D42A27DB-BD31-4B8C-83A1-F6EECF244321}">
+                <p14:modId xmlns:p14="http://schemas.microsoft.com/office/powerpoint/2010/main" val="1705310770"/>
+              </p:ext>
+            </p:extLst>
+          </p:nvPr>
+        </p:nvGraphicFramePr>
+        <p:xfrm>
+          <a:off x="1141413" y="1906858"/>
+          <a:ext cx="9905997" cy="1817647"/>
+        </p:xfrm>
+        <a:graphic>
+          <a:graphicData uri="http://schemas.openxmlformats.org/drawingml/2006/table">
+            <a:tbl>
+              <a:tblPr firstRow="1" firstCol="1" bandRow="1">
+                <a:tableStyleId>{5C22544A-7EE6-4342-B048-85BDC9FD1C3A}</a:tableStyleId>
+              </a:tblPr>
+              <a:tblGrid>
+                <a:gridCol w="682082"/>
+                <a:gridCol w="1202471"/>
+                <a:gridCol w="985954"/>
+                <a:gridCol w="1008256"/>
+                <a:gridCol w="1008256"/>
+                <a:gridCol w="1008256"/>
+                <a:gridCol w="1008256"/>
+                <a:gridCol w="1008256"/>
+                <a:gridCol w="1008256"/>
+                <a:gridCol w="985954"/>
+              </a:tblGrid>
+              <a:tr h="546511">
+                <a:tc>
+                  <a:txBody>
+                    <a:bodyPr/>
+                    <a:lstStyle/>
+                    <a:p>
+                      <a:pPr marL="0" marR="0">
+                        <a:spcBef>
+                          <a:spcPts val="0"/>
+                        </a:spcBef>
+                        <a:spcAft>
+                          <a:spcPts val="0"/>
+                        </a:spcAft>
+                      </a:pPr>
+                      <a:r>
+                        <a:rPr lang="en-US" sz="1000">
+                          <a:effectLst/>
+                        </a:rPr>
+                        <a:t>topic</a:t>
+                      </a:r>
+                      <a:endParaRPr lang="en-US" sz="1600">
+                        <a:effectLst/>
+                        <a:latin typeface="Calibri" charset="0"/>
+                        <a:ea typeface="맑은 고딕" charset="-127"/>
+                        <a:cs typeface="Times New Roman" charset="0"/>
+                      </a:endParaRPr>
+                    </a:p>
+                  </a:txBody>
+                  <a:tcPr marL="89377" marR="89377" marT="0" marB="0"/>
+                </a:tc>
+                <a:tc>
+                  <a:txBody>
+                    <a:bodyPr/>
+                    <a:lstStyle/>
+                    <a:p>
+                      <a:pPr marL="0" marR="0">
+                        <a:spcBef>
+                          <a:spcPts val="0"/>
+                        </a:spcBef>
+                        <a:spcAft>
+                          <a:spcPts val="0"/>
+                        </a:spcAft>
+                      </a:pPr>
+                      <a:r>
+                        <a:rPr lang="en-US" sz="1000">
+                          <a:effectLst/>
+                        </a:rPr>
+                        <a:t>target source</a:t>
+                      </a:r>
+                      <a:endParaRPr lang="en-US" sz="1600">
+                        <a:effectLst/>
+                        <a:latin typeface="Calibri" charset="0"/>
+                        <a:ea typeface="맑은 고딕" charset="-127"/>
+                        <a:cs typeface="Times New Roman" charset="0"/>
+                      </a:endParaRPr>
+                    </a:p>
+                  </a:txBody>
+                  <a:tcPr marL="89377" marR="89377" marT="0" marB="0"/>
+                </a:tc>
+                <a:tc>
+                  <a:txBody>
+                    <a:bodyPr/>
+                    <a:lstStyle/>
+                    <a:p>
+                      <a:pPr marL="0" marR="0">
+                        <a:spcBef>
+                          <a:spcPts val="0"/>
+                        </a:spcBef>
+                        <a:spcAft>
+                          <a:spcPts val="0"/>
+                        </a:spcAft>
+                      </a:pPr>
+                      <a:r>
+                        <a:rPr lang="en-US" sz="1000">
+                          <a:effectLst/>
+                        </a:rPr>
+                        <a:t>count</a:t>
+                      </a:r>
+                      <a:endParaRPr lang="en-US" sz="1600">
+                        <a:effectLst/>
+                        <a:latin typeface="Calibri" charset="0"/>
+                        <a:ea typeface="맑은 고딕" charset="-127"/>
+                        <a:cs typeface="Times New Roman" charset="0"/>
+                      </a:endParaRPr>
+                    </a:p>
+                  </a:txBody>
+                  <a:tcPr marL="89377" marR="89377" marT="0" marB="0"/>
+                </a:tc>
+                <a:tc>
+                  <a:txBody>
+                    <a:bodyPr/>
+                    <a:lstStyle/>
+                    <a:p>
+                      <a:pPr marL="0" marR="0">
+                        <a:spcBef>
+                          <a:spcPts val="0"/>
+                        </a:spcBef>
+                        <a:spcAft>
+                          <a:spcPts val="0"/>
+                        </a:spcAft>
+                      </a:pPr>
+                      <a:r>
+                        <a:rPr lang="en-US" sz="1000">
+                          <a:effectLst/>
+                        </a:rPr>
+                        <a:t>mean</a:t>
+                      </a:r>
+                      <a:endParaRPr lang="en-US" sz="1600">
+                        <a:effectLst/>
+                        <a:latin typeface="Calibri" charset="0"/>
+                        <a:ea typeface="맑은 고딕" charset="-127"/>
+                        <a:cs typeface="Times New Roman" charset="0"/>
+                      </a:endParaRPr>
+                    </a:p>
+                  </a:txBody>
+                  <a:tcPr marL="89377" marR="89377" marT="0" marB="0"/>
+                </a:tc>
+                <a:tc>
+                  <a:txBody>
+                    <a:bodyPr/>
+                    <a:lstStyle/>
+                    <a:p>
+                      <a:pPr marL="0" marR="0">
+                        <a:spcBef>
+                          <a:spcPts val="0"/>
+                        </a:spcBef>
+                        <a:spcAft>
+                          <a:spcPts val="0"/>
+                        </a:spcAft>
+                      </a:pPr>
+                      <a:r>
+                        <a:rPr lang="en-US" sz="1000">
+                          <a:effectLst/>
+                        </a:rPr>
+                        <a:t>std</a:t>
+                      </a:r>
+                      <a:endParaRPr lang="en-US" sz="1600">
+                        <a:effectLst/>
+                        <a:latin typeface="Calibri" charset="0"/>
+                        <a:ea typeface="맑은 고딕" charset="-127"/>
+                        <a:cs typeface="Times New Roman" charset="0"/>
+                      </a:endParaRPr>
+                    </a:p>
+                  </a:txBody>
+                  <a:tcPr marL="89377" marR="89377" marT="0" marB="0"/>
+                </a:tc>
+                <a:tc>
+                  <a:txBody>
+                    <a:bodyPr/>
+                    <a:lstStyle/>
+                    <a:p>
+                      <a:pPr marL="0" marR="0">
+                        <a:spcBef>
+                          <a:spcPts val="0"/>
+                        </a:spcBef>
+                        <a:spcAft>
+                          <a:spcPts val="0"/>
+                        </a:spcAft>
+                      </a:pPr>
+                      <a:r>
+                        <a:rPr lang="en-US" sz="1000">
+                          <a:effectLst/>
+                        </a:rPr>
+                        <a:t>min</a:t>
+                      </a:r>
+                      <a:endParaRPr lang="en-US" sz="1600">
+                        <a:effectLst/>
+                        <a:latin typeface="Calibri" charset="0"/>
+                        <a:ea typeface="맑은 고딕" charset="-127"/>
+                        <a:cs typeface="Times New Roman" charset="0"/>
+                      </a:endParaRPr>
+                    </a:p>
+                  </a:txBody>
+                  <a:tcPr marL="89377" marR="89377" marT="0" marB="0"/>
+                </a:tc>
+                <a:tc>
+                  <a:txBody>
+                    <a:bodyPr/>
+                    <a:lstStyle/>
+                    <a:p>
+                      <a:pPr marL="0" marR="0" algn="r">
+                        <a:spcBef>
+                          <a:spcPts val="0"/>
+                        </a:spcBef>
+                        <a:spcAft>
+                          <a:spcPts val="0"/>
+                        </a:spcAft>
+                      </a:pPr>
+                      <a:r>
+                        <a:rPr lang="en-US" sz="1000">
+                          <a:effectLst/>
+                        </a:rPr>
+                        <a:t>25%</a:t>
+                      </a:r>
+                      <a:endParaRPr lang="en-US" sz="1600">
+                        <a:effectLst/>
+                        <a:latin typeface="Calibri" charset="0"/>
+                        <a:ea typeface="맑은 고딕" charset="-127"/>
+                        <a:cs typeface="Times New Roman" charset="0"/>
+                      </a:endParaRPr>
+                    </a:p>
+                  </a:txBody>
+                  <a:tcPr marL="89377" marR="89377" marT="0" marB="0"/>
+                </a:tc>
+                <a:tc>
+                  <a:txBody>
+                    <a:bodyPr/>
+                    <a:lstStyle/>
+                    <a:p>
+                      <a:pPr marL="0" marR="0" algn="r">
+                        <a:spcBef>
+                          <a:spcPts val="0"/>
+                        </a:spcBef>
+                        <a:spcAft>
+                          <a:spcPts val="0"/>
+                        </a:spcAft>
+                      </a:pPr>
+                      <a:r>
+                        <a:rPr lang="en-US" sz="1000">
+                          <a:effectLst/>
+                        </a:rPr>
+                        <a:t>50%</a:t>
+                      </a:r>
+                      <a:endParaRPr lang="en-US" sz="1600">
+                        <a:effectLst/>
+                        <a:latin typeface="Calibri" charset="0"/>
+                        <a:ea typeface="맑은 고딕" charset="-127"/>
+                        <a:cs typeface="Times New Roman" charset="0"/>
+                      </a:endParaRPr>
+                    </a:p>
+                  </a:txBody>
+                  <a:tcPr marL="89377" marR="89377" marT="0" marB="0"/>
+                </a:tc>
+                <a:tc>
+                  <a:txBody>
+                    <a:bodyPr/>
+                    <a:lstStyle/>
+                    <a:p>
+                      <a:pPr marL="0" marR="0" algn="r">
+                        <a:spcBef>
+                          <a:spcPts val="0"/>
+                        </a:spcBef>
+                        <a:spcAft>
+                          <a:spcPts val="0"/>
+                        </a:spcAft>
+                      </a:pPr>
+                      <a:r>
+                        <a:rPr lang="en-US" sz="1000">
+                          <a:effectLst/>
+                        </a:rPr>
+                        <a:t>75%</a:t>
+                      </a:r>
+                      <a:endParaRPr lang="en-US" sz="1600">
+                        <a:effectLst/>
+                        <a:latin typeface="Calibri" charset="0"/>
+                        <a:ea typeface="맑은 고딕" charset="-127"/>
+                        <a:cs typeface="Times New Roman" charset="0"/>
+                      </a:endParaRPr>
+                    </a:p>
+                  </a:txBody>
+                  <a:tcPr marL="89377" marR="89377" marT="0" marB="0"/>
+                </a:tc>
+                <a:tc>
+                  <a:txBody>
+                    <a:bodyPr/>
+                    <a:lstStyle/>
+                    <a:p>
+                      <a:pPr marL="0" marR="0">
+                        <a:spcBef>
+                          <a:spcPts val="0"/>
+                        </a:spcBef>
+                        <a:spcAft>
+                          <a:spcPts val="0"/>
+                        </a:spcAft>
+                      </a:pPr>
+                      <a:r>
+                        <a:rPr lang="en-US" sz="1000">
+                          <a:effectLst/>
+                        </a:rPr>
+                        <a:t>max</a:t>
+                      </a:r>
+                      <a:endParaRPr lang="en-US" sz="1600">
+                        <a:effectLst/>
+                        <a:latin typeface="Calibri" charset="0"/>
+                        <a:ea typeface="맑은 고딕" charset="-127"/>
+                        <a:cs typeface="Times New Roman" charset="0"/>
+                      </a:endParaRPr>
+                    </a:p>
+                  </a:txBody>
+                  <a:tcPr marL="89377" marR="89377" marT="0" marB="0"/>
+                </a:tc>
+              </a:tr>
+              <a:tr h="317784">
+                <a:tc rowSpan="2">
+                  <a:txBody>
+                    <a:bodyPr/>
+                    <a:lstStyle/>
+                    <a:p>
+                      <a:pPr marL="0" marR="0" algn="r">
+                        <a:spcBef>
+                          <a:spcPts val="0"/>
+                        </a:spcBef>
+                        <a:spcAft>
+                          <a:spcPts val="0"/>
+                        </a:spcAft>
+                      </a:pPr>
+                      <a:r>
+                        <a:rPr lang="en-US" sz="1000">
+                          <a:effectLst/>
+                        </a:rPr>
+                        <a:t>Crime</a:t>
+                      </a:r>
+                      <a:endParaRPr lang="en-US" sz="1600">
+                        <a:effectLst/>
+                        <a:latin typeface="Calibri" charset="0"/>
+                        <a:ea typeface="맑은 고딕" charset="-127"/>
+                        <a:cs typeface="Times New Roman" charset="0"/>
+                      </a:endParaRPr>
+                    </a:p>
+                  </a:txBody>
+                  <a:tcPr marL="89377" marR="89377" marT="0" marB="0"/>
+                </a:tc>
+                <a:tc>
+                  <a:txBody>
+                    <a:bodyPr/>
+                    <a:lstStyle/>
+                    <a:p>
+                      <a:pPr marL="0" marR="0" algn="r">
+                        <a:spcBef>
+                          <a:spcPts val="0"/>
+                        </a:spcBef>
+                        <a:spcAft>
+                          <a:spcPts val="0"/>
+                        </a:spcAft>
+                      </a:pPr>
+                      <a:r>
+                        <a:rPr lang="en-US" sz="1000">
+                          <a:effectLst/>
+                        </a:rPr>
+                        <a:t>Fox News</a:t>
+                      </a:r>
+                      <a:endParaRPr lang="en-US" sz="1600">
+                        <a:effectLst/>
+                        <a:latin typeface="Calibri" charset="0"/>
+                        <a:ea typeface="맑은 고딕" charset="-127"/>
+                        <a:cs typeface="Times New Roman" charset="0"/>
+                      </a:endParaRPr>
+                    </a:p>
+                  </a:txBody>
+                  <a:tcPr marL="89377" marR="89377" marT="0" marB="0"/>
+                </a:tc>
+                <a:tc>
+                  <a:txBody>
+                    <a:bodyPr/>
+                    <a:lstStyle/>
+                    <a:p>
+                      <a:pPr marL="0" marR="0" algn="r">
+                        <a:spcBef>
+                          <a:spcPts val="0"/>
+                        </a:spcBef>
+                        <a:spcAft>
+                          <a:spcPts val="0"/>
+                        </a:spcAft>
+                      </a:pPr>
+                      <a:r>
+                        <a:rPr lang="en-US" sz="1000">
+                          <a:effectLst/>
+                        </a:rPr>
+                        <a:t>11160</a:t>
+                      </a:r>
+                      <a:endParaRPr lang="en-US" sz="1600">
+                        <a:effectLst/>
+                        <a:latin typeface="Calibri" charset="0"/>
+                        <a:ea typeface="맑은 고딕" charset="-127"/>
+                        <a:cs typeface="Times New Roman" charset="0"/>
+                      </a:endParaRPr>
+                    </a:p>
+                  </a:txBody>
+                  <a:tcPr marL="89377" marR="89377" marT="0" marB="0"/>
+                </a:tc>
+                <a:tc>
+                  <a:txBody>
+                    <a:bodyPr/>
+                    <a:lstStyle/>
+                    <a:p>
+                      <a:pPr marL="0" marR="0" algn="r">
+                        <a:spcBef>
+                          <a:spcPts val="0"/>
+                        </a:spcBef>
+                        <a:spcAft>
+                          <a:spcPts val="0"/>
+                        </a:spcAft>
+                      </a:pPr>
+                      <a:r>
+                        <a:rPr lang="en-US" sz="1000">
+                          <a:effectLst/>
+                        </a:rPr>
+                        <a:t>0.829556933</a:t>
+                      </a:r>
+                      <a:endParaRPr lang="en-US" sz="1600">
+                        <a:effectLst/>
+                        <a:latin typeface="Calibri" charset="0"/>
+                        <a:ea typeface="맑은 고딕" charset="-127"/>
+                        <a:cs typeface="Times New Roman" charset="0"/>
+                      </a:endParaRPr>
+                    </a:p>
+                  </a:txBody>
+                  <a:tcPr marL="89377" marR="89377" marT="0" marB="0"/>
+                </a:tc>
+                <a:tc>
+                  <a:txBody>
+                    <a:bodyPr/>
+                    <a:lstStyle/>
+                    <a:p>
+                      <a:pPr marL="0" marR="0" algn="r">
+                        <a:spcBef>
+                          <a:spcPts val="0"/>
+                        </a:spcBef>
+                        <a:spcAft>
+                          <a:spcPts val="0"/>
+                        </a:spcAft>
+                      </a:pPr>
+                      <a:r>
+                        <a:rPr lang="en-US" sz="1000">
+                          <a:effectLst/>
+                        </a:rPr>
+                        <a:t>0.05382656</a:t>
+                      </a:r>
+                      <a:endParaRPr lang="en-US" sz="1600">
+                        <a:effectLst/>
+                        <a:latin typeface="Calibri" charset="0"/>
+                        <a:ea typeface="맑은 고딕" charset="-127"/>
+                        <a:cs typeface="Times New Roman" charset="0"/>
+                      </a:endParaRPr>
+                    </a:p>
+                  </a:txBody>
+                  <a:tcPr marL="89377" marR="89377" marT="0" marB="0"/>
+                </a:tc>
+                <a:tc>
+                  <a:txBody>
+                    <a:bodyPr/>
+                    <a:lstStyle/>
+                    <a:p>
+                      <a:pPr marL="0" marR="0" algn="r">
+                        <a:spcBef>
+                          <a:spcPts val="0"/>
+                        </a:spcBef>
+                        <a:spcAft>
+                          <a:spcPts val="0"/>
+                        </a:spcAft>
+                      </a:pPr>
+                      <a:r>
+                        <a:rPr lang="en-US" sz="1000">
+                          <a:effectLst/>
+                        </a:rPr>
+                        <a:t>0.546680808</a:t>
+                      </a:r>
+                      <a:endParaRPr lang="en-US" sz="1600">
+                        <a:effectLst/>
+                        <a:latin typeface="Calibri" charset="0"/>
+                        <a:ea typeface="맑은 고딕" charset="-127"/>
+                        <a:cs typeface="Times New Roman" charset="0"/>
+                      </a:endParaRPr>
+                    </a:p>
+                  </a:txBody>
+                  <a:tcPr marL="89377" marR="89377" marT="0" marB="0"/>
+                </a:tc>
+                <a:tc>
+                  <a:txBody>
+                    <a:bodyPr/>
+                    <a:lstStyle/>
+                    <a:p>
+                      <a:pPr marL="0" marR="0" algn="r">
+                        <a:spcBef>
+                          <a:spcPts val="0"/>
+                        </a:spcBef>
+                        <a:spcAft>
+                          <a:spcPts val="0"/>
+                        </a:spcAft>
+                      </a:pPr>
+                      <a:r>
+                        <a:rPr lang="en-US" sz="1000">
+                          <a:effectLst/>
+                        </a:rPr>
+                        <a:t>0.799793571</a:t>
+                      </a:r>
+                      <a:endParaRPr lang="en-US" sz="1600">
+                        <a:effectLst/>
+                        <a:latin typeface="Calibri" charset="0"/>
+                        <a:ea typeface="맑은 고딕" charset="-127"/>
+                        <a:cs typeface="Times New Roman" charset="0"/>
+                      </a:endParaRPr>
+                    </a:p>
+                  </a:txBody>
+                  <a:tcPr marL="89377" marR="89377" marT="0" marB="0"/>
+                </a:tc>
+                <a:tc>
+                  <a:txBody>
+                    <a:bodyPr/>
+                    <a:lstStyle/>
+                    <a:p>
+                      <a:pPr marL="0" marR="0" algn="r">
+                        <a:spcBef>
+                          <a:spcPts val="0"/>
+                        </a:spcBef>
+                        <a:spcAft>
+                          <a:spcPts val="0"/>
+                        </a:spcAft>
+                      </a:pPr>
+                      <a:r>
+                        <a:rPr lang="en-US" sz="1000">
+                          <a:effectLst/>
+                        </a:rPr>
+                        <a:t>0.835678518</a:t>
+                      </a:r>
+                      <a:endParaRPr lang="en-US" sz="1600">
+                        <a:effectLst/>
+                        <a:latin typeface="Calibri" charset="0"/>
+                        <a:ea typeface="맑은 고딕" charset="-127"/>
+                        <a:cs typeface="Times New Roman" charset="0"/>
+                      </a:endParaRPr>
+                    </a:p>
+                  </a:txBody>
+                  <a:tcPr marL="89377" marR="89377" marT="0" marB="0"/>
+                </a:tc>
+                <a:tc>
+                  <a:txBody>
+                    <a:bodyPr/>
+                    <a:lstStyle/>
+                    <a:p>
+                      <a:pPr marL="0" marR="0" algn="r">
+                        <a:spcBef>
+                          <a:spcPts val="0"/>
+                        </a:spcBef>
+                        <a:spcAft>
+                          <a:spcPts val="0"/>
+                        </a:spcAft>
+                      </a:pPr>
+                      <a:r>
+                        <a:rPr lang="en-US" sz="1000">
+                          <a:effectLst/>
+                        </a:rPr>
+                        <a:t>0.86743091</a:t>
+                      </a:r>
+                      <a:endParaRPr lang="en-US" sz="1600">
+                        <a:effectLst/>
+                        <a:latin typeface="Calibri" charset="0"/>
+                        <a:ea typeface="맑은 고딕" charset="-127"/>
+                        <a:cs typeface="Times New Roman" charset="0"/>
+                      </a:endParaRPr>
+                    </a:p>
+                  </a:txBody>
+                  <a:tcPr marL="89377" marR="89377" marT="0" marB="0"/>
+                </a:tc>
+                <a:tc>
+                  <a:txBody>
+                    <a:bodyPr/>
+                    <a:lstStyle/>
+                    <a:p>
+                      <a:pPr marL="0" marR="0" algn="r">
+                        <a:spcBef>
+                          <a:spcPts val="0"/>
+                        </a:spcBef>
+                        <a:spcAft>
+                          <a:spcPts val="0"/>
+                        </a:spcAft>
+                      </a:pPr>
+                      <a:r>
+                        <a:rPr lang="en-US" sz="1000">
+                          <a:effectLst/>
+                        </a:rPr>
+                        <a:t>0.983913898</a:t>
+                      </a:r>
+                      <a:endParaRPr lang="en-US" sz="1600">
+                        <a:effectLst/>
+                        <a:latin typeface="Calibri" charset="0"/>
+                        <a:ea typeface="맑은 고딕" charset="-127"/>
+                        <a:cs typeface="Times New Roman" charset="0"/>
+                      </a:endParaRPr>
+                    </a:p>
+                  </a:txBody>
+                  <a:tcPr marL="89377" marR="89377" marT="0" marB="0"/>
+                </a:tc>
+              </a:tr>
+              <a:tr h="317784">
+                <a:tc vMerge="1">
+                  <a:txBody>
+                    <a:bodyPr/>
+                    <a:lstStyle/>
+                    <a:p>
+                      <a:endParaRPr lang="en-US"/>
+                    </a:p>
+                  </a:txBody>
+                  <a:tcPr/>
+                </a:tc>
+                <a:tc>
+                  <a:txBody>
+                    <a:bodyPr/>
+                    <a:lstStyle/>
+                    <a:p>
+                      <a:pPr marL="0" marR="0" algn="r">
+                        <a:spcBef>
+                          <a:spcPts val="0"/>
+                        </a:spcBef>
+                        <a:spcAft>
+                          <a:spcPts val="0"/>
+                        </a:spcAft>
+                      </a:pPr>
+                      <a:r>
+                        <a:rPr lang="en-US" sz="1000">
+                          <a:effectLst/>
+                        </a:rPr>
+                        <a:t>RT</a:t>
+                      </a:r>
+                      <a:endParaRPr lang="en-US" sz="1600">
+                        <a:effectLst/>
+                        <a:latin typeface="Calibri" charset="0"/>
+                        <a:ea typeface="맑은 고딕" charset="-127"/>
+                        <a:cs typeface="Times New Roman" charset="0"/>
+                      </a:endParaRPr>
+                    </a:p>
+                  </a:txBody>
+                  <a:tcPr marL="89377" marR="89377" marT="0" marB="0"/>
+                </a:tc>
+                <a:tc>
+                  <a:txBody>
+                    <a:bodyPr/>
+                    <a:lstStyle/>
+                    <a:p>
+                      <a:pPr marL="0" marR="0" algn="r">
+                        <a:spcBef>
+                          <a:spcPts val="0"/>
+                        </a:spcBef>
+                        <a:spcAft>
+                          <a:spcPts val="0"/>
+                        </a:spcAft>
+                      </a:pPr>
+                      <a:r>
+                        <a:rPr lang="en-US" sz="1000">
+                          <a:effectLst/>
+                        </a:rPr>
+                        <a:t>6789</a:t>
+                      </a:r>
+                      <a:endParaRPr lang="en-US" sz="1600">
+                        <a:effectLst/>
+                        <a:latin typeface="Calibri" charset="0"/>
+                        <a:ea typeface="맑은 고딕" charset="-127"/>
+                        <a:cs typeface="Times New Roman" charset="0"/>
+                      </a:endParaRPr>
+                    </a:p>
+                  </a:txBody>
+                  <a:tcPr marL="89377" marR="89377" marT="0" marB="0"/>
+                </a:tc>
+                <a:tc>
+                  <a:txBody>
+                    <a:bodyPr/>
+                    <a:lstStyle/>
+                    <a:p>
+                      <a:pPr marL="0" marR="0" algn="r">
+                        <a:spcBef>
+                          <a:spcPts val="0"/>
+                        </a:spcBef>
+                        <a:spcAft>
+                          <a:spcPts val="0"/>
+                        </a:spcAft>
+                      </a:pPr>
+                      <a:r>
+                        <a:rPr lang="en-US" sz="1000">
+                          <a:effectLst/>
+                        </a:rPr>
+                        <a:t>0.839204574</a:t>
+                      </a:r>
+                      <a:endParaRPr lang="en-US" sz="1600">
+                        <a:effectLst/>
+                        <a:latin typeface="Calibri" charset="0"/>
+                        <a:ea typeface="맑은 고딕" charset="-127"/>
+                        <a:cs typeface="Times New Roman" charset="0"/>
+                      </a:endParaRPr>
+                    </a:p>
+                  </a:txBody>
+                  <a:tcPr marL="89377" marR="89377" marT="0" marB="0"/>
+                </a:tc>
+                <a:tc>
+                  <a:txBody>
+                    <a:bodyPr/>
+                    <a:lstStyle/>
+                    <a:p>
+                      <a:pPr marL="0" marR="0" algn="r">
+                        <a:spcBef>
+                          <a:spcPts val="0"/>
+                        </a:spcBef>
+                        <a:spcAft>
+                          <a:spcPts val="0"/>
+                        </a:spcAft>
+                      </a:pPr>
+                      <a:r>
+                        <a:rPr lang="en-US" sz="1000">
+                          <a:effectLst/>
+                        </a:rPr>
+                        <a:t>0.048338039</a:t>
+                      </a:r>
+                      <a:endParaRPr lang="en-US" sz="1600">
+                        <a:effectLst/>
+                        <a:latin typeface="Calibri" charset="0"/>
+                        <a:ea typeface="맑은 고딕" charset="-127"/>
+                        <a:cs typeface="Times New Roman" charset="0"/>
+                      </a:endParaRPr>
+                    </a:p>
+                  </a:txBody>
+                  <a:tcPr marL="89377" marR="89377" marT="0" marB="0"/>
+                </a:tc>
+                <a:tc>
+                  <a:txBody>
+                    <a:bodyPr/>
+                    <a:lstStyle/>
+                    <a:p>
+                      <a:pPr marL="0" marR="0" algn="r">
+                        <a:spcBef>
+                          <a:spcPts val="0"/>
+                        </a:spcBef>
+                        <a:spcAft>
+                          <a:spcPts val="0"/>
+                        </a:spcAft>
+                      </a:pPr>
+                      <a:r>
+                        <a:rPr lang="en-US" sz="1000">
+                          <a:effectLst/>
+                        </a:rPr>
+                        <a:t>0.622709155</a:t>
+                      </a:r>
+                      <a:endParaRPr lang="en-US" sz="1600">
+                        <a:effectLst/>
+                        <a:latin typeface="Calibri" charset="0"/>
+                        <a:ea typeface="맑은 고딕" charset="-127"/>
+                        <a:cs typeface="Times New Roman" charset="0"/>
+                      </a:endParaRPr>
+                    </a:p>
+                  </a:txBody>
+                  <a:tcPr marL="89377" marR="89377" marT="0" marB="0"/>
+                </a:tc>
+                <a:tc>
+                  <a:txBody>
+                    <a:bodyPr/>
+                    <a:lstStyle/>
+                    <a:p>
+                      <a:pPr marL="0" marR="0" algn="r">
+                        <a:spcBef>
+                          <a:spcPts val="0"/>
+                        </a:spcBef>
+                        <a:spcAft>
+                          <a:spcPts val="0"/>
+                        </a:spcAft>
+                      </a:pPr>
+                      <a:r>
+                        <a:rPr lang="en-US" sz="1000">
+                          <a:effectLst/>
+                        </a:rPr>
+                        <a:t>0.811861634</a:t>
+                      </a:r>
+                      <a:endParaRPr lang="en-US" sz="1600">
+                        <a:effectLst/>
+                        <a:latin typeface="Calibri" charset="0"/>
+                        <a:ea typeface="맑은 고딕" charset="-127"/>
+                        <a:cs typeface="Times New Roman" charset="0"/>
+                      </a:endParaRPr>
+                    </a:p>
+                  </a:txBody>
+                  <a:tcPr marL="89377" marR="89377" marT="0" marB="0"/>
+                </a:tc>
+                <a:tc>
+                  <a:txBody>
+                    <a:bodyPr/>
+                    <a:lstStyle/>
+                    <a:p>
+                      <a:pPr marL="0" marR="0" algn="r">
+                        <a:spcBef>
+                          <a:spcPts val="0"/>
+                        </a:spcBef>
+                        <a:spcAft>
+                          <a:spcPts val="0"/>
+                        </a:spcAft>
+                      </a:pPr>
+                      <a:r>
+                        <a:rPr lang="en-US" sz="1000">
+                          <a:effectLst/>
+                        </a:rPr>
+                        <a:t>0.844044447</a:t>
+                      </a:r>
+                      <a:endParaRPr lang="en-US" sz="1600">
+                        <a:effectLst/>
+                        <a:latin typeface="Calibri" charset="0"/>
+                        <a:ea typeface="맑은 고딕" charset="-127"/>
+                        <a:cs typeface="Times New Roman" charset="0"/>
+                      </a:endParaRPr>
+                    </a:p>
+                  </a:txBody>
+                  <a:tcPr marL="89377" marR="89377" marT="0" marB="0"/>
+                </a:tc>
+                <a:tc>
+                  <a:txBody>
+                    <a:bodyPr/>
+                    <a:lstStyle/>
+                    <a:p>
+                      <a:pPr marL="0" marR="0" algn="r">
+                        <a:spcBef>
+                          <a:spcPts val="0"/>
+                        </a:spcBef>
+                        <a:spcAft>
+                          <a:spcPts val="0"/>
+                        </a:spcAft>
+                      </a:pPr>
+                      <a:r>
+                        <a:rPr lang="en-US" sz="1000">
+                          <a:effectLst/>
+                        </a:rPr>
+                        <a:t>0.872817934</a:t>
+                      </a:r>
+                      <a:endParaRPr lang="en-US" sz="1600">
+                        <a:effectLst/>
+                        <a:latin typeface="Calibri" charset="0"/>
+                        <a:ea typeface="맑은 고딕" charset="-127"/>
+                        <a:cs typeface="Times New Roman" charset="0"/>
+                      </a:endParaRPr>
+                    </a:p>
+                  </a:txBody>
+                  <a:tcPr marL="89377" marR="89377" marT="0" marB="0"/>
+                </a:tc>
+                <a:tc>
+                  <a:txBody>
+                    <a:bodyPr/>
+                    <a:lstStyle/>
+                    <a:p>
+                      <a:pPr marL="0" marR="0" algn="r">
+                        <a:spcBef>
+                          <a:spcPts val="0"/>
+                        </a:spcBef>
+                        <a:spcAft>
+                          <a:spcPts val="0"/>
+                        </a:spcAft>
+                      </a:pPr>
+                      <a:r>
+                        <a:rPr lang="en-US" sz="1000">
+                          <a:effectLst/>
+                        </a:rPr>
+                        <a:t>0.970934093</a:t>
+                      </a:r>
+                      <a:endParaRPr lang="en-US" sz="1600">
+                        <a:effectLst/>
+                        <a:latin typeface="Calibri" charset="0"/>
+                        <a:ea typeface="맑은 고딕" charset="-127"/>
+                        <a:cs typeface="Times New Roman" charset="0"/>
+                      </a:endParaRPr>
+                    </a:p>
+                  </a:txBody>
+                  <a:tcPr marL="89377" marR="89377" marT="0" marB="0"/>
+                </a:tc>
+              </a:tr>
+              <a:tr h="317784">
+                <a:tc rowSpan="2">
+                  <a:txBody>
+                    <a:bodyPr/>
+                    <a:lstStyle/>
+                    <a:p>
+                      <a:pPr marL="0" marR="0" algn="r">
+                        <a:spcBef>
+                          <a:spcPts val="0"/>
+                        </a:spcBef>
+                        <a:spcAft>
+                          <a:spcPts val="0"/>
+                        </a:spcAft>
+                      </a:pPr>
+                      <a:r>
+                        <a:rPr lang="en-US" sz="1000">
+                          <a:effectLst/>
+                        </a:rPr>
+                        <a:t>US Politics</a:t>
+                      </a:r>
+                      <a:endParaRPr lang="en-US" sz="1600">
+                        <a:effectLst/>
+                        <a:latin typeface="Calibri" charset="0"/>
+                        <a:ea typeface="맑은 고딕" charset="-127"/>
+                        <a:cs typeface="Times New Roman" charset="0"/>
+                      </a:endParaRPr>
+                    </a:p>
+                  </a:txBody>
+                  <a:tcPr marL="89377" marR="89377" marT="0" marB="0"/>
+                </a:tc>
+                <a:tc>
+                  <a:txBody>
+                    <a:bodyPr/>
+                    <a:lstStyle/>
+                    <a:p>
+                      <a:pPr marL="0" marR="0" algn="r">
+                        <a:spcBef>
+                          <a:spcPts val="0"/>
+                        </a:spcBef>
+                        <a:spcAft>
+                          <a:spcPts val="0"/>
+                        </a:spcAft>
+                      </a:pPr>
+                      <a:r>
+                        <a:rPr lang="en-US" sz="1000">
+                          <a:effectLst/>
+                        </a:rPr>
+                        <a:t>Fox News</a:t>
+                      </a:r>
+                      <a:endParaRPr lang="en-US" sz="1600">
+                        <a:effectLst/>
+                        <a:latin typeface="Calibri" charset="0"/>
+                        <a:ea typeface="맑은 고딕" charset="-127"/>
+                        <a:cs typeface="Times New Roman" charset="0"/>
+                      </a:endParaRPr>
+                    </a:p>
+                  </a:txBody>
+                  <a:tcPr marL="89377" marR="89377" marT="0" marB="0"/>
+                </a:tc>
+                <a:tc>
+                  <a:txBody>
+                    <a:bodyPr/>
+                    <a:lstStyle/>
+                    <a:p>
+                      <a:pPr marL="0" marR="0" algn="r">
+                        <a:spcBef>
+                          <a:spcPts val="0"/>
+                        </a:spcBef>
+                        <a:spcAft>
+                          <a:spcPts val="0"/>
+                        </a:spcAft>
+                      </a:pPr>
+                      <a:r>
+                        <a:rPr lang="en-US" sz="1000">
+                          <a:effectLst/>
+                        </a:rPr>
+                        <a:t>3848</a:t>
+                      </a:r>
+                      <a:endParaRPr lang="en-US" sz="1600">
+                        <a:effectLst/>
+                        <a:latin typeface="Calibri" charset="0"/>
+                        <a:ea typeface="맑은 고딕" charset="-127"/>
+                        <a:cs typeface="Times New Roman" charset="0"/>
+                      </a:endParaRPr>
+                    </a:p>
+                  </a:txBody>
+                  <a:tcPr marL="89377" marR="89377" marT="0" marB="0"/>
+                </a:tc>
+                <a:tc>
+                  <a:txBody>
+                    <a:bodyPr/>
+                    <a:lstStyle/>
+                    <a:p>
+                      <a:pPr marL="0" marR="0" algn="r">
+                        <a:spcBef>
+                          <a:spcPts val="0"/>
+                        </a:spcBef>
+                        <a:spcAft>
+                          <a:spcPts val="0"/>
+                        </a:spcAft>
+                      </a:pPr>
+                      <a:r>
+                        <a:rPr lang="en-US" sz="1000">
+                          <a:effectLst/>
+                        </a:rPr>
+                        <a:t>0.883838486</a:t>
+                      </a:r>
+                      <a:endParaRPr lang="en-US" sz="1600">
+                        <a:effectLst/>
+                        <a:latin typeface="Calibri" charset="0"/>
+                        <a:ea typeface="맑은 고딕" charset="-127"/>
+                        <a:cs typeface="Times New Roman" charset="0"/>
+                      </a:endParaRPr>
+                    </a:p>
+                  </a:txBody>
+                  <a:tcPr marL="89377" marR="89377" marT="0" marB="0"/>
+                </a:tc>
+                <a:tc>
+                  <a:txBody>
+                    <a:bodyPr/>
+                    <a:lstStyle/>
+                    <a:p>
+                      <a:pPr marL="0" marR="0" algn="r">
+                        <a:spcBef>
+                          <a:spcPts val="0"/>
+                        </a:spcBef>
+                        <a:spcAft>
+                          <a:spcPts val="0"/>
+                        </a:spcAft>
+                      </a:pPr>
+                      <a:r>
+                        <a:rPr lang="en-US" sz="1000">
+                          <a:effectLst/>
+                        </a:rPr>
+                        <a:t>0.053207771</a:t>
+                      </a:r>
+                      <a:endParaRPr lang="en-US" sz="1600">
+                        <a:effectLst/>
+                        <a:latin typeface="Calibri" charset="0"/>
+                        <a:ea typeface="맑은 고딕" charset="-127"/>
+                        <a:cs typeface="Times New Roman" charset="0"/>
+                      </a:endParaRPr>
+                    </a:p>
+                  </a:txBody>
+                  <a:tcPr marL="89377" marR="89377" marT="0" marB="0"/>
+                </a:tc>
+                <a:tc>
+                  <a:txBody>
+                    <a:bodyPr/>
+                    <a:lstStyle/>
+                    <a:p>
+                      <a:pPr marL="0" marR="0" algn="r">
+                        <a:spcBef>
+                          <a:spcPts val="0"/>
+                        </a:spcBef>
+                        <a:spcAft>
+                          <a:spcPts val="0"/>
+                        </a:spcAft>
+                      </a:pPr>
+                      <a:r>
+                        <a:rPr lang="en-US" sz="1000">
+                          <a:effectLst/>
+                        </a:rPr>
+                        <a:t>0.616143465</a:t>
+                      </a:r>
+                      <a:endParaRPr lang="en-US" sz="1600">
+                        <a:effectLst/>
+                        <a:latin typeface="Calibri" charset="0"/>
+                        <a:ea typeface="맑은 고딕" charset="-127"/>
+                        <a:cs typeface="Times New Roman" charset="0"/>
+                      </a:endParaRPr>
+                    </a:p>
+                  </a:txBody>
+                  <a:tcPr marL="89377" marR="89377" marT="0" marB="0"/>
+                </a:tc>
+                <a:tc>
+                  <a:txBody>
+                    <a:bodyPr/>
+                    <a:lstStyle/>
+                    <a:p>
+                      <a:pPr marL="0" marR="0" algn="r">
+                        <a:spcBef>
+                          <a:spcPts val="0"/>
+                        </a:spcBef>
+                        <a:spcAft>
+                          <a:spcPts val="0"/>
+                        </a:spcAft>
+                      </a:pPr>
+                      <a:r>
+                        <a:rPr lang="en-US" sz="1000">
+                          <a:effectLst/>
+                        </a:rPr>
+                        <a:t>0.859033167</a:t>
+                      </a:r>
+                      <a:endParaRPr lang="en-US" sz="1600">
+                        <a:effectLst/>
+                        <a:latin typeface="Calibri" charset="0"/>
+                        <a:ea typeface="맑은 고딕" charset="-127"/>
+                        <a:cs typeface="Times New Roman" charset="0"/>
+                      </a:endParaRPr>
+                    </a:p>
+                  </a:txBody>
+                  <a:tcPr marL="89377" marR="89377" marT="0" marB="0"/>
+                </a:tc>
+                <a:tc>
+                  <a:txBody>
+                    <a:bodyPr/>
+                    <a:lstStyle/>
+                    <a:p>
+                      <a:pPr marL="0" marR="0" algn="r">
+                        <a:spcBef>
+                          <a:spcPts val="0"/>
+                        </a:spcBef>
+                        <a:spcAft>
+                          <a:spcPts val="0"/>
+                        </a:spcAft>
+                      </a:pPr>
+                      <a:r>
+                        <a:rPr lang="en-US" sz="1000">
+                          <a:effectLst/>
+                        </a:rPr>
+                        <a:t>0.89343968</a:t>
+                      </a:r>
+                      <a:endParaRPr lang="en-US" sz="1600">
+                        <a:effectLst/>
+                        <a:latin typeface="Calibri" charset="0"/>
+                        <a:ea typeface="맑은 고딕" charset="-127"/>
+                        <a:cs typeface="Times New Roman" charset="0"/>
+                      </a:endParaRPr>
+                    </a:p>
+                  </a:txBody>
+                  <a:tcPr marL="89377" marR="89377" marT="0" marB="0"/>
+                </a:tc>
+                <a:tc>
+                  <a:txBody>
+                    <a:bodyPr/>
+                    <a:lstStyle/>
+                    <a:p>
+                      <a:pPr marL="0" marR="0" algn="r">
+                        <a:spcBef>
+                          <a:spcPts val="0"/>
+                        </a:spcBef>
+                        <a:spcAft>
+                          <a:spcPts val="0"/>
+                        </a:spcAft>
+                      </a:pPr>
+                      <a:r>
+                        <a:rPr lang="en-US" sz="1000">
+                          <a:effectLst/>
+                        </a:rPr>
+                        <a:t>0.919283092</a:t>
+                      </a:r>
+                      <a:endParaRPr lang="en-US" sz="1600">
+                        <a:effectLst/>
+                        <a:latin typeface="Calibri" charset="0"/>
+                        <a:ea typeface="맑은 고딕" charset="-127"/>
+                        <a:cs typeface="Times New Roman" charset="0"/>
+                      </a:endParaRPr>
+                    </a:p>
+                  </a:txBody>
+                  <a:tcPr marL="89377" marR="89377" marT="0" marB="0"/>
+                </a:tc>
+                <a:tc>
+                  <a:txBody>
+                    <a:bodyPr/>
+                    <a:lstStyle/>
+                    <a:p>
+                      <a:pPr marL="0" marR="0" algn="r">
+                        <a:spcBef>
+                          <a:spcPts val="0"/>
+                        </a:spcBef>
+                        <a:spcAft>
+                          <a:spcPts val="0"/>
+                        </a:spcAft>
+                      </a:pPr>
+                      <a:r>
+                        <a:rPr lang="en-US" sz="1000">
+                          <a:effectLst/>
+                        </a:rPr>
+                        <a:t>0.986397505</a:t>
+                      </a:r>
+                      <a:endParaRPr lang="en-US" sz="1600">
+                        <a:effectLst/>
+                        <a:latin typeface="Calibri" charset="0"/>
+                        <a:ea typeface="맑은 고딕" charset="-127"/>
+                        <a:cs typeface="Times New Roman" charset="0"/>
+                      </a:endParaRPr>
+                    </a:p>
+                  </a:txBody>
+                  <a:tcPr marL="89377" marR="89377" marT="0" marB="0"/>
+                </a:tc>
+              </a:tr>
+              <a:tr h="317784">
+                <a:tc vMerge="1">
+                  <a:txBody>
+                    <a:bodyPr/>
+                    <a:lstStyle/>
+                    <a:p>
+                      <a:endParaRPr lang="en-US"/>
+                    </a:p>
+                  </a:txBody>
+                  <a:tcPr/>
+                </a:tc>
+                <a:tc>
+                  <a:txBody>
+                    <a:bodyPr/>
+                    <a:lstStyle/>
+                    <a:p>
+                      <a:pPr marL="0" marR="0" algn="r">
+                        <a:spcBef>
+                          <a:spcPts val="0"/>
+                        </a:spcBef>
+                        <a:spcAft>
+                          <a:spcPts val="0"/>
+                        </a:spcAft>
+                      </a:pPr>
+                      <a:r>
+                        <a:rPr lang="en-US" sz="1000">
+                          <a:effectLst/>
+                        </a:rPr>
+                        <a:t>RT</a:t>
+                      </a:r>
+                      <a:endParaRPr lang="en-US" sz="1600">
+                        <a:effectLst/>
+                        <a:latin typeface="Calibri" charset="0"/>
+                        <a:ea typeface="맑은 고딕" charset="-127"/>
+                        <a:cs typeface="Times New Roman" charset="0"/>
+                      </a:endParaRPr>
+                    </a:p>
+                  </a:txBody>
+                  <a:tcPr marL="89377" marR="89377" marT="0" marB="0"/>
+                </a:tc>
+                <a:tc>
+                  <a:txBody>
+                    <a:bodyPr/>
+                    <a:lstStyle/>
+                    <a:p>
+                      <a:pPr marL="0" marR="0" algn="r">
+                        <a:spcBef>
+                          <a:spcPts val="0"/>
+                        </a:spcBef>
+                        <a:spcAft>
+                          <a:spcPts val="0"/>
+                        </a:spcAft>
+                      </a:pPr>
+                      <a:r>
+                        <a:rPr lang="en-US" sz="1000">
+                          <a:effectLst/>
+                        </a:rPr>
+                        <a:t>11856</a:t>
+                      </a:r>
+                      <a:endParaRPr lang="en-US" sz="1600">
+                        <a:effectLst/>
+                        <a:latin typeface="Calibri" charset="0"/>
+                        <a:ea typeface="맑은 고딕" charset="-127"/>
+                        <a:cs typeface="Times New Roman" charset="0"/>
+                      </a:endParaRPr>
+                    </a:p>
+                  </a:txBody>
+                  <a:tcPr marL="89377" marR="89377" marT="0" marB="0"/>
+                </a:tc>
+                <a:tc>
+                  <a:txBody>
+                    <a:bodyPr/>
+                    <a:lstStyle/>
+                    <a:p>
+                      <a:pPr marL="0" marR="0" algn="r">
+                        <a:spcBef>
+                          <a:spcPts val="0"/>
+                        </a:spcBef>
+                        <a:spcAft>
+                          <a:spcPts val="0"/>
+                        </a:spcAft>
+                      </a:pPr>
+                      <a:r>
+                        <a:rPr lang="en-US" sz="1000">
+                          <a:effectLst/>
+                        </a:rPr>
+                        <a:t>0.880364607</a:t>
+                      </a:r>
+                      <a:endParaRPr lang="en-US" sz="1600">
+                        <a:effectLst/>
+                        <a:latin typeface="Calibri" charset="0"/>
+                        <a:ea typeface="맑은 고딕" charset="-127"/>
+                        <a:cs typeface="Times New Roman" charset="0"/>
+                      </a:endParaRPr>
+                    </a:p>
+                  </a:txBody>
+                  <a:tcPr marL="89377" marR="89377" marT="0" marB="0"/>
+                </a:tc>
+                <a:tc>
+                  <a:txBody>
+                    <a:bodyPr/>
+                    <a:lstStyle/>
+                    <a:p>
+                      <a:pPr marL="0" marR="0" algn="r">
+                        <a:spcBef>
+                          <a:spcPts val="0"/>
+                        </a:spcBef>
+                        <a:spcAft>
+                          <a:spcPts val="0"/>
+                        </a:spcAft>
+                      </a:pPr>
+                      <a:r>
+                        <a:rPr lang="en-US" sz="1000">
+                          <a:effectLst/>
+                        </a:rPr>
+                        <a:t>0.048124528</a:t>
+                      </a:r>
+                      <a:endParaRPr lang="en-US" sz="1600">
+                        <a:effectLst/>
+                        <a:latin typeface="Calibri" charset="0"/>
+                        <a:ea typeface="맑은 고딕" charset="-127"/>
+                        <a:cs typeface="Times New Roman" charset="0"/>
+                      </a:endParaRPr>
+                    </a:p>
+                  </a:txBody>
+                  <a:tcPr marL="89377" marR="89377" marT="0" marB="0"/>
+                </a:tc>
+                <a:tc>
+                  <a:txBody>
+                    <a:bodyPr/>
+                    <a:lstStyle/>
+                    <a:p>
+                      <a:pPr marL="0" marR="0" algn="r">
+                        <a:spcBef>
+                          <a:spcPts val="0"/>
+                        </a:spcBef>
+                        <a:spcAft>
+                          <a:spcPts val="0"/>
+                        </a:spcAft>
+                      </a:pPr>
+                      <a:r>
+                        <a:rPr lang="en-US" sz="1000">
+                          <a:effectLst/>
+                        </a:rPr>
+                        <a:t>0.603044808</a:t>
+                      </a:r>
+                      <a:endParaRPr lang="en-US" sz="1600">
+                        <a:effectLst/>
+                        <a:latin typeface="Calibri" charset="0"/>
+                        <a:ea typeface="맑은 고딕" charset="-127"/>
+                        <a:cs typeface="Times New Roman" charset="0"/>
+                      </a:endParaRPr>
+                    </a:p>
+                  </a:txBody>
+                  <a:tcPr marL="89377" marR="89377" marT="0" marB="0"/>
+                </a:tc>
+                <a:tc>
+                  <a:txBody>
+                    <a:bodyPr/>
+                    <a:lstStyle/>
+                    <a:p>
+                      <a:pPr marL="0" marR="0" algn="r">
+                        <a:spcBef>
+                          <a:spcPts val="0"/>
+                        </a:spcBef>
+                        <a:spcAft>
+                          <a:spcPts val="0"/>
+                        </a:spcAft>
+                      </a:pPr>
+                      <a:r>
+                        <a:rPr lang="en-US" sz="1000">
+                          <a:effectLst/>
+                        </a:rPr>
+                        <a:t>0.857095465</a:t>
+                      </a:r>
+                      <a:endParaRPr lang="en-US" sz="1600">
+                        <a:effectLst/>
+                        <a:latin typeface="Calibri" charset="0"/>
+                        <a:ea typeface="맑은 고딕" charset="-127"/>
+                        <a:cs typeface="Times New Roman" charset="0"/>
+                      </a:endParaRPr>
+                    </a:p>
+                  </a:txBody>
+                  <a:tcPr marL="89377" marR="89377" marT="0" marB="0"/>
+                </a:tc>
+                <a:tc>
+                  <a:txBody>
+                    <a:bodyPr/>
+                    <a:lstStyle/>
+                    <a:p>
+                      <a:pPr marL="0" marR="0" algn="r">
+                        <a:spcBef>
+                          <a:spcPts val="0"/>
+                        </a:spcBef>
+                        <a:spcAft>
+                          <a:spcPts val="0"/>
+                        </a:spcAft>
+                      </a:pPr>
+                      <a:r>
+                        <a:rPr lang="en-US" sz="1000">
+                          <a:effectLst/>
+                        </a:rPr>
+                        <a:t>0.889096975</a:t>
+                      </a:r>
+                      <a:endParaRPr lang="en-US" sz="1600">
+                        <a:effectLst/>
+                        <a:latin typeface="Calibri" charset="0"/>
+                        <a:ea typeface="맑은 고딕" charset="-127"/>
+                        <a:cs typeface="Times New Roman" charset="0"/>
+                      </a:endParaRPr>
+                    </a:p>
+                  </a:txBody>
+                  <a:tcPr marL="89377" marR="89377" marT="0" marB="0"/>
+                </a:tc>
+                <a:tc>
+                  <a:txBody>
+                    <a:bodyPr/>
+                    <a:lstStyle/>
+                    <a:p>
+                      <a:pPr marL="0" marR="0" algn="r">
+                        <a:spcBef>
+                          <a:spcPts val="0"/>
+                        </a:spcBef>
+                        <a:spcAft>
+                          <a:spcPts val="0"/>
+                        </a:spcAft>
+                      </a:pPr>
+                      <a:r>
+                        <a:rPr lang="en-US" sz="1000">
+                          <a:effectLst/>
+                        </a:rPr>
+                        <a:t>0.914100915</a:t>
+                      </a:r>
+                      <a:endParaRPr lang="en-US" sz="1600">
+                        <a:effectLst/>
+                        <a:latin typeface="Calibri" charset="0"/>
+                        <a:ea typeface="맑은 고딕" charset="-127"/>
+                        <a:cs typeface="Times New Roman" charset="0"/>
+                      </a:endParaRPr>
+                    </a:p>
+                  </a:txBody>
+                  <a:tcPr marL="89377" marR="89377" marT="0" marB="0"/>
+                </a:tc>
+                <a:tc>
+                  <a:txBody>
+                    <a:bodyPr/>
+                    <a:lstStyle/>
+                    <a:p>
+                      <a:pPr marL="0" marR="0" algn="r">
+                        <a:spcBef>
+                          <a:spcPts val="0"/>
+                        </a:spcBef>
+                        <a:spcAft>
+                          <a:spcPts val="0"/>
+                        </a:spcAft>
+                      </a:pPr>
+                      <a:r>
+                        <a:rPr lang="en-US" sz="1000" dirty="0">
+                          <a:effectLst/>
+                        </a:rPr>
+                        <a:t>0.977500319</a:t>
+                      </a:r>
+                      <a:endParaRPr lang="en-US" sz="1600" dirty="0">
+                        <a:effectLst/>
+                        <a:latin typeface="Calibri" charset="0"/>
+                        <a:ea typeface="맑은 고딕" charset="-127"/>
+                        <a:cs typeface="Times New Roman" charset="0"/>
+                      </a:endParaRPr>
+                    </a:p>
+                  </a:txBody>
+                  <a:tcPr marL="89377" marR="89377" marT="0" marB="0"/>
+                </a:tc>
+              </a:tr>
+            </a:tbl>
+          </a:graphicData>
+        </a:graphic>
+      </p:graphicFrame>
+      <p:graphicFrame>
+        <p:nvGraphicFramePr>
+          <p:cNvPr id="8" name="Content Placeholder 7"/>
+          <p:cNvGraphicFramePr>
+            <a:graphicFrameLocks noGrp="1"/>
+          </p:cNvGraphicFramePr>
+          <p:nvPr>
+            <p:ph idx="1"/>
+            <p:extLst>
+              <p:ext uri="{D42A27DB-BD31-4B8C-83A1-F6EECF244321}">
+                <p14:modId xmlns:p14="http://schemas.microsoft.com/office/powerpoint/2010/main" val="1680448248"/>
+              </p:ext>
+            </p:extLst>
+          </p:nvPr>
+        </p:nvGraphicFramePr>
+        <p:xfrm>
+          <a:off x="1141413" y="4081346"/>
+          <a:ext cx="5738888" cy="1282393"/>
+        </p:xfrm>
+        <a:graphic>
+          <a:graphicData uri="http://schemas.openxmlformats.org/drawingml/2006/table">
+            <a:tbl>
+              <a:tblPr firstRow="1" firstCol="1" bandRow="1">
+                <a:tableStyleId>{5C22544A-7EE6-4342-B048-85BDC9FD1C3A}</a:tableStyleId>
+              </a:tblPr>
+              <a:tblGrid>
+                <a:gridCol w="1452970"/>
+                <a:gridCol w="1378440"/>
+                <a:gridCol w="1378440"/>
+                <a:gridCol w="1529038"/>
+              </a:tblGrid>
+              <a:tr h="620088">
+                <a:tc>
+                  <a:txBody>
+                    <a:bodyPr/>
+                    <a:lstStyle/>
+                    <a:p>
+                      <a:pPr marL="0" marR="0">
+                        <a:lnSpc>
+                          <a:spcPct val="200000"/>
+                        </a:lnSpc>
+                        <a:spcBef>
+                          <a:spcPts val="0"/>
+                        </a:spcBef>
+                        <a:spcAft>
+                          <a:spcPts val="0"/>
+                        </a:spcAft>
+                      </a:pPr>
+                      <a:r>
+                        <a:rPr lang="en-US" sz="1000">
+                          <a:effectLst/>
+                        </a:rPr>
+                        <a:t> </a:t>
+                      </a:r>
+                      <a:endParaRPr lang="en-US" sz="1200">
+                        <a:effectLst/>
+                        <a:latin typeface="Calibri" charset="0"/>
+                        <a:ea typeface="맑은 고딕" charset="-127"/>
+                        <a:cs typeface="Times New Roman" charset="0"/>
+                      </a:endParaRPr>
+                    </a:p>
+                  </a:txBody>
+                  <a:tcPr marL="68580" marR="68580" marT="0" marB="0"/>
+                </a:tc>
+                <a:tc>
+                  <a:txBody>
+                    <a:bodyPr/>
+                    <a:lstStyle/>
+                    <a:p>
+                      <a:pPr marL="0" marR="0">
+                        <a:lnSpc>
+                          <a:spcPct val="200000"/>
+                        </a:lnSpc>
+                        <a:spcBef>
+                          <a:spcPts val="0"/>
+                        </a:spcBef>
+                        <a:spcAft>
+                          <a:spcPts val="0"/>
+                        </a:spcAft>
+                      </a:pPr>
+                      <a:r>
+                        <a:rPr lang="en-US" sz="1000">
+                          <a:effectLst/>
+                        </a:rPr>
+                        <a:t>Mean Difference</a:t>
+                      </a:r>
+                      <a:endParaRPr lang="en-US" sz="1200">
+                        <a:effectLst/>
+                        <a:latin typeface="Calibri" charset="0"/>
+                        <a:ea typeface="맑은 고딕" charset="-127"/>
+                        <a:cs typeface="Times New Roman" charset="0"/>
+                      </a:endParaRPr>
+                    </a:p>
+                  </a:txBody>
+                  <a:tcPr marL="68580" marR="68580" marT="0" marB="0"/>
+                </a:tc>
+                <a:tc>
+                  <a:txBody>
+                    <a:bodyPr/>
+                    <a:lstStyle/>
+                    <a:p>
+                      <a:pPr marL="0" marR="0">
+                        <a:lnSpc>
+                          <a:spcPct val="200000"/>
+                        </a:lnSpc>
+                        <a:spcBef>
+                          <a:spcPts val="0"/>
+                        </a:spcBef>
+                        <a:spcAft>
+                          <a:spcPts val="0"/>
+                        </a:spcAft>
+                      </a:pPr>
+                      <a:r>
+                        <a:rPr lang="en-US" sz="1000" dirty="0">
+                          <a:effectLst/>
+                        </a:rPr>
+                        <a:t>Test Statistic</a:t>
+                      </a:r>
+                      <a:endParaRPr lang="en-US" sz="1200" dirty="0">
+                        <a:effectLst/>
+                        <a:latin typeface="Calibri" charset="0"/>
+                        <a:ea typeface="맑은 고딕" charset="-127"/>
+                        <a:cs typeface="Times New Roman" charset="0"/>
+                      </a:endParaRPr>
+                    </a:p>
+                  </a:txBody>
+                  <a:tcPr marL="68580" marR="68580" marT="0" marB="0"/>
+                </a:tc>
+                <a:tc>
+                  <a:txBody>
+                    <a:bodyPr/>
+                    <a:lstStyle/>
+                    <a:p>
+                      <a:pPr marL="0" marR="0">
+                        <a:lnSpc>
+                          <a:spcPct val="200000"/>
+                        </a:lnSpc>
+                        <a:spcBef>
+                          <a:spcPts val="0"/>
+                        </a:spcBef>
+                        <a:spcAft>
+                          <a:spcPts val="0"/>
+                        </a:spcAft>
+                      </a:pPr>
+                      <a:r>
+                        <a:rPr lang="en-US" sz="1000">
+                          <a:effectLst/>
+                        </a:rPr>
+                        <a:t> p-value</a:t>
+                      </a:r>
+                      <a:endParaRPr lang="en-US" sz="1200">
+                        <a:effectLst/>
+                        <a:latin typeface="Calibri" charset="0"/>
+                        <a:ea typeface="맑은 고딕" charset="-127"/>
+                        <a:cs typeface="Times New Roman" charset="0"/>
+                      </a:endParaRPr>
+                    </a:p>
+                  </a:txBody>
+                  <a:tcPr marL="68580" marR="68580" marT="0" marB="0"/>
+                </a:tc>
+              </a:tr>
+              <a:tr h="352425">
+                <a:tc>
+                  <a:txBody>
+                    <a:bodyPr/>
+                    <a:lstStyle/>
+                    <a:p>
+                      <a:pPr marL="0" marR="0">
+                        <a:lnSpc>
+                          <a:spcPct val="200000"/>
+                        </a:lnSpc>
+                        <a:spcBef>
+                          <a:spcPts val="0"/>
+                        </a:spcBef>
+                        <a:spcAft>
+                          <a:spcPts val="0"/>
+                        </a:spcAft>
+                      </a:pPr>
+                      <a:r>
+                        <a:rPr lang="en-US" sz="1000">
+                          <a:effectLst/>
+                        </a:rPr>
+                        <a:t>CNN vs Fox News</a:t>
+                      </a:r>
+                      <a:endParaRPr lang="en-US" sz="1200">
+                        <a:effectLst/>
+                        <a:latin typeface="Calibri" charset="0"/>
+                        <a:ea typeface="맑은 고딕" charset="-127"/>
+                        <a:cs typeface="Times New Roman" charset="0"/>
+                      </a:endParaRPr>
+                    </a:p>
+                  </a:txBody>
+                  <a:tcPr marL="68580" marR="68580" marT="0" marB="0"/>
+                </a:tc>
+                <a:tc>
+                  <a:txBody>
+                    <a:bodyPr/>
+                    <a:lstStyle/>
+                    <a:p>
+                      <a:r>
+                        <a:rPr lang="en-US" sz="1200">
+                          <a:effectLst/>
+                        </a:rPr>
+                        <a:t>-0.05428</a:t>
+                      </a:r>
+                      <a:endParaRPr lang="en-US" sz="1200">
+                        <a:effectLst/>
+                        <a:latin typeface="Calibri" charset="0"/>
+                      </a:endParaRPr>
+                    </a:p>
+                  </a:txBody>
+                  <a:tcPr marL="68580" marR="68580" marT="0" marB="0"/>
+                </a:tc>
+                <a:tc>
+                  <a:txBody>
+                    <a:bodyPr/>
+                    <a:lstStyle/>
+                    <a:p>
+                      <a:r>
+                        <a:rPr lang="en-US" sz="1200">
+                          <a:effectLst/>
+                        </a:rPr>
+                        <a:t>-54.40851</a:t>
+                      </a:r>
+                      <a:endParaRPr lang="en-US" sz="1200">
+                        <a:effectLst/>
+                        <a:latin typeface="Calibri" charset="0"/>
+                      </a:endParaRPr>
+                    </a:p>
+                  </a:txBody>
+                  <a:tcPr marL="68580" marR="68580" marT="0" marB="0"/>
+                </a:tc>
+                <a:tc>
+                  <a:txBody>
+                    <a:bodyPr/>
+                    <a:lstStyle/>
+                    <a:p>
+                      <a:pPr marL="0" marR="0">
+                        <a:lnSpc>
+                          <a:spcPct val="200000"/>
+                        </a:lnSpc>
+                        <a:spcBef>
+                          <a:spcPts val="0"/>
+                        </a:spcBef>
+                        <a:spcAft>
+                          <a:spcPts val="0"/>
+                        </a:spcAft>
+                      </a:pPr>
+                      <a:r>
+                        <a:rPr lang="en-US" sz="1000">
+                          <a:effectLst/>
+                        </a:rPr>
+                        <a:t>0.000</a:t>
+                      </a:r>
+                      <a:endParaRPr lang="en-US" sz="1200">
+                        <a:effectLst/>
+                        <a:latin typeface="Calibri" charset="0"/>
+                        <a:ea typeface="맑은 고딕" charset="-127"/>
+                        <a:cs typeface="Times New Roman" charset="0"/>
+                      </a:endParaRPr>
+                    </a:p>
+                  </a:txBody>
+                  <a:tcPr marL="68580" marR="68580" marT="0" marB="0"/>
+                </a:tc>
+              </a:tr>
+              <a:tr h="309880">
+                <a:tc>
+                  <a:txBody>
+                    <a:bodyPr/>
+                    <a:lstStyle/>
+                    <a:p>
+                      <a:pPr marL="0" marR="0">
+                        <a:lnSpc>
+                          <a:spcPct val="200000"/>
+                        </a:lnSpc>
+                        <a:spcBef>
+                          <a:spcPts val="0"/>
+                        </a:spcBef>
+                        <a:spcAft>
+                          <a:spcPts val="0"/>
+                        </a:spcAft>
+                      </a:pPr>
+                      <a:r>
+                        <a:rPr lang="en-US" sz="1000">
+                          <a:effectLst/>
+                        </a:rPr>
+                        <a:t>CNN vs RT</a:t>
+                      </a:r>
+                      <a:endParaRPr lang="en-US" sz="1200">
+                        <a:effectLst/>
+                        <a:latin typeface="Calibri" charset="0"/>
+                        <a:ea typeface="맑은 고딕" charset="-127"/>
+                        <a:cs typeface="Times New Roman" charset="0"/>
+                      </a:endParaRPr>
+                    </a:p>
+                  </a:txBody>
+                  <a:tcPr marL="68580" marR="68580" marT="0" marB="0"/>
+                </a:tc>
+                <a:tc>
+                  <a:txBody>
+                    <a:bodyPr/>
+                    <a:lstStyle/>
+                    <a:p>
+                      <a:r>
+                        <a:rPr lang="en-US" sz="1200">
+                          <a:effectLst/>
+                        </a:rPr>
+                        <a:t>-0.04115</a:t>
+                      </a:r>
+                      <a:endParaRPr lang="en-US" sz="1200">
+                        <a:effectLst/>
+                        <a:latin typeface="Calibri" charset="0"/>
+                      </a:endParaRPr>
+                    </a:p>
+                  </a:txBody>
+                  <a:tcPr marL="68580" marR="68580" marT="0" marB="0"/>
+                </a:tc>
+                <a:tc>
+                  <a:txBody>
+                    <a:bodyPr/>
+                    <a:lstStyle/>
+                    <a:p>
+                      <a:r>
+                        <a:rPr lang="en-US" sz="1200">
+                          <a:effectLst/>
+                        </a:rPr>
+                        <a:t>-56.03709</a:t>
+                      </a:r>
+                      <a:endParaRPr lang="en-US" sz="1200">
+                        <a:effectLst/>
+                        <a:latin typeface="Calibri" charset="0"/>
+                      </a:endParaRPr>
+                    </a:p>
+                  </a:txBody>
+                  <a:tcPr marL="68580" marR="68580" marT="0" marB="0"/>
+                </a:tc>
+                <a:tc>
+                  <a:txBody>
+                    <a:bodyPr/>
+                    <a:lstStyle/>
+                    <a:p>
+                      <a:pPr marL="0" marR="0">
+                        <a:lnSpc>
+                          <a:spcPct val="200000"/>
+                        </a:lnSpc>
+                        <a:spcBef>
+                          <a:spcPts val="0"/>
+                        </a:spcBef>
+                        <a:spcAft>
+                          <a:spcPts val="0"/>
+                        </a:spcAft>
+                      </a:pPr>
+                      <a:r>
+                        <a:rPr lang="en-US" sz="1000" dirty="0">
+                          <a:effectLst/>
+                        </a:rPr>
+                        <a:t>0.000</a:t>
+                      </a:r>
+                      <a:endParaRPr lang="en-US" sz="1200" dirty="0">
+                        <a:effectLst/>
+                        <a:latin typeface="Calibri" charset="0"/>
+                        <a:ea typeface="맑은 고딕" charset="-127"/>
+                        <a:cs typeface="Times New Roman" charset="0"/>
+                      </a:endParaRPr>
+                    </a:p>
+                  </a:txBody>
+                  <a:tcPr marL="68580" marR="68580" marT="0" marB="0"/>
+                </a:tc>
+              </a:tr>
+            </a:tbl>
+          </a:graphicData>
+        </a:graphic>
+      </p:graphicFrame>
+    </p:spTree>
+    <p:extLst>
+      <p:ext uri="{BB962C8B-B14F-4D97-AF65-F5344CB8AC3E}">
+        <p14:creationId xmlns:p14="http://schemas.microsoft.com/office/powerpoint/2010/main" val="1018291600"/>
+      </p:ext>
+    </p:extLst>
+  </p:cSld>
+  <p:clrMapOvr>
+    <a:masterClrMapping/>
+  </p:clrMapOvr>
+  <p:timing>
+    <p:tnLst>
+      <p:par>
+        <p:cTn id="1" dur="indefinite" restart="never" nodeType="tmRoot"/>
+      </p:par>
+    </p:tnLst>
+  </p:timing>
 </p:sld>
 </file>
 
@@ -6061,4 +11667,265 @@
     </a:ext>
   </a:extLst>
 </a:theme>
+</file>
+
+<file path=ppt/theme/theme2.xml><?xml version="1.0" encoding="utf-8"?>
+<a:theme xmlns:a="http://schemas.openxmlformats.org/drawingml/2006/main" name="Office Theme">
+  <a:themeElements>
+    <a:clrScheme name="Office">
+      <a:dk1>
+        <a:sysClr val="windowText" lastClr="000000"/>
+      </a:dk1>
+      <a:lt1>
+        <a:sysClr val="window" lastClr="FFFFFF"/>
+      </a:lt1>
+      <a:dk2>
+        <a:srgbClr val="44546A"/>
+      </a:dk2>
+      <a:lt2>
+        <a:srgbClr val="E7E6E6"/>
+      </a:lt2>
+      <a:accent1>
+        <a:srgbClr val="4472C4"/>
+      </a:accent1>
+      <a:accent2>
+        <a:srgbClr val="ED7D31"/>
+      </a:accent2>
+      <a:accent3>
+        <a:srgbClr val="A5A5A5"/>
+      </a:accent3>
+      <a:accent4>
+        <a:srgbClr val="FFC000"/>
+      </a:accent4>
+      <a:accent5>
+        <a:srgbClr val="5B9BD5"/>
+      </a:accent5>
+      <a:accent6>
+        <a:srgbClr val="70AD47"/>
+      </a:accent6>
+      <a:hlink>
+        <a:srgbClr val="0563C1"/>
+      </a:hlink>
+      <a:folHlink>
+        <a:srgbClr val="954F72"/>
+      </a:folHlink>
+    </a:clrScheme>
+    <a:fontScheme name="Office">
+      <a:majorFont>
+        <a:latin typeface="Calibri Light" panose="020F0302020204030204"/>
+        <a:ea typeface=""/>
+        <a:cs typeface=""/>
+        <a:font script="Jpan" typeface="Yu Gothic Light"/>
+        <a:font script="Hang" typeface="맑은 고딕"/>
+        <a:font script="Hans" typeface="DengXian Light"/>
+        <a:font script="Hant" typeface="新細明體"/>
+        <a:font script="Arab" typeface="Times New Roman"/>
+        <a:font script="Hebr" typeface="Times New Roman"/>
+        <a:font script="Thai" typeface="Angsana New"/>
+        <a:font script="Ethi" typeface="Nyala"/>
+        <a:font script="Beng" typeface="Vrinda"/>
+        <a:font script="Gujr" typeface="Shruti"/>
+        <a:font script="Khmr" typeface="MoolBoran"/>
+        <a:font script="Knda" typeface="Tunga"/>
+        <a:font script="Guru" typeface="Raavi"/>
+        <a:font script="Cans" typeface="Euphemia"/>
+        <a:font script="Cher" typeface="Plantagenet Cherokee"/>
+        <a:font script="Yiii" typeface="Microsoft Yi Baiti"/>
+        <a:font script="Tibt" typeface="Microsoft Himalaya"/>
+        <a:font script="Thaa" typeface="MV Boli"/>
+        <a:font script="Deva" typeface="Mangal"/>
+        <a:font script="Telu" typeface="Gautami"/>
+        <a:font script="Taml" typeface="Latha"/>
+        <a:font script="Syrc" typeface="Estrangelo Edessa"/>
+        <a:font script="Orya" typeface="Kalinga"/>
+        <a:font script="Mlym" typeface="Kartika"/>
+        <a:font script="Laoo" typeface="DokChampa"/>
+        <a:font script="Sinh" typeface="Iskoola Pota"/>
+        <a:font script="Mong" typeface="Mongolian Baiti"/>
+        <a:font script="Viet" typeface="Times New Roman"/>
+        <a:font script="Uigh" typeface="Microsoft Uighur"/>
+        <a:font script="Geor" typeface="Sylfaen"/>
+      </a:majorFont>
+      <a:minorFont>
+        <a:latin typeface="Calibri" panose="020F0502020204030204"/>
+        <a:ea typeface=""/>
+        <a:cs typeface=""/>
+        <a:font script="Jpan" typeface="Yu Gothic"/>
+        <a:font script="Hang" typeface="맑은 고딕"/>
+        <a:font script="Hans" typeface="DengXian"/>
+        <a:font script="Hant" typeface="新細明體"/>
+        <a:font script="Arab" typeface="Arial"/>
+        <a:font script="Hebr" typeface="Arial"/>
+        <a:font script="Thai" typeface="Cordia New"/>
+        <a:font script="Ethi" typeface="Nyala"/>
+        <a:font script="Beng" typeface="Vrinda"/>
+        <a:font script="Gujr" typeface="Shruti"/>
+        <a:font script="Khmr" typeface="DaunPenh"/>
+        <a:font script="Knda" typeface="Tunga"/>
+        <a:font script="Guru" typeface="Raavi"/>
+        <a:font script="Cans" typeface="Euphemia"/>
+        <a:font script="Cher" typeface="Plantagenet Cherokee"/>
+        <a:font script="Yiii" typeface="Microsoft Yi Baiti"/>
+        <a:font script="Tibt" typeface="Microsoft Himalaya"/>
+        <a:font script="Thaa" typeface="MV Boli"/>
+        <a:font script="Deva" typeface="Mangal"/>
+        <a:font script="Telu" typeface="Gautami"/>
+        <a:font script="Taml" typeface="Latha"/>
+        <a:font script="Syrc" typeface="Estrangelo Edessa"/>
+        <a:font script="Orya" typeface="Kalinga"/>
+        <a:font script="Mlym" typeface="Kartika"/>
+        <a:font script="Laoo" typeface="DokChampa"/>
+        <a:font script="Sinh" typeface="Iskoola Pota"/>
+        <a:font script="Mong" typeface="Mongolian Baiti"/>
+        <a:font script="Viet" typeface="Arial"/>
+        <a:font script="Uigh" typeface="Microsoft Uighur"/>
+        <a:font script="Geor" typeface="Sylfaen"/>
+      </a:minorFont>
+    </a:fontScheme>
+    <a:fmtScheme name="Office">
+      <a:fillStyleLst>
+        <a:solidFill>
+          <a:schemeClr val="phClr"/>
+        </a:solidFill>
+        <a:gradFill rotWithShape="1">
+          <a:gsLst>
+            <a:gs pos="0">
+              <a:schemeClr val="phClr">
+                <a:lumMod val="110000"/>
+                <a:satMod val="105000"/>
+                <a:tint val="67000"/>
+              </a:schemeClr>
+            </a:gs>
+            <a:gs pos="50000">
+              <a:schemeClr val="phClr">
+                <a:lumMod val="105000"/>
+                <a:satMod val="103000"/>
+                <a:tint val="73000"/>
+              </a:schemeClr>
+            </a:gs>
+            <a:gs pos="100000">
+              <a:schemeClr val="phClr">
+                <a:lumMod val="105000"/>
+                <a:satMod val="109000"/>
+                <a:tint val="81000"/>
+              </a:schemeClr>
+            </a:gs>
+          </a:gsLst>
+          <a:lin ang="5400000" scaled="0"/>
+        </a:gradFill>
+        <a:gradFill rotWithShape="1">
+          <a:gsLst>
+            <a:gs pos="0">
+              <a:schemeClr val="phClr">
+                <a:satMod val="103000"/>
+                <a:lumMod val="102000"/>
+                <a:tint val="94000"/>
+              </a:schemeClr>
+            </a:gs>
+            <a:gs pos="50000">
+              <a:schemeClr val="phClr">
+                <a:satMod val="110000"/>
+                <a:lumMod val="100000"/>
+                <a:shade val="100000"/>
+              </a:schemeClr>
+            </a:gs>
+            <a:gs pos="100000">
+              <a:schemeClr val="phClr">
+                <a:lumMod val="99000"/>
+                <a:satMod val="120000"/>
+                <a:shade val="78000"/>
+              </a:schemeClr>
+            </a:gs>
+          </a:gsLst>
+          <a:lin ang="5400000" scaled="0"/>
+        </a:gradFill>
+      </a:fillStyleLst>
+      <a:lnStyleLst>
+        <a:ln w="6350" cap="flat" cmpd="sng" algn="ctr">
+          <a:solidFill>
+            <a:schemeClr val="phClr"/>
+          </a:solidFill>
+          <a:prstDash val="solid"/>
+          <a:miter lim="800000"/>
+        </a:ln>
+        <a:ln w="12700" cap="flat" cmpd="sng" algn="ctr">
+          <a:solidFill>
+            <a:schemeClr val="phClr"/>
+          </a:solidFill>
+          <a:prstDash val="solid"/>
+          <a:miter lim="800000"/>
+        </a:ln>
+        <a:ln w="19050" cap="flat" cmpd="sng" algn="ctr">
+          <a:solidFill>
+            <a:schemeClr val="phClr"/>
+          </a:solidFill>
+          <a:prstDash val="solid"/>
+          <a:miter lim="800000"/>
+        </a:ln>
+      </a:lnStyleLst>
+      <a:effectStyleLst>
+        <a:effectStyle>
+          <a:effectLst/>
+        </a:effectStyle>
+        <a:effectStyle>
+          <a:effectLst/>
+        </a:effectStyle>
+        <a:effectStyle>
+          <a:effectLst>
+            <a:outerShdw blurRad="57150" dist="19050" dir="5400000" algn="ctr" rotWithShape="0">
+              <a:srgbClr val="000000">
+                <a:alpha val="63000"/>
+              </a:srgbClr>
+            </a:outerShdw>
+          </a:effectLst>
+        </a:effectStyle>
+      </a:effectStyleLst>
+      <a:bgFillStyleLst>
+        <a:solidFill>
+          <a:schemeClr val="phClr"/>
+        </a:solidFill>
+        <a:solidFill>
+          <a:schemeClr val="phClr">
+            <a:tint val="95000"/>
+            <a:satMod val="170000"/>
+          </a:schemeClr>
+        </a:solidFill>
+        <a:gradFill rotWithShape="1">
+          <a:gsLst>
+            <a:gs pos="0">
+              <a:schemeClr val="phClr">
+                <a:tint val="93000"/>
+                <a:satMod val="150000"/>
+                <a:shade val="98000"/>
+                <a:lumMod val="102000"/>
+              </a:schemeClr>
+            </a:gs>
+            <a:gs pos="50000">
+              <a:schemeClr val="phClr">
+                <a:tint val="98000"/>
+                <a:satMod val="130000"/>
+                <a:shade val="90000"/>
+                <a:lumMod val="103000"/>
+              </a:schemeClr>
+            </a:gs>
+            <a:gs pos="100000">
+              <a:schemeClr val="phClr">
+                <a:shade val="63000"/>
+                <a:satMod val="120000"/>
+              </a:schemeClr>
+            </a:gs>
+          </a:gsLst>
+          <a:lin ang="5400000" scaled="0"/>
+        </a:gradFill>
+      </a:bgFillStyleLst>
+    </a:fmtScheme>
+  </a:themeElements>
+  <a:objectDefaults/>
+  <a:extraClrSchemeLst/>
+  <a:extLst>
+    <a:ext uri="{05A4C25C-085E-4340-85A3-A5531E510DB2}">
+      <thm15:themeFamily xmlns:thm15="http://schemas.microsoft.com/office/thememl/2012/main" name="Office Theme" id="{62F939B6-93AF-4DB8-9C6B-D6C7DFDC589F}" vid="{4A3C46E8-61CC-4603-A589-7422A47A8E4A}"/>
+    </a:ext>
+  </a:extLst>
+</a:theme>
 </file>